--- a/eagle/oversigt/UCcarOverview.pptx
+++ b/eagle/oversigt/UCcarOverview.pptx
@@ -289,7 +289,7 @@
           <a:p>
             <a:fld id="{4CF1D53C-3199-4979-A1A9-E22E54304434}" type="datetimeFigureOut">
               <a:rPr lang="da-DK" smtClean="0"/>
-              <a:t>26-10-2010</a:t>
+              <a:t>27-06-2014</a:t>
             </a:fld>
             <a:endParaRPr lang="da-DK"/>
           </a:p>
@@ -331,7 +331,7 @@
           <a:p>
             <a:fld id="{5D2EE93E-268C-4DFA-A893-7C617CAB277E}" type="slidenum">
               <a:rPr lang="da-DK" smtClean="0"/>
-              <a:t>‹#›</a:t>
+              <a:t>‹nr.›</a:t>
             </a:fld>
             <a:endParaRPr lang="da-DK"/>
           </a:p>
@@ -459,7 +459,7 @@
           <a:p>
             <a:fld id="{4CF1D53C-3199-4979-A1A9-E22E54304434}" type="datetimeFigureOut">
               <a:rPr lang="da-DK" smtClean="0"/>
-              <a:t>26-10-2010</a:t>
+              <a:t>27-06-2014</a:t>
             </a:fld>
             <a:endParaRPr lang="da-DK"/>
           </a:p>
@@ -501,7 +501,7 @@
           <a:p>
             <a:fld id="{5D2EE93E-268C-4DFA-A893-7C617CAB277E}" type="slidenum">
               <a:rPr lang="da-DK" smtClean="0"/>
-              <a:t>‹#›</a:t>
+              <a:t>‹nr.›</a:t>
             </a:fld>
             <a:endParaRPr lang="da-DK"/>
           </a:p>
@@ -639,7 +639,7 @@
           <a:p>
             <a:fld id="{4CF1D53C-3199-4979-A1A9-E22E54304434}" type="datetimeFigureOut">
               <a:rPr lang="da-DK" smtClean="0"/>
-              <a:t>26-10-2010</a:t>
+              <a:t>27-06-2014</a:t>
             </a:fld>
             <a:endParaRPr lang="da-DK"/>
           </a:p>
@@ -681,7 +681,7 @@
           <a:p>
             <a:fld id="{5D2EE93E-268C-4DFA-A893-7C617CAB277E}" type="slidenum">
               <a:rPr lang="da-DK" smtClean="0"/>
-              <a:t>‹#›</a:t>
+              <a:t>‹nr.›</a:t>
             </a:fld>
             <a:endParaRPr lang="da-DK"/>
           </a:p>
@@ -809,7 +809,7 @@
           <a:p>
             <a:fld id="{4CF1D53C-3199-4979-A1A9-E22E54304434}" type="datetimeFigureOut">
               <a:rPr lang="da-DK" smtClean="0"/>
-              <a:t>26-10-2010</a:t>
+              <a:t>27-06-2014</a:t>
             </a:fld>
             <a:endParaRPr lang="da-DK"/>
           </a:p>
@@ -851,7 +851,7 @@
           <a:p>
             <a:fld id="{5D2EE93E-268C-4DFA-A893-7C617CAB277E}" type="slidenum">
               <a:rPr lang="da-DK" smtClean="0"/>
-              <a:t>‹#›</a:t>
+              <a:t>‹nr.›</a:t>
             </a:fld>
             <a:endParaRPr lang="da-DK"/>
           </a:p>
@@ -1055,7 +1055,7 @@
           <a:p>
             <a:fld id="{4CF1D53C-3199-4979-A1A9-E22E54304434}" type="datetimeFigureOut">
               <a:rPr lang="da-DK" smtClean="0"/>
-              <a:t>26-10-2010</a:t>
+              <a:t>27-06-2014</a:t>
             </a:fld>
             <a:endParaRPr lang="da-DK"/>
           </a:p>
@@ -1097,7 +1097,7 @@
           <a:p>
             <a:fld id="{5D2EE93E-268C-4DFA-A893-7C617CAB277E}" type="slidenum">
               <a:rPr lang="da-DK" smtClean="0"/>
-              <a:t>‹#›</a:t>
+              <a:t>‹nr.›</a:t>
             </a:fld>
             <a:endParaRPr lang="da-DK"/>
           </a:p>
@@ -1343,7 +1343,7 @@
           <a:p>
             <a:fld id="{4CF1D53C-3199-4979-A1A9-E22E54304434}" type="datetimeFigureOut">
               <a:rPr lang="da-DK" smtClean="0"/>
-              <a:t>26-10-2010</a:t>
+              <a:t>27-06-2014</a:t>
             </a:fld>
             <a:endParaRPr lang="da-DK"/>
           </a:p>
@@ -1385,7 +1385,7 @@
           <a:p>
             <a:fld id="{5D2EE93E-268C-4DFA-A893-7C617CAB277E}" type="slidenum">
               <a:rPr lang="da-DK" smtClean="0"/>
-              <a:t>‹#›</a:t>
+              <a:t>‹nr.›</a:t>
             </a:fld>
             <a:endParaRPr lang="da-DK"/>
           </a:p>
@@ -1765,7 +1765,7 @@
           <a:p>
             <a:fld id="{4CF1D53C-3199-4979-A1A9-E22E54304434}" type="datetimeFigureOut">
               <a:rPr lang="da-DK" smtClean="0"/>
-              <a:t>26-10-2010</a:t>
+              <a:t>27-06-2014</a:t>
             </a:fld>
             <a:endParaRPr lang="da-DK"/>
           </a:p>
@@ -1807,7 +1807,7 @@
           <a:p>
             <a:fld id="{5D2EE93E-268C-4DFA-A893-7C617CAB277E}" type="slidenum">
               <a:rPr lang="da-DK" smtClean="0"/>
-              <a:t>‹#›</a:t>
+              <a:t>‹nr.›</a:t>
             </a:fld>
             <a:endParaRPr lang="da-DK"/>
           </a:p>
@@ -1883,7 +1883,7 @@
           <a:p>
             <a:fld id="{4CF1D53C-3199-4979-A1A9-E22E54304434}" type="datetimeFigureOut">
               <a:rPr lang="da-DK" smtClean="0"/>
-              <a:t>26-10-2010</a:t>
+              <a:t>27-06-2014</a:t>
             </a:fld>
             <a:endParaRPr lang="da-DK"/>
           </a:p>
@@ -1925,7 +1925,7 @@
           <a:p>
             <a:fld id="{5D2EE93E-268C-4DFA-A893-7C617CAB277E}" type="slidenum">
               <a:rPr lang="da-DK" smtClean="0"/>
-              <a:t>‹#›</a:t>
+              <a:t>‹nr.›</a:t>
             </a:fld>
             <a:endParaRPr lang="da-DK"/>
           </a:p>
@@ -1978,7 +1978,7 @@
           <a:p>
             <a:fld id="{4CF1D53C-3199-4979-A1A9-E22E54304434}" type="datetimeFigureOut">
               <a:rPr lang="da-DK" smtClean="0"/>
-              <a:t>26-10-2010</a:t>
+              <a:t>27-06-2014</a:t>
             </a:fld>
             <a:endParaRPr lang="da-DK"/>
           </a:p>
@@ -2020,7 +2020,7 @@
           <a:p>
             <a:fld id="{5D2EE93E-268C-4DFA-A893-7C617CAB277E}" type="slidenum">
               <a:rPr lang="da-DK" smtClean="0"/>
-              <a:t>‹#›</a:t>
+              <a:t>‹nr.›</a:t>
             </a:fld>
             <a:endParaRPr lang="da-DK"/>
           </a:p>
@@ -2255,7 +2255,7 @@
           <a:p>
             <a:fld id="{4CF1D53C-3199-4979-A1A9-E22E54304434}" type="datetimeFigureOut">
               <a:rPr lang="da-DK" smtClean="0"/>
-              <a:t>26-10-2010</a:t>
+              <a:t>27-06-2014</a:t>
             </a:fld>
             <a:endParaRPr lang="da-DK"/>
           </a:p>
@@ -2297,7 +2297,7 @@
           <a:p>
             <a:fld id="{5D2EE93E-268C-4DFA-A893-7C617CAB277E}" type="slidenum">
               <a:rPr lang="da-DK" smtClean="0"/>
-              <a:t>‹#›</a:t>
+              <a:t>‹nr.›</a:t>
             </a:fld>
             <a:endParaRPr lang="da-DK"/>
           </a:p>
@@ -2508,7 +2508,7 @@
           <a:p>
             <a:fld id="{4CF1D53C-3199-4979-A1A9-E22E54304434}" type="datetimeFigureOut">
               <a:rPr lang="da-DK" smtClean="0"/>
-              <a:t>26-10-2010</a:t>
+              <a:t>27-06-2014</a:t>
             </a:fld>
             <a:endParaRPr lang="da-DK"/>
           </a:p>
@@ -2550,7 +2550,7 @@
           <a:p>
             <a:fld id="{5D2EE93E-268C-4DFA-A893-7C617CAB277E}" type="slidenum">
               <a:rPr lang="da-DK" smtClean="0"/>
-              <a:t>‹#›</a:t>
+              <a:t>‹nr.›</a:t>
             </a:fld>
             <a:endParaRPr lang="da-DK"/>
           </a:p>
@@ -2721,7 +2721,7 @@
           <a:p>
             <a:fld id="{4CF1D53C-3199-4979-A1A9-E22E54304434}" type="datetimeFigureOut">
               <a:rPr lang="da-DK" smtClean="0"/>
-              <a:t>26-10-2010</a:t>
+              <a:t>27-06-2014</a:t>
             </a:fld>
             <a:endParaRPr lang="da-DK"/>
           </a:p>
@@ -2799,7 +2799,7 @@
           <a:p>
             <a:fld id="{5D2EE93E-268C-4DFA-A893-7C617CAB277E}" type="slidenum">
               <a:rPr lang="da-DK" smtClean="0"/>
-              <a:t>‹#›</a:t>
+              <a:t>‹nr.›</a:t>
             </a:fld>
             <a:endParaRPr lang="da-DK"/>
           </a:p>
@@ -4319,4119 +4319,295 @@
           <a:chExt cx="0" cy="0"/>
         </a:xfrm>
       </p:grpSpPr>
-      <p:sp>
-        <p:nvSpPr>
-          <p:cNvPr id="4" name="Snip Same Side Corner Rectangle 3"/>
-          <p:cNvSpPr/>
-          <p:nvPr/>
-        </p:nvSpPr>
-        <p:spPr>
-          <a:xfrm rot="5400000">
-            <a:off x="2755186" y="-207404"/>
-            <a:ext cx="2088232" cy="7200800"/>
-          </a:xfrm>
-          <a:prstGeom prst="snip2SameRect">
-            <a:avLst>
-              <a:gd name="adj1" fmla="val 35359"/>
-              <a:gd name="adj2" fmla="val 0"/>
-            </a:avLst>
-          </a:prstGeom>
-          <a:solidFill>
-            <a:schemeClr val="bg2">
-              <a:lumMod val="90000"/>
-            </a:schemeClr>
-          </a:solidFill>
-          <a:ln>
+      <p:grpSp>
+        <p:nvGrpSpPr>
+          <p:cNvPr id="114" name="Gruppe 113"/>
+          <p:cNvGrpSpPr/>
+          <p:nvPr/>
+        </p:nvGrpSpPr>
+        <p:grpSpPr>
+          <a:xfrm>
+            <a:off x="251520" y="116632"/>
+            <a:ext cx="8721299" cy="4752528"/>
+            <a:chOff x="243189" y="116632"/>
+            <a:chExt cx="8721299" cy="4752528"/>
+          </a:xfrm>
+        </p:grpSpPr>
+        <p:sp>
+          <p:nvSpPr>
+            <p:cNvPr id="4" name="Snip Same Side Corner Rectangle 3"/>
+            <p:cNvSpPr/>
+            <p:nvPr/>
+          </p:nvSpPr>
+          <p:spPr>
+            <a:xfrm rot="5400000">
+              <a:off x="2807804" y="-1107504"/>
+              <a:ext cx="2088232" cy="7200800"/>
+            </a:xfrm>
+            <a:prstGeom prst="snip2SameRect">
+              <a:avLst>
+                <a:gd name="adj1" fmla="val 35359"/>
+                <a:gd name="adj2" fmla="val 0"/>
+              </a:avLst>
+            </a:prstGeom>
             <a:solidFill>
               <a:schemeClr val="bg2">
                 <a:lumMod val="90000"/>
               </a:schemeClr>
             </a:solidFill>
-          </a:ln>
-        </p:spPr>
-        <p:style>
-          <a:lnRef idx="2">
-            <a:schemeClr val="accent1">
-              <a:shade val="50000"/>
-            </a:schemeClr>
-          </a:lnRef>
-          <a:fillRef idx="1">
-            <a:schemeClr val="accent1"/>
-          </a:fillRef>
-          <a:effectRef idx="0">
-            <a:schemeClr val="accent1"/>
-          </a:effectRef>
-          <a:fontRef idx="minor">
-            <a:schemeClr val="lt1"/>
-          </a:fontRef>
-        </p:style>
-        <p:txBody>
-          <a:bodyPr rtlCol="0" anchor="ctr"/>
-          <a:lstStyle/>
-          <a:p>
-            <a:pPr algn="ctr"/>
-            <a:r>
-              <a:rPr lang="da-DK" dirty="0" smtClean="0"/>
-              <a:t>	 </a:t>
-            </a:r>
-            <a:endParaRPr lang="da-DK" dirty="0"/>
-          </a:p>
-        </p:txBody>
-      </p:sp>
-      <p:sp>
-        <p:nvSpPr>
-          <p:cNvPr id="5" name="Isosceles Triangle 4"/>
-          <p:cNvSpPr/>
-          <p:nvPr/>
-        </p:nvSpPr>
-        <p:spPr>
-          <a:xfrm>
-            <a:off x="1855086" y="1268760"/>
-            <a:ext cx="4752528" cy="1080120"/>
-          </a:xfrm>
-          <a:prstGeom prst="triangle">
-            <a:avLst>
-              <a:gd name="adj" fmla="val 26153"/>
-            </a:avLst>
-          </a:prstGeom>
-          <a:solidFill>
-            <a:schemeClr val="bg2">
-              <a:lumMod val="90000"/>
-            </a:schemeClr>
-          </a:solidFill>
-          <a:ln>
-            <a:solidFill>
-              <a:schemeClr val="bg1">
-                <a:lumMod val="75000"/>
+            <a:ln>
+              <a:solidFill>
+                <a:schemeClr val="bg2">
+                  <a:lumMod val="90000"/>
+                </a:schemeClr>
+              </a:solidFill>
+            </a:ln>
+          </p:spPr>
+          <p:style>
+            <a:lnRef idx="2">
+              <a:schemeClr val="accent1">
+                <a:shade val="50000"/>
               </a:schemeClr>
-            </a:solidFill>
-          </a:ln>
-        </p:spPr>
-        <p:style>
-          <a:lnRef idx="2">
-            <a:schemeClr val="accent1">
-              <a:shade val="50000"/>
-            </a:schemeClr>
-          </a:lnRef>
-          <a:fillRef idx="1">
-            <a:schemeClr val="accent1"/>
-          </a:fillRef>
-          <a:effectRef idx="0">
-            <a:schemeClr val="accent1"/>
-          </a:effectRef>
-          <a:fontRef idx="minor">
-            <a:schemeClr val="lt1"/>
-          </a:fontRef>
-        </p:style>
-        <p:txBody>
-          <a:bodyPr rtlCol="0" anchor="ctr"/>
-          <a:lstStyle/>
-          <a:p>
-            <a:pPr algn="ctr"/>
-            <a:endParaRPr lang="da-DK"/>
-          </a:p>
-        </p:txBody>
-      </p:sp>
-      <p:sp>
-        <p:nvSpPr>
-          <p:cNvPr id="7" name="Rounded Rectangle 6"/>
-          <p:cNvSpPr/>
-          <p:nvPr/>
-        </p:nvSpPr>
-        <p:spPr>
-          <a:xfrm>
-            <a:off x="6391590" y="2403899"/>
-            <a:ext cx="2520280" cy="1961206"/>
-          </a:xfrm>
-          <a:prstGeom prst="roundRect">
-            <a:avLst/>
-          </a:prstGeom>
-          <a:solidFill>
-            <a:schemeClr val="bg2">
-              <a:lumMod val="90000"/>
-            </a:schemeClr>
-          </a:solidFill>
-          <a:ln>
+            </a:lnRef>
+            <a:fillRef idx="1">
+              <a:schemeClr val="accent1"/>
+            </a:fillRef>
+            <a:effectRef idx="0">
+              <a:schemeClr val="accent1"/>
+            </a:effectRef>
+            <a:fontRef idx="minor">
+              <a:schemeClr val="lt1"/>
+            </a:fontRef>
+          </p:style>
+          <p:txBody>
+            <a:bodyPr rtlCol="0" anchor="ctr"/>
+            <a:lstStyle/>
+            <a:p>
+              <a:pPr algn="ctr"/>
+              <a:r>
+                <a:rPr lang="da-DK" dirty="0" smtClean="0"/>
+                <a:t>	 </a:t>
+              </a:r>
+              <a:endParaRPr lang="da-DK" dirty="0"/>
+            </a:p>
+          </p:txBody>
+        </p:sp>
+        <p:sp>
+          <p:nvSpPr>
+            <p:cNvPr id="5" name="Isosceles Triangle 4"/>
+            <p:cNvSpPr/>
+            <p:nvPr/>
+          </p:nvSpPr>
+          <p:spPr>
+            <a:xfrm>
+              <a:off x="1907704" y="368660"/>
+              <a:ext cx="4752528" cy="1080120"/>
+            </a:xfrm>
+            <a:prstGeom prst="triangle">
+              <a:avLst>
+                <a:gd name="adj" fmla="val 26153"/>
+              </a:avLst>
+            </a:prstGeom>
             <a:solidFill>
               <a:schemeClr val="bg2">
                 <a:lumMod val="90000"/>
               </a:schemeClr>
             </a:solidFill>
-          </a:ln>
-        </p:spPr>
-        <p:style>
-          <a:lnRef idx="2">
-            <a:schemeClr val="accent1">
-              <a:shade val="50000"/>
-            </a:schemeClr>
-          </a:lnRef>
-          <a:fillRef idx="1">
-            <a:schemeClr val="accent1"/>
-          </a:fillRef>
-          <a:effectRef idx="0">
-            <a:schemeClr val="accent1"/>
-          </a:effectRef>
-          <a:fontRef idx="minor">
-            <a:schemeClr val="lt1"/>
-          </a:fontRef>
-        </p:style>
-        <p:txBody>
-          <a:bodyPr rtlCol="0" anchor="ctr"/>
-          <a:lstStyle/>
-          <a:p>
-            <a:pPr algn="ctr"/>
-            <a:endParaRPr lang="da-DK"/>
-          </a:p>
-        </p:txBody>
-      </p:sp>
-      <p:sp>
-        <p:nvSpPr>
-          <p:cNvPr id="8" name="Rounded Rectangle 7"/>
-          <p:cNvSpPr/>
-          <p:nvPr/>
-        </p:nvSpPr>
-        <p:spPr>
-          <a:xfrm>
-            <a:off x="7183678" y="1016732"/>
-            <a:ext cx="1728192" cy="684076"/>
-          </a:xfrm>
-          <a:prstGeom prst="roundRect">
-            <a:avLst/>
-          </a:prstGeom>
-          <a:solidFill>
-            <a:schemeClr val="tx1">
-              <a:lumMod val="75000"/>
-              <a:lumOff val="25000"/>
-            </a:schemeClr>
-          </a:solidFill>
-        </p:spPr>
-        <p:style>
-          <a:lnRef idx="2">
-            <a:schemeClr val="accent1">
-              <a:shade val="50000"/>
-            </a:schemeClr>
-          </a:lnRef>
-          <a:fillRef idx="1">
-            <a:schemeClr val="accent1"/>
-          </a:fillRef>
-          <a:effectRef idx="0">
-            <a:schemeClr val="accent1"/>
-          </a:effectRef>
-          <a:fontRef idx="minor">
-            <a:schemeClr val="lt1"/>
-          </a:fontRef>
-        </p:style>
-        <p:txBody>
-          <a:bodyPr rtlCol="0" anchor="ctr"/>
-          <a:lstStyle/>
-          <a:p>
-            <a:pPr algn="ctr"/>
-            <a:endParaRPr lang="da-DK"/>
-          </a:p>
-        </p:txBody>
-      </p:sp>
-      <p:sp>
-        <p:nvSpPr>
-          <p:cNvPr id="10" name="Rounded Rectangle 9"/>
-          <p:cNvSpPr/>
-          <p:nvPr/>
-        </p:nvSpPr>
-        <p:spPr>
-          <a:xfrm>
-            <a:off x="7183678" y="5085184"/>
-            <a:ext cx="1728192" cy="684076"/>
-          </a:xfrm>
-          <a:prstGeom prst="roundRect">
-            <a:avLst/>
-          </a:prstGeom>
-          <a:solidFill>
-            <a:schemeClr val="tx1">
-              <a:lumMod val="75000"/>
-              <a:lumOff val="25000"/>
-            </a:schemeClr>
-          </a:solidFill>
-        </p:spPr>
-        <p:style>
-          <a:lnRef idx="2">
-            <a:schemeClr val="accent1">
-              <a:shade val="50000"/>
-            </a:schemeClr>
-          </a:lnRef>
-          <a:fillRef idx="1">
-            <a:schemeClr val="accent1"/>
-          </a:fillRef>
-          <a:effectRef idx="0">
-            <a:schemeClr val="accent1"/>
-          </a:effectRef>
-          <a:fontRef idx="minor">
-            <a:schemeClr val="lt1"/>
-          </a:fontRef>
-        </p:style>
-        <p:txBody>
-          <a:bodyPr rtlCol="0" anchor="ctr"/>
-          <a:lstStyle/>
-          <a:p>
-            <a:pPr algn="ctr"/>
-            <a:endParaRPr lang="da-DK"/>
-          </a:p>
-        </p:txBody>
-      </p:sp>
-      <p:cxnSp>
-        <p:nvCxnSpPr>
-          <p:cNvPr id="12" name="Straight Connector 11"/>
-          <p:cNvCxnSpPr>
-            <a:stCxn id="8" idx="2"/>
-            <a:endCxn id="7" idx="0"/>
-          </p:cNvCxnSpPr>
-          <p:nvPr/>
-        </p:nvCxnSpPr>
-        <p:spPr>
-          <a:xfrm flipH="1">
-            <a:off x="7651730" y="1700808"/>
-            <a:ext cx="396044" cy="703091"/>
-          </a:xfrm>
-          <a:prstGeom prst="line">
-            <a:avLst/>
-          </a:prstGeom>
-          <a:ln w="57150">
-            <a:solidFill>
-              <a:schemeClr val="tx1"/>
-            </a:solidFill>
-          </a:ln>
-        </p:spPr>
-        <p:style>
-          <a:lnRef idx="1">
-            <a:schemeClr val="accent1"/>
-          </a:lnRef>
-          <a:fillRef idx="0">
-            <a:schemeClr val="accent1"/>
-          </a:fillRef>
-          <a:effectRef idx="0">
-            <a:schemeClr val="accent1"/>
-          </a:effectRef>
-          <a:fontRef idx="minor">
-            <a:schemeClr val="tx1"/>
-          </a:fontRef>
-        </p:style>
-      </p:cxnSp>
-      <p:cxnSp>
-        <p:nvCxnSpPr>
-          <p:cNvPr id="13" name="Straight Connector 12"/>
-          <p:cNvCxnSpPr/>
-          <p:nvPr/>
-        </p:nvCxnSpPr>
-        <p:spPr>
-          <a:xfrm flipH="1" flipV="1">
-            <a:off x="8047774" y="1700808"/>
-            <a:ext cx="396044" cy="703090"/>
-          </a:xfrm>
-          <a:prstGeom prst="line">
-            <a:avLst/>
-          </a:prstGeom>
-          <a:ln w="57150">
-            <a:solidFill>
-              <a:schemeClr val="tx1"/>
-            </a:solidFill>
-          </a:ln>
-        </p:spPr>
-        <p:style>
-          <a:lnRef idx="1">
-            <a:schemeClr val="accent1"/>
-          </a:lnRef>
-          <a:fillRef idx="0">
-            <a:schemeClr val="accent1"/>
-          </a:fillRef>
-          <a:effectRef idx="0">
-            <a:schemeClr val="accent1"/>
-          </a:effectRef>
-          <a:fontRef idx="minor">
-            <a:schemeClr val="tx1"/>
-          </a:fontRef>
-        </p:style>
-      </p:cxnSp>
-      <p:cxnSp>
-        <p:nvCxnSpPr>
-          <p:cNvPr id="14" name="Straight Connector 13"/>
-          <p:cNvCxnSpPr/>
-          <p:nvPr/>
-        </p:nvCxnSpPr>
-        <p:spPr>
-          <a:xfrm>
-            <a:off x="7672230" y="4365104"/>
-            <a:ext cx="396044" cy="703090"/>
-          </a:xfrm>
-          <a:prstGeom prst="line">
-            <a:avLst/>
-          </a:prstGeom>
-          <a:ln w="57150">
-            <a:solidFill>
-              <a:schemeClr val="tx1"/>
-            </a:solidFill>
-          </a:ln>
-        </p:spPr>
-        <p:style>
-          <a:lnRef idx="1">
-            <a:schemeClr val="accent1"/>
-          </a:lnRef>
-          <a:fillRef idx="0">
-            <a:schemeClr val="accent1"/>
-          </a:fillRef>
-          <a:effectRef idx="0">
-            <a:schemeClr val="accent1"/>
-          </a:effectRef>
-          <a:fontRef idx="minor">
-            <a:schemeClr val="tx1"/>
-          </a:fontRef>
-        </p:style>
-      </p:cxnSp>
-      <p:cxnSp>
-        <p:nvCxnSpPr>
-          <p:cNvPr id="15" name="Straight Connector 14"/>
-          <p:cNvCxnSpPr/>
-          <p:nvPr/>
-        </p:nvCxnSpPr>
-        <p:spPr>
-          <a:xfrm flipV="1">
-            <a:off x="8059254" y="4365104"/>
-            <a:ext cx="396044" cy="703090"/>
-          </a:xfrm>
-          <a:prstGeom prst="line">
-            <a:avLst/>
-          </a:prstGeom>
-          <a:ln w="57150">
-            <a:solidFill>
-              <a:schemeClr val="tx1"/>
-            </a:solidFill>
-          </a:ln>
-        </p:spPr>
-        <p:style>
-          <a:lnRef idx="1">
-            <a:schemeClr val="accent1"/>
-          </a:lnRef>
-          <a:fillRef idx="0">
-            <a:schemeClr val="accent1"/>
-          </a:fillRef>
-          <a:effectRef idx="0">
-            <a:schemeClr val="accent1"/>
-          </a:effectRef>
-          <a:fontRef idx="minor">
-            <a:schemeClr val="tx1"/>
-          </a:fontRef>
-        </p:style>
-      </p:cxnSp>
-      <p:sp>
-        <p:nvSpPr>
-          <p:cNvPr id="16" name="Rounded Rectangle 15"/>
-          <p:cNvSpPr/>
-          <p:nvPr/>
-        </p:nvSpPr>
-        <p:spPr>
-          <a:xfrm>
-            <a:off x="198902" y="1052736"/>
-            <a:ext cx="1728192" cy="684076"/>
-          </a:xfrm>
-          <a:prstGeom prst="roundRect">
-            <a:avLst/>
-          </a:prstGeom>
-          <a:solidFill>
-            <a:schemeClr val="tx1">
-              <a:lumMod val="75000"/>
-              <a:lumOff val="25000"/>
-            </a:schemeClr>
-          </a:solidFill>
-        </p:spPr>
-        <p:style>
-          <a:lnRef idx="2">
-            <a:schemeClr val="accent1">
-              <a:shade val="50000"/>
-            </a:schemeClr>
-          </a:lnRef>
-          <a:fillRef idx="1">
-            <a:schemeClr val="accent1"/>
-          </a:fillRef>
-          <a:effectRef idx="0">
-            <a:schemeClr val="accent1"/>
-          </a:effectRef>
-          <a:fontRef idx="minor">
-            <a:schemeClr val="lt1"/>
-          </a:fontRef>
-        </p:style>
-        <p:txBody>
-          <a:bodyPr rtlCol="0" anchor="ctr"/>
-          <a:lstStyle/>
-          <a:p>
-            <a:pPr algn="ctr"/>
-            <a:endParaRPr lang="da-DK"/>
-          </a:p>
-        </p:txBody>
-      </p:sp>
-      <p:cxnSp>
-        <p:nvCxnSpPr>
-          <p:cNvPr id="17" name="Straight Connector 16"/>
-          <p:cNvCxnSpPr>
-            <a:stCxn id="16" idx="2"/>
-          </p:cNvCxnSpPr>
-          <p:nvPr/>
-        </p:nvCxnSpPr>
-        <p:spPr>
-          <a:xfrm>
-            <a:off x="1062998" y="1736812"/>
-            <a:ext cx="0" cy="612068"/>
-          </a:xfrm>
-          <a:prstGeom prst="line">
-            <a:avLst/>
-          </a:prstGeom>
-          <a:ln w="127000">
-            <a:solidFill>
-              <a:schemeClr val="tx1"/>
-            </a:solidFill>
-          </a:ln>
-        </p:spPr>
-        <p:style>
-          <a:lnRef idx="1">
-            <a:schemeClr val="accent1"/>
-          </a:lnRef>
-          <a:fillRef idx="0">
-            <a:schemeClr val="accent1"/>
-          </a:fillRef>
-          <a:effectRef idx="0">
-            <a:schemeClr val="accent1"/>
-          </a:effectRef>
-          <a:fontRef idx="minor">
-            <a:schemeClr val="tx1"/>
-          </a:fontRef>
-        </p:style>
-      </p:cxnSp>
-      <p:sp>
-        <p:nvSpPr>
-          <p:cNvPr id="20" name="Rounded Rectangle 19"/>
-          <p:cNvSpPr/>
-          <p:nvPr/>
-        </p:nvSpPr>
-        <p:spPr>
-          <a:xfrm>
-            <a:off x="190571" y="5049180"/>
-            <a:ext cx="1728192" cy="684076"/>
-          </a:xfrm>
-          <a:prstGeom prst="roundRect">
-            <a:avLst/>
-          </a:prstGeom>
-          <a:solidFill>
-            <a:schemeClr val="tx1">
-              <a:lumMod val="75000"/>
-              <a:lumOff val="25000"/>
-            </a:schemeClr>
-          </a:solidFill>
-        </p:spPr>
-        <p:style>
-          <a:lnRef idx="2">
-            <a:schemeClr val="accent1">
-              <a:shade val="50000"/>
-            </a:schemeClr>
-          </a:lnRef>
-          <a:fillRef idx="1">
-            <a:schemeClr val="accent1"/>
-          </a:fillRef>
-          <a:effectRef idx="0">
-            <a:schemeClr val="accent1"/>
-          </a:effectRef>
-          <a:fontRef idx="minor">
-            <a:schemeClr val="lt1"/>
-          </a:fontRef>
-        </p:style>
-        <p:txBody>
-          <a:bodyPr rtlCol="0" anchor="ctr"/>
-          <a:lstStyle/>
-          <a:p>
-            <a:pPr algn="ctr"/>
-            <a:endParaRPr lang="da-DK"/>
-          </a:p>
-        </p:txBody>
-      </p:sp>
-      <p:cxnSp>
-        <p:nvCxnSpPr>
-          <p:cNvPr id="21" name="Straight Connector 20"/>
-          <p:cNvCxnSpPr/>
-          <p:nvPr/>
-        </p:nvCxnSpPr>
-        <p:spPr>
-          <a:xfrm>
-            <a:off x="1067546" y="4437112"/>
-            <a:ext cx="0" cy="612068"/>
-          </a:xfrm>
-          <a:prstGeom prst="line">
-            <a:avLst/>
-          </a:prstGeom>
-          <a:ln w="127000">
-            <a:solidFill>
-              <a:schemeClr val="tx1"/>
-            </a:solidFill>
-          </a:ln>
-        </p:spPr>
-        <p:style>
-          <a:lnRef idx="1">
-            <a:schemeClr val="accent1"/>
-          </a:lnRef>
-          <a:fillRef idx="0">
-            <a:schemeClr val="accent1"/>
-          </a:fillRef>
-          <a:effectRef idx="0">
-            <a:schemeClr val="accent1"/>
-          </a:effectRef>
-          <a:fontRef idx="minor">
-            <a:schemeClr val="tx1"/>
-          </a:fontRef>
-        </p:style>
-      </p:cxnSp>
-      <p:sp>
-        <p:nvSpPr>
-          <p:cNvPr id="25" name="Isosceles Triangle 24"/>
-          <p:cNvSpPr/>
-          <p:nvPr/>
-        </p:nvSpPr>
-        <p:spPr>
-          <a:xfrm flipV="1">
-            <a:off x="1855086" y="4437112"/>
-            <a:ext cx="4752528" cy="1080120"/>
-          </a:xfrm>
-          <a:prstGeom prst="triangle">
-            <a:avLst>
-              <a:gd name="adj" fmla="val 26153"/>
-            </a:avLst>
-          </a:prstGeom>
-          <a:solidFill>
-            <a:schemeClr val="bg2">
-              <a:lumMod val="90000"/>
-            </a:schemeClr>
-          </a:solidFill>
-          <a:ln>
-            <a:solidFill>
-              <a:schemeClr val="bg1">
-                <a:lumMod val="75000"/>
-              </a:schemeClr>
-            </a:solidFill>
-          </a:ln>
-        </p:spPr>
-        <p:style>
-          <a:lnRef idx="2">
-            <a:schemeClr val="accent1">
-              <a:shade val="50000"/>
-            </a:schemeClr>
-          </a:lnRef>
-          <a:fillRef idx="1">
-            <a:schemeClr val="accent1"/>
-          </a:fillRef>
-          <a:effectRef idx="0">
-            <a:schemeClr val="accent1"/>
-          </a:effectRef>
-          <a:fontRef idx="minor">
-            <a:schemeClr val="lt1"/>
-          </a:fontRef>
-        </p:style>
-        <p:txBody>
-          <a:bodyPr rtlCol="0" anchor="ctr"/>
-          <a:lstStyle/>
-          <a:p>
-            <a:pPr algn="ctr"/>
-            <a:endParaRPr lang="da-DK"/>
-          </a:p>
-        </p:txBody>
-      </p:sp>
-      <p:sp>
-        <p:nvSpPr>
-          <p:cNvPr id="26" name="Rounded Rectangle 25"/>
-          <p:cNvSpPr/>
-          <p:nvPr/>
-        </p:nvSpPr>
-        <p:spPr>
-          <a:xfrm>
-            <a:off x="2287134" y="2852936"/>
-            <a:ext cx="4176464" cy="1080120"/>
-          </a:xfrm>
-          <a:prstGeom prst="roundRect">
-            <a:avLst/>
-          </a:prstGeom>
-          <a:solidFill>
-            <a:schemeClr val="tx1">
-              <a:lumMod val="85000"/>
-              <a:lumOff val="15000"/>
-            </a:schemeClr>
-          </a:solidFill>
-          <a:ln>
-            <a:noFill/>
-          </a:ln>
-        </p:spPr>
-        <p:style>
-          <a:lnRef idx="2">
-            <a:schemeClr val="accent1">
-              <a:shade val="50000"/>
-            </a:schemeClr>
-          </a:lnRef>
-          <a:fillRef idx="1">
-            <a:schemeClr val="accent1"/>
-          </a:fillRef>
-          <a:effectRef idx="0">
-            <a:schemeClr val="accent1"/>
-          </a:effectRef>
-          <a:fontRef idx="minor">
-            <a:schemeClr val="lt1"/>
-          </a:fontRef>
-        </p:style>
-        <p:txBody>
-          <a:bodyPr rtlCol="0" anchor="ctr"/>
-          <a:lstStyle/>
-          <a:p>
-            <a:pPr algn="ctr"/>
-            <a:endParaRPr lang="da-DK"/>
-          </a:p>
-        </p:txBody>
-      </p:sp>
-      <p:cxnSp>
-        <p:nvCxnSpPr>
-          <p:cNvPr id="28" name="Straight Connector 27"/>
-          <p:cNvCxnSpPr/>
-          <p:nvPr/>
-        </p:nvCxnSpPr>
-        <p:spPr>
-          <a:xfrm>
-            <a:off x="2287134" y="2348880"/>
-            <a:ext cx="0" cy="2088232"/>
-          </a:xfrm>
-          <a:prstGeom prst="line">
-            <a:avLst/>
-          </a:prstGeom>
-          <a:ln w="38100">
-            <a:solidFill>
-              <a:schemeClr val="tx1"/>
-            </a:solidFill>
-          </a:ln>
-        </p:spPr>
-        <p:style>
-          <a:lnRef idx="1">
-            <a:schemeClr val="accent1"/>
-          </a:lnRef>
-          <a:fillRef idx="0">
-            <a:schemeClr val="accent1"/>
-          </a:fillRef>
-          <a:effectRef idx="0">
-            <a:schemeClr val="accent1"/>
-          </a:effectRef>
-          <a:fontRef idx="minor">
-            <a:schemeClr val="tx1"/>
-          </a:fontRef>
-        </p:style>
-      </p:cxnSp>
-      <p:sp>
-        <p:nvSpPr>
-          <p:cNvPr id="30" name="Flowchart: Delay 29"/>
-          <p:cNvSpPr/>
-          <p:nvPr/>
-        </p:nvSpPr>
-        <p:spPr>
-          <a:xfrm>
-            <a:off x="2287134" y="2636912"/>
-            <a:ext cx="3384376" cy="1512168"/>
-          </a:xfrm>
-          <a:prstGeom prst="flowChartDelay">
-            <a:avLst/>
-          </a:prstGeom>
-          <a:solidFill>
-            <a:schemeClr val="tx1">
-              <a:lumMod val="85000"/>
-              <a:lumOff val="15000"/>
-            </a:schemeClr>
-          </a:solidFill>
-          <a:ln>
-            <a:noFill/>
-          </a:ln>
-        </p:spPr>
-        <p:style>
-          <a:lnRef idx="2">
-            <a:schemeClr val="accent1">
-              <a:shade val="50000"/>
-            </a:schemeClr>
-          </a:lnRef>
-          <a:fillRef idx="1">
-            <a:schemeClr val="accent1"/>
-          </a:fillRef>
-          <a:effectRef idx="0">
-            <a:schemeClr val="accent1"/>
-          </a:effectRef>
-          <a:fontRef idx="minor">
-            <a:schemeClr val="lt1"/>
-          </a:fontRef>
-        </p:style>
-        <p:txBody>
-          <a:bodyPr rtlCol="0" anchor="ctr"/>
-          <a:lstStyle/>
-          <a:p>
-            <a:pPr algn="ctr"/>
-            <a:endParaRPr lang="da-DK"/>
-          </a:p>
-        </p:txBody>
-      </p:sp>
-      <p:sp>
-        <p:nvSpPr>
-          <p:cNvPr id="36" name="TextBox 35"/>
-          <p:cNvSpPr txBox="1"/>
-          <p:nvPr/>
-        </p:nvSpPr>
-        <p:spPr>
-          <a:xfrm>
-            <a:off x="7464848" y="2564904"/>
-            <a:ext cx="1355051" cy="369332"/>
-          </a:xfrm>
-          <a:prstGeom prst="rect">
-            <a:avLst/>
-          </a:prstGeom>
-        </p:spPr>
-        <p:style>
-          <a:lnRef idx="0">
-            <a:schemeClr val="accent5"/>
-          </a:lnRef>
-          <a:fillRef idx="3">
-            <a:schemeClr val="accent5"/>
-          </a:fillRef>
-          <a:effectRef idx="3">
-            <a:schemeClr val="accent5"/>
-          </a:effectRef>
-          <a:fontRef idx="minor">
-            <a:schemeClr val="lt1"/>
-          </a:fontRef>
-        </p:style>
-        <p:txBody>
-          <a:bodyPr wrap="none" rtlCol="0">
-            <a:spAutoFit/>
-          </a:bodyPr>
-          <a:lstStyle/>
-          <a:p>
-            <a:r>
-              <a:rPr lang="da-DK" dirty="0" smtClean="0">
-                <a:solidFill>
-                  <a:schemeClr val="tx1"/>
-                </a:solidFill>
-              </a:rPr>
-              <a:t>Pedal pos x3</a:t>
-            </a:r>
-            <a:endParaRPr lang="da-DK" dirty="0">
+            <a:ln>
               <a:solidFill>
-                <a:schemeClr val="tx1"/>
-              </a:solidFill>
-            </a:endParaRPr>
-          </a:p>
-        </p:txBody>
-      </p:sp>
-      <p:sp>
-        <p:nvSpPr>
-          <p:cNvPr id="37" name="TextBox 36"/>
-          <p:cNvSpPr txBox="1"/>
-          <p:nvPr/>
-        </p:nvSpPr>
-        <p:spPr>
-          <a:xfrm>
-            <a:off x="7039662" y="3748390"/>
-            <a:ext cx="1181734" cy="369332"/>
-          </a:xfrm>
-          <a:prstGeom prst="rect">
-            <a:avLst/>
-          </a:prstGeom>
-        </p:spPr>
-        <p:style>
-          <a:lnRef idx="0">
-            <a:schemeClr val="accent5"/>
-          </a:lnRef>
-          <a:fillRef idx="3">
-            <a:schemeClr val="accent5"/>
-          </a:fillRef>
-          <a:effectRef idx="3">
-            <a:schemeClr val="accent5"/>
-          </a:effectRef>
-          <a:fontRef idx="minor">
-            <a:schemeClr val="lt1"/>
-          </a:fontRef>
-        </p:style>
-        <p:txBody>
-          <a:bodyPr wrap="none" rtlCol="0">
-            <a:spAutoFit/>
-          </a:bodyPr>
-          <a:lstStyle/>
-          <a:p>
-            <a:r>
-              <a:rPr lang="da-DK" dirty="0" smtClean="0">
-                <a:solidFill>
-                  <a:schemeClr val="tx1"/>
-                </a:solidFill>
-              </a:rPr>
-              <a:t>Wheel pos</a:t>
-            </a:r>
-            <a:endParaRPr lang="da-DK" dirty="0">
-              <a:solidFill>
-                <a:schemeClr val="tx1"/>
-              </a:solidFill>
-            </a:endParaRPr>
-          </a:p>
-        </p:txBody>
-      </p:sp>
-      <p:sp>
-        <p:nvSpPr>
-          <p:cNvPr id="49" name="TextBox 48"/>
-          <p:cNvSpPr txBox="1"/>
-          <p:nvPr/>
-        </p:nvSpPr>
-        <p:spPr>
-          <a:xfrm>
-            <a:off x="949396" y="3877629"/>
-            <a:ext cx="554960" cy="369332"/>
-          </a:xfrm>
-          <a:prstGeom prst="rect">
-            <a:avLst/>
-          </a:prstGeom>
-        </p:spPr>
-        <p:style>
-          <a:lnRef idx="0">
-            <a:schemeClr val="accent5"/>
-          </a:lnRef>
-          <a:fillRef idx="3">
-            <a:schemeClr val="accent5"/>
-          </a:fillRef>
-          <a:effectRef idx="3">
-            <a:schemeClr val="accent5"/>
-          </a:effectRef>
-          <a:fontRef idx="minor">
-            <a:schemeClr val="lt1"/>
-          </a:fontRef>
-        </p:style>
-        <p:txBody>
-          <a:bodyPr wrap="none" rtlCol="0">
-            <a:spAutoFit/>
-          </a:bodyPr>
-          <a:lstStyle/>
-          <a:p>
-            <a:r>
-              <a:rPr lang="da-DK" dirty="0" smtClean="0">
-                <a:solidFill>
-                  <a:schemeClr val="tx1"/>
-                </a:solidFill>
-              </a:rPr>
-              <a:t>GPS</a:t>
-            </a:r>
-            <a:endParaRPr lang="da-DK" dirty="0">
-              <a:solidFill>
-                <a:schemeClr val="tx1"/>
-              </a:solidFill>
-            </a:endParaRPr>
-          </a:p>
-        </p:txBody>
-      </p:sp>
-      <p:sp>
-        <p:nvSpPr>
-          <p:cNvPr id="3" name="TextBox 2"/>
-          <p:cNvSpPr txBox="1"/>
-          <p:nvPr/>
-        </p:nvSpPr>
-        <p:spPr>
-          <a:xfrm>
-            <a:off x="1156758" y="2104922"/>
-            <a:ext cx="263214" cy="276999"/>
-          </a:xfrm>
-          <a:prstGeom prst="rect">
-            <a:avLst/>
-          </a:prstGeom>
-          <a:noFill/>
-        </p:spPr>
-        <p:txBody>
-          <a:bodyPr wrap="none" rtlCol="0">
-            <a:spAutoFit/>
-          </a:bodyPr>
-          <a:lstStyle/>
-          <a:p>
-            <a:r>
-              <a:rPr lang="da-DK" sz="1200" dirty="0" smtClean="0">
-                <a:solidFill>
-                  <a:srgbClr val="FF0000"/>
-                </a:solidFill>
-              </a:rPr>
-              <a:t>2</a:t>
-            </a:r>
-            <a:endParaRPr lang="da-DK" dirty="0">
-              <a:solidFill>
-                <a:srgbClr val="FF0000"/>
-              </a:solidFill>
-            </a:endParaRPr>
-          </a:p>
-        </p:txBody>
-      </p:sp>
-      <p:sp>
-        <p:nvSpPr>
-          <p:cNvPr id="6" name="Freeform 5"/>
-          <p:cNvSpPr/>
-          <p:nvPr/>
-        </p:nvSpPr>
-        <p:spPr>
-          <a:xfrm>
-            <a:off x="1062998" y="1579440"/>
-            <a:ext cx="437615" cy="1604963"/>
-          </a:xfrm>
-          <a:custGeom>
-            <a:avLst/>
-            <a:gdLst>
-              <a:gd name="connsiteX0" fmla="*/ 0 w 437615"/>
-              <a:gd name="connsiteY0" fmla="*/ 0 h 1604963"/>
-              <a:gd name="connsiteX1" fmla="*/ 152400 w 437615"/>
-              <a:gd name="connsiteY1" fmla="*/ 747713 h 1604963"/>
-              <a:gd name="connsiteX2" fmla="*/ 433388 w 437615"/>
-              <a:gd name="connsiteY2" fmla="*/ 1119188 h 1604963"/>
-              <a:gd name="connsiteX3" fmla="*/ 295275 w 437615"/>
-              <a:gd name="connsiteY3" fmla="*/ 1604963 h 1604963"/>
-            </a:gdLst>
-            <a:ahLst/>
-            <a:cxnLst>
-              <a:cxn ang="0">
-                <a:pos x="connsiteX0" y="connsiteY0"/>
-              </a:cxn>
-              <a:cxn ang="0">
-                <a:pos x="connsiteX1" y="connsiteY1"/>
-              </a:cxn>
-              <a:cxn ang="0">
-                <a:pos x="connsiteX2" y="connsiteY2"/>
-              </a:cxn>
-              <a:cxn ang="0">
-                <a:pos x="connsiteX3" y="connsiteY3"/>
-              </a:cxn>
-            </a:cxnLst>
-            <a:rect l="l" t="t" r="r" b="b"/>
-            <a:pathLst>
-              <a:path w="437615" h="1604963">
-                <a:moveTo>
-                  <a:pt x="0" y="0"/>
-                </a:moveTo>
-                <a:cubicBezTo>
-                  <a:pt x="40084" y="280591"/>
-                  <a:pt x="80169" y="561182"/>
-                  <a:pt x="152400" y="747713"/>
-                </a:cubicBezTo>
-                <a:cubicBezTo>
-                  <a:pt x="224631" y="934244"/>
-                  <a:pt x="409576" y="976313"/>
-                  <a:pt x="433388" y="1119188"/>
-                </a:cubicBezTo>
-                <a:cubicBezTo>
-                  <a:pt x="457200" y="1262063"/>
-                  <a:pt x="376237" y="1433513"/>
-                  <a:pt x="295275" y="1604963"/>
-                </a:cubicBezTo>
-              </a:path>
-            </a:pathLst>
-          </a:custGeom>
-          <a:ln>
-            <a:solidFill>
-              <a:srgbClr val="FF0000"/>
-            </a:solidFill>
-          </a:ln>
-        </p:spPr>
-        <p:style>
-          <a:lnRef idx="1">
-            <a:schemeClr val="accent1"/>
-          </a:lnRef>
-          <a:fillRef idx="0">
-            <a:schemeClr val="accent1"/>
-          </a:fillRef>
-          <a:effectRef idx="0">
-            <a:schemeClr val="accent1"/>
-          </a:effectRef>
-          <a:fontRef idx="minor">
-            <a:schemeClr val="tx1"/>
-          </a:fontRef>
-        </p:style>
-        <p:txBody>
-          <a:bodyPr rtlCol="0" anchor="ctr"/>
-          <a:lstStyle/>
-          <a:p>
-            <a:pPr algn="ctr"/>
-            <a:endParaRPr lang="da-DK"/>
-          </a:p>
-        </p:txBody>
-      </p:sp>
-      <p:sp>
-        <p:nvSpPr>
-          <p:cNvPr id="50" name="TextBox 49"/>
-          <p:cNvSpPr txBox="1"/>
-          <p:nvPr/>
-        </p:nvSpPr>
-        <p:spPr>
-          <a:xfrm>
-            <a:off x="1673270" y="2307005"/>
-            <a:ext cx="263214" cy="276999"/>
-          </a:xfrm>
-          <a:prstGeom prst="rect">
-            <a:avLst/>
-          </a:prstGeom>
-          <a:noFill/>
-        </p:spPr>
-        <p:txBody>
-          <a:bodyPr wrap="none" rtlCol="0">
-            <a:spAutoFit/>
-          </a:bodyPr>
-          <a:lstStyle/>
-          <a:p>
-            <a:r>
-              <a:rPr lang="da-DK" sz="1200" dirty="0">
-                <a:solidFill>
-                  <a:srgbClr val="FF0000"/>
-                </a:solidFill>
-              </a:rPr>
-              <a:t>3</a:t>
-            </a:r>
-            <a:endParaRPr lang="da-DK" dirty="0">
-              <a:solidFill>
-                <a:srgbClr val="FF0000"/>
-              </a:solidFill>
-            </a:endParaRPr>
-          </a:p>
-        </p:txBody>
-      </p:sp>
-      <p:sp>
-        <p:nvSpPr>
-          <p:cNvPr id="48" name="TextBox 47"/>
-          <p:cNvSpPr txBox="1"/>
-          <p:nvPr/>
-        </p:nvSpPr>
-        <p:spPr>
-          <a:xfrm>
-            <a:off x="336742" y="2627620"/>
-            <a:ext cx="1015214" cy="369332"/>
-          </a:xfrm>
-          <a:prstGeom prst="rect">
-            <a:avLst/>
-          </a:prstGeom>
-        </p:spPr>
-        <p:style>
-          <a:lnRef idx="0">
-            <a:schemeClr val="accent5"/>
-          </a:lnRef>
-          <a:fillRef idx="3">
-            <a:schemeClr val="accent5"/>
-          </a:fillRef>
-          <a:effectRef idx="3">
-            <a:schemeClr val="accent5"/>
-          </a:effectRef>
-          <a:fontRef idx="minor">
-            <a:schemeClr val="lt1"/>
-          </a:fontRef>
-        </p:style>
-        <p:txBody>
-          <a:bodyPr wrap="none" rtlCol="0">
-            <a:spAutoFit/>
-          </a:bodyPr>
-          <a:lstStyle/>
-          <a:p>
-            <a:r>
-              <a:rPr lang="da-DK" dirty="0" smtClean="0">
-                <a:solidFill>
-                  <a:schemeClr val="tx1"/>
-                </a:solidFill>
-              </a:rPr>
-              <a:t>Gear Pos</a:t>
-            </a:r>
-            <a:endParaRPr lang="da-DK" dirty="0">
-              <a:solidFill>
-                <a:schemeClr val="tx1"/>
-              </a:solidFill>
-            </a:endParaRPr>
-          </a:p>
-        </p:txBody>
-      </p:sp>
-      <p:sp>
-        <p:nvSpPr>
-          <p:cNvPr id="34" name="TextBox 33"/>
-          <p:cNvSpPr txBox="1"/>
-          <p:nvPr/>
-        </p:nvSpPr>
-        <p:spPr>
-          <a:xfrm>
-            <a:off x="373557" y="1210108"/>
-            <a:ext cx="1428596" cy="369332"/>
-          </a:xfrm>
-          <a:prstGeom prst="rect">
-            <a:avLst/>
-          </a:prstGeom>
-        </p:spPr>
-        <p:style>
-          <a:lnRef idx="0">
-            <a:schemeClr val="accent5"/>
-          </a:lnRef>
-          <a:fillRef idx="3">
-            <a:schemeClr val="accent5"/>
-          </a:fillRef>
-          <a:effectRef idx="3">
-            <a:schemeClr val="accent5"/>
-          </a:effectRef>
-          <a:fontRef idx="minor">
-            <a:schemeClr val="lt1"/>
-          </a:fontRef>
-        </p:style>
-        <p:txBody>
-          <a:bodyPr wrap="none" rtlCol="0">
-            <a:spAutoFit/>
-          </a:bodyPr>
-          <a:lstStyle/>
-          <a:p>
-            <a:r>
-              <a:rPr lang="da-DK" dirty="0" smtClean="0">
-                <a:solidFill>
-                  <a:schemeClr val="tx1"/>
-                </a:solidFill>
-              </a:rPr>
-              <a:t>Wheel Speed</a:t>
-            </a:r>
-            <a:endParaRPr lang="da-DK" dirty="0">
-              <a:solidFill>
-                <a:schemeClr val="tx1"/>
-              </a:solidFill>
-            </a:endParaRPr>
-          </a:p>
-        </p:txBody>
-      </p:sp>
-      <p:sp>
-        <p:nvSpPr>
-          <p:cNvPr id="11" name="Freeform 10"/>
-          <p:cNvSpPr/>
-          <p:nvPr/>
-        </p:nvSpPr>
-        <p:spPr>
-          <a:xfrm>
-            <a:off x="1076504" y="3543300"/>
-            <a:ext cx="155396" cy="330200"/>
-          </a:xfrm>
-          <a:custGeom>
-            <a:avLst/>
-            <a:gdLst>
-              <a:gd name="connsiteX0" fmla="*/ 155396 w 155396"/>
-              <a:gd name="connsiteY0" fmla="*/ 330200 h 330200"/>
-              <a:gd name="connsiteX1" fmla="*/ 15696 w 155396"/>
-              <a:gd name="connsiteY1" fmla="*/ 101600 h 330200"/>
-              <a:gd name="connsiteX2" fmla="*/ 9346 w 155396"/>
-              <a:gd name="connsiteY2" fmla="*/ 0 h 330200"/>
-            </a:gdLst>
-            <a:ahLst/>
-            <a:cxnLst>
-              <a:cxn ang="0">
-                <a:pos x="connsiteX0" y="connsiteY0"/>
-              </a:cxn>
-              <a:cxn ang="0">
-                <a:pos x="connsiteX1" y="connsiteY1"/>
-              </a:cxn>
-              <a:cxn ang="0">
-                <a:pos x="connsiteX2" y="connsiteY2"/>
-              </a:cxn>
-            </a:cxnLst>
-            <a:rect l="l" t="t" r="r" b="b"/>
-            <a:pathLst>
-              <a:path w="155396" h="330200">
-                <a:moveTo>
-                  <a:pt x="155396" y="330200"/>
-                </a:moveTo>
-                <a:cubicBezTo>
-                  <a:pt x="97717" y="243416"/>
-                  <a:pt x="40038" y="156633"/>
-                  <a:pt x="15696" y="101600"/>
-                </a:cubicBezTo>
-                <a:cubicBezTo>
-                  <a:pt x="-8646" y="46567"/>
-                  <a:pt x="350" y="23283"/>
-                  <a:pt x="9346" y="0"/>
-                </a:cubicBezTo>
-              </a:path>
-            </a:pathLst>
-          </a:custGeom>
-          <a:ln>
-            <a:solidFill>
-              <a:srgbClr val="FF0000"/>
-            </a:solidFill>
-          </a:ln>
-        </p:spPr>
-        <p:style>
-          <a:lnRef idx="1">
-            <a:schemeClr val="accent1"/>
-          </a:lnRef>
-          <a:fillRef idx="0">
-            <a:schemeClr val="accent1"/>
-          </a:fillRef>
-          <a:effectRef idx="0">
-            <a:schemeClr val="accent1"/>
-          </a:effectRef>
-          <a:fontRef idx="minor">
-            <a:schemeClr val="tx1"/>
-          </a:fontRef>
-        </p:style>
-        <p:txBody>
-          <a:bodyPr rtlCol="0" anchor="ctr"/>
-          <a:lstStyle/>
-          <a:p>
-            <a:pPr algn="ctr"/>
-            <a:endParaRPr lang="da-DK"/>
-          </a:p>
-        </p:txBody>
-      </p:sp>
-      <p:sp>
-        <p:nvSpPr>
-          <p:cNvPr id="18" name="Freeform 17"/>
-          <p:cNvSpPr/>
-          <p:nvPr/>
-        </p:nvSpPr>
-        <p:spPr>
-          <a:xfrm>
-            <a:off x="1358900" y="3486150"/>
-            <a:ext cx="314370" cy="946150"/>
-          </a:xfrm>
-          <a:custGeom>
-            <a:avLst/>
-            <a:gdLst>
-              <a:gd name="connsiteX0" fmla="*/ 311150 w 314370"/>
-              <a:gd name="connsiteY0" fmla="*/ 946150 h 946150"/>
-              <a:gd name="connsiteX1" fmla="*/ 269875 w 314370"/>
-              <a:gd name="connsiteY1" fmla="*/ 406400 h 946150"/>
-              <a:gd name="connsiteX2" fmla="*/ 0 w 314370"/>
-              <a:gd name="connsiteY2" fmla="*/ 0 h 946150"/>
-            </a:gdLst>
-            <a:ahLst/>
-            <a:cxnLst>
-              <a:cxn ang="0">
-                <a:pos x="connsiteX0" y="connsiteY0"/>
-              </a:cxn>
-              <a:cxn ang="0">
-                <a:pos x="connsiteX1" y="connsiteY1"/>
-              </a:cxn>
-              <a:cxn ang="0">
-                <a:pos x="connsiteX2" y="connsiteY2"/>
-              </a:cxn>
-            </a:cxnLst>
-            <a:rect l="l" t="t" r="r" b="b"/>
-            <a:pathLst>
-              <a:path w="314370" h="946150">
-                <a:moveTo>
-                  <a:pt x="311150" y="946150"/>
-                </a:moveTo>
-                <a:cubicBezTo>
-                  <a:pt x="316441" y="755121"/>
-                  <a:pt x="321733" y="564092"/>
-                  <a:pt x="269875" y="406400"/>
-                </a:cubicBezTo>
-                <a:cubicBezTo>
-                  <a:pt x="218017" y="248708"/>
-                  <a:pt x="109008" y="124354"/>
-                  <a:pt x="0" y="0"/>
-                </a:cubicBezTo>
-              </a:path>
-            </a:pathLst>
-          </a:custGeom>
-          <a:ln>
-            <a:solidFill>
-              <a:srgbClr val="FF0000"/>
-            </a:solidFill>
-          </a:ln>
-        </p:spPr>
-        <p:style>
-          <a:lnRef idx="1">
-            <a:schemeClr val="accent1"/>
-          </a:lnRef>
-          <a:fillRef idx="0">
-            <a:schemeClr val="accent1"/>
-          </a:fillRef>
-          <a:effectRef idx="0">
-            <a:schemeClr val="accent1"/>
-          </a:effectRef>
-          <a:fontRef idx="minor">
-            <a:schemeClr val="tx1"/>
-          </a:fontRef>
-        </p:style>
-        <p:txBody>
-          <a:bodyPr rtlCol="0" anchor="ctr"/>
-          <a:lstStyle/>
-          <a:p>
-            <a:pPr algn="ctr"/>
-            <a:endParaRPr lang="da-DK"/>
-          </a:p>
-        </p:txBody>
-      </p:sp>
-      <p:sp>
-        <p:nvSpPr>
-          <p:cNvPr id="19" name="Freeform 18"/>
-          <p:cNvSpPr/>
-          <p:nvPr/>
-        </p:nvSpPr>
-        <p:spPr>
-          <a:xfrm>
-            <a:off x="736408" y="3536950"/>
-            <a:ext cx="343092" cy="1676400"/>
-          </a:xfrm>
-          <a:custGeom>
-            <a:avLst/>
-            <a:gdLst>
-              <a:gd name="connsiteX0" fmla="*/ 343092 w 343092"/>
-              <a:gd name="connsiteY0" fmla="*/ 1676400 h 1676400"/>
-              <a:gd name="connsiteX1" fmla="*/ 70042 w 343092"/>
-              <a:gd name="connsiteY1" fmla="*/ 1098550 h 1676400"/>
-              <a:gd name="connsiteX2" fmla="*/ 192 w 343092"/>
-              <a:gd name="connsiteY2" fmla="*/ 336550 h 1676400"/>
-              <a:gd name="connsiteX3" fmla="*/ 82742 w 343092"/>
-              <a:gd name="connsiteY3" fmla="*/ 0 h 1676400"/>
-            </a:gdLst>
-            <a:ahLst/>
-            <a:cxnLst>
-              <a:cxn ang="0">
-                <a:pos x="connsiteX0" y="connsiteY0"/>
-              </a:cxn>
-              <a:cxn ang="0">
-                <a:pos x="connsiteX1" y="connsiteY1"/>
-              </a:cxn>
-              <a:cxn ang="0">
-                <a:pos x="connsiteX2" y="connsiteY2"/>
-              </a:cxn>
-              <a:cxn ang="0">
-                <a:pos x="connsiteX3" y="connsiteY3"/>
-              </a:cxn>
-            </a:cxnLst>
-            <a:rect l="l" t="t" r="r" b="b"/>
-            <a:pathLst>
-              <a:path w="343092" h="1676400">
-                <a:moveTo>
-                  <a:pt x="343092" y="1676400"/>
-                </a:moveTo>
-                <a:cubicBezTo>
-                  <a:pt x="235142" y="1499129"/>
-                  <a:pt x="127192" y="1321858"/>
-                  <a:pt x="70042" y="1098550"/>
-                </a:cubicBezTo>
-                <a:cubicBezTo>
-                  <a:pt x="12892" y="875242"/>
-                  <a:pt x="-1925" y="519642"/>
-                  <a:pt x="192" y="336550"/>
-                </a:cubicBezTo>
-                <a:cubicBezTo>
-                  <a:pt x="2309" y="153458"/>
-                  <a:pt x="42525" y="76729"/>
-                  <a:pt x="82742" y="0"/>
-                </a:cubicBezTo>
-              </a:path>
-            </a:pathLst>
-          </a:custGeom>
-          <a:ln>
-            <a:solidFill>
-              <a:srgbClr val="FF0000"/>
-            </a:solidFill>
-          </a:ln>
-        </p:spPr>
-        <p:style>
-          <a:lnRef idx="1">
-            <a:schemeClr val="accent1"/>
-          </a:lnRef>
-          <a:fillRef idx="0">
-            <a:schemeClr val="accent1"/>
-          </a:fillRef>
-          <a:effectRef idx="0">
-            <a:schemeClr val="accent1"/>
-          </a:effectRef>
-          <a:fontRef idx="minor">
-            <a:schemeClr val="tx1"/>
-          </a:fontRef>
-        </p:style>
-        <p:txBody>
-          <a:bodyPr rtlCol="0" anchor="ctr"/>
-          <a:lstStyle/>
-          <a:p>
-            <a:pPr algn="ctr"/>
-            <a:endParaRPr lang="da-DK"/>
-          </a:p>
-        </p:txBody>
-      </p:sp>
-      <p:sp>
-        <p:nvSpPr>
-          <p:cNvPr id="33" name="TextBox 32"/>
-          <p:cNvSpPr txBox="1"/>
-          <p:nvPr/>
-        </p:nvSpPr>
-        <p:spPr>
-          <a:xfrm>
-            <a:off x="348700" y="5206552"/>
-            <a:ext cx="1428596" cy="369332"/>
-          </a:xfrm>
-          <a:prstGeom prst="rect">
-            <a:avLst/>
-          </a:prstGeom>
-        </p:spPr>
-        <p:style>
-          <a:lnRef idx="0">
-            <a:schemeClr val="accent5"/>
-          </a:lnRef>
-          <a:fillRef idx="3">
-            <a:schemeClr val="accent5"/>
-          </a:fillRef>
-          <a:effectRef idx="3">
-            <a:schemeClr val="accent5"/>
-          </a:effectRef>
-          <a:fontRef idx="minor">
-            <a:schemeClr val="lt1"/>
-          </a:fontRef>
-        </p:style>
-        <p:txBody>
-          <a:bodyPr wrap="none" rtlCol="0">
-            <a:spAutoFit/>
-          </a:bodyPr>
-          <a:lstStyle/>
-          <a:p>
-            <a:r>
-              <a:rPr lang="da-DK" dirty="0" smtClean="0">
-                <a:solidFill>
-                  <a:schemeClr val="tx1"/>
-                </a:solidFill>
-              </a:rPr>
-              <a:t>Wheel Speed</a:t>
-            </a:r>
-            <a:endParaRPr lang="da-DK" dirty="0">
-              <a:solidFill>
-                <a:schemeClr val="tx1"/>
-              </a:solidFill>
-            </a:endParaRPr>
-          </a:p>
-        </p:txBody>
-      </p:sp>
-      <p:sp>
-        <p:nvSpPr>
-          <p:cNvPr id="47" name="TextBox 46"/>
-          <p:cNvSpPr txBox="1"/>
-          <p:nvPr/>
-        </p:nvSpPr>
-        <p:spPr>
-          <a:xfrm>
-            <a:off x="1156758" y="4437112"/>
-            <a:ext cx="986360" cy="369332"/>
-          </a:xfrm>
-          <a:prstGeom prst="rect">
-            <a:avLst/>
-          </a:prstGeom>
-        </p:spPr>
-        <p:style>
-          <a:lnRef idx="0">
-            <a:schemeClr val="accent5"/>
-          </a:lnRef>
-          <a:fillRef idx="3">
-            <a:schemeClr val="accent5"/>
-          </a:fillRef>
-          <a:effectRef idx="3">
-            <a:schemeClr val="accent5"/>
-          </a:effectRef>
-          <a:fontRef idx="minor">
-            <a:schemeClr val="lt1"/>
-          </a:fontRef>
-        </p:style>
-        <p:txBody>
-          <a:bodyPr wrap="none" rtlCol="0">
-            <a:spAutoFit/>
-          </a:bodyPr>
-          <a:lstStyle/>
-          <a:p>
-            <a:r>
-              <a:rPr lang="da-DK" dirty="0" smtClean="0">
-                <a:solidFill>
-                  <a:schemeClr val="tx1"/>
-                </a:solidFill>
-              </a:rPr>
-              <a:t>Oil Press</a:t>
-            </a:r>
-            <a:endParaRPr lang="da-DK" dirty="0">
-              <a:solidFill>
-                <a:schemeClr val="tx1"/>
-              </a:solidFill>
-            </a:endParaRPr>
-          </a:p>
-        </p:txBody>
-      </p:sp>
-      <p:sp>
-        <p:nvSpPr>
-          <p:cNvPr id="51" name="TextBox 50"/>
-          <p:cNvSpPr txBox="1"/>
-          <p:nvPr/>
-        </p:nvSpPr>
-        <p:spPr>
-          <a:xfrm>
-            <a:off x="539552" y="3840723"/>
-            <a:ext cx="263214" cy="276999"/>
-          </a:xfrm>
-          <a:prstGeom prst="rect">
-            <a:avLst/>
-          </a:prstGeom>
-          <a:noFill/>
-        </p:spPr>
-        <p:txBody>
-          <a:bodyPr wrap="none" rtlCol="0">
-            <a:spAutoFit/>
-          </a:bodyPr>
-          <a:lstStyle/>
-          <a:p>
-            <a:r>
-              <a:rPr lang="da-DK" sz="1200" dirty="0" smtClean="0">
-                <a:solidFill>
-                  <a:srgbClr val="FF0000"/>
-                </a:solidFill>
-              </a:rPr>
-              <a:t>2</a:t>
-            </a:r>
-            <a:endParaRPr lang="da-DK" dirty="0">
-              <a:solidFill>
-                <a:srgbClr val="FF0000"/>
-              </a:solidFill>
-            </a:endParaRPr>
-          </a:p>
-        </p:txBody>
-      </p:sp>
-      <p:sp>
-        <p:nvSpPr>
-          <p:cNvPr id="52" name="TextBox 51"/>
-          <p:cNvSpPr txBox="1"/>
-          <p:nvPr/>
-        </p:nvSpPr>
-        <p:spPr>
-          <a:xfrm>
-            <a:off x="923060" y="3596501"/>
-            <a:ext cx="263214" cy="276999"/>
-          </a:xfrm>
-          <a:prstGeom prst="rect">
-            <a:avLst/>
-          </a:prstGeom>
-          <a:noFill/>
-        </p:spPr>
-        <p:txBody>
-          <a:bodyPr wrap="none" rtlCol="0">
-            <a:spAutoFit/>
-          </a:bodyPr>
-          <a:lstStyle/>
-          <a:p>
-            <a:r>
-              <a:rPr lang="da-DK" sz="1200" dirty="0">
-                <a:solidFill>
-                  <a:srgbClr val="FF0000"/>
-                </a:solidFill>
-              </a:rPr>
-              <a:t>4</a:t>
-            </a:r>
-            <a:endParaRPr lang="da-DK" dirty="0">
-              <a:solidFill>
-                <a:srgbClr val="FF0000"/>
-              </a:solidFill>
-            </a:endParaRPr>
-          </a:p>
-        </p:txBody>
-      </p:sp>
-      <p:sp>
-        <p:nvSpPr>
-          <p:cNvPr id="53" name="TextBox 52"/>
-          <p:cNvSpPr txBox="1"/>
-          <p:nvPr/>
-        </p:nvSpPr>
-        <p:spPr>
-          <a:xfrm>
-            <a:off x="1533380" y="3591098"/>
-            <a:ext cx="263214" cy="276999"/>
-          </a:xfrm>
-          <a:prstGeom prst="rect">
-            <a:avLst/>
-          </a:prstGeom>
-          <a:noFill/>
-        </p:spPr>
-        <p:txBody>
-          <a:bodyPr wrap="none" rtlCol="0">
-            <a:spAutoFit/>
-          </a:bodyPr>
-          <a:lstStyle/>
-          <a:p>
-            <a:r>
-              <a:rPr lang="da-DK" sz="1200" dirty="0">
-                <a:solidFill>
-                  <a:srgbClr val="FF0000"/>
-                </a:solidFill>
-              </a:rPr>
-              <a:t>2</a:t>
-            </a:r>
-            <a:endParaRPr lang="da-DK" dirty="0">
-              <a:solidFill>
-                <a:srgbClr val="FF0000"/>
-              </a:solidFill>
-            </a:endParaRPr>
-          </a:p>
-        </p:txBody>
-      </p:sp>
-      <p:sp>
-        <p:nvSpPr>
-          <p:cNvPr id="54" name="Rectangle 53"/>
-          <p:cNvSpPr/>
-          <p:nvPr/>
-        </p:nvSpPr>
-        <p:spPr>
-          <a:xfrm>
-            <a:off x="3001596" y="4608422"/>
-            <a:ext cx="576064" cy="396044"/>
-          </a:xfrm>
-          <a:prstGeom prst="rect">
-            <a:avLst/>
-          </a:prstGeom>
-          <a:solidFill>
-            <a:schemeClr val="tx2">
-              <a:lumMod val="50000"/>
-            </a:schemeClr>
-          </a:solidFill>
-        </p:spPr>
-        <p:style>
-          <a:lnRef idx="0">
-            <a:schemeClr val="accent3"/>
-          </a:lnRef>
-          <a:fillRef idx="3">
-            <a:schemeClr val="accent3"/>
-          </a:fillRef>
-          <a:effectRef idx="3">
-            <a:schemeClr val="accent3"/>
-          </a:effectRef>
-          <a:fontRef idx="minor">
-            <a:schemeClr val="lt1"/>
-          </a:fontRef>
-        </p:style>
-        <p:txBody>
-          <a:bodyPr rtlCol="0" anchor="ctr"/>
-          <a:lstStyle/>
-          <a:p>
-            <a:pPr algn="ctr"/>
-            <a:r>
-              <a:rPr lang="da-DK" sz="1100" dirty="0" smtClean="0">
-                <a:solidFill>
-                  <a:schemeClr val="tx1"/>
-                </a:solidFill>
-              </a:rPr>
-              <a:t>ECU</a:t>
-            </a:r>
-            <a:endParaRPr lang="da-DK" sz="1100" dirty="0">
-              <a:solidFill>
-                <a:schemeClr val="tx1"/>
-              </a:solidFill>
-            </a:endParaRPr>
-          </a:p>
-        </p:txBody>
-      </p:sp>
-      <p:sp>
-        <p:nvSpPr>
-          <p:cNvPr id="22" name="Freeform 21"/>
-          <p:cNvSpPr/>
-          <p:nvPr/>
-        </p:nvSpPr>
-        <p:spPr>
-          <a:xfrm>
-            <a:off x="3901440" y="1706880"/>
-            <a:ext cx="579120" cy="144780"/>
-          </a:xfrm>
-          <a:custGeom>
-            <a:avLst/>
-            <a:gdLst>
-              <a:gd name="connsiteX0" fmla="*/ 0 w 579120"/>
-              <a:gd name="connsiteY0" fmla="*/ 144780 h 144780"/>
-              <a:gd name="connsiteX1" fmla="*/ 198120 w 579120"/>
-              <a:gd name="connsiteY1" fmla="*/ 0 h 144780"/>
-              <a:gd name="connsiteX2" fmla="*/ 579120 w 579120"/>
-              <a:gd name="connsiteY2" fmla="*/ 144780 h 144780"/>
-            </a:gdLst>
-            <a:ahLst/>
-            <a:cxnLst>
-              <a:cxn ang="0">
-                <a:pos x="connsiteX0" y="connsiteY0"/>
-              </a:cxn>
-              <a:cxn ang="0">
-                <a:pos x="connsiteX1" y="connsiteY1"/>
-              </a:cxn>
-              <a:cxn ang="0">
-                <a:pos x="connsiteX2" y="connsiteY2"/>
-              </a:cxn>
-            </a:cxnLst>
-            <a:rect l="l" t="t" r="r" b="b"/>
-            <a:pathLst>
-              <a:path w="579120" h="144780">
-                <a:moveTo>
-                  <a:pt x="0" y="144780"/>
-                </a:moveTo>
-                <a:cubicBezTo>
-                  <a:pt x="50800" y="72390"/>
-                  <a:pt x="101600" y="0"/>
-                  <a:pt x="198120" y="0"/>
-                </a:cubicBezTo>
-                <a:cubicBezTo>
-                  <a:pt x="294640" y="0"/>
-                  <a:pt x="436880" y="72390"/>
-                  <a:pt x="579120" y="144780"/>
-                </a:cubicBezTo>
-              </a:path>
-            </a:pathLst>
-          </a:custGeom>
-          <a:ln>
-            <a:solidFill>
-              <a:srgbClr val="FF0000"/>
-            </a:solidFill>
-          </a:ln>
-        </p:spPr>
-        <p:style>
-          <a:lnRef idx="1">
-            <a:schemeClr val="accent1"/>
-          </a:lnRef>
-          <a:fillRef idx="0">
-            <a:schemeClr val="accent1"/>
-          </a:fillRef>
-          <a:effectRef idx="0">
-            <a:schemeClr val="accent1"/>
-          </a:effectRef>
-          <a:fontRef idx="minor">
-            <a:schemeClr val="tx1"/>
-          </a:fontRef>
-        </p:style>
-        <p:txBody>
-          <a:bodyPr rtlCol="0" anchor="ctr"/>
-          <a:lstStyle/>
-          <a:p>
-            <a:pPr algn="ctr"/>
-            <a:endParaRPr lang="da-DK"/>
-          </a:p>
-        </p:txBody>
-      </p:sp>
-      <p:sp>
-        <p:nvSpPr>
-          <p:cNvPr id="55" name="TextBox 54"/>
-          <p:cNvSpPr txBox="1"/>
-          <p:nvPr/>
-        </p:nvSpPr>
-        <p:spPr>
-          <a:xfrm>
-            <a:off x="3742848" y="1543436"/>
-            <a:ext cx="263214" cy="276999"/>
-          </a:xfrm>
-          <a:prstGeom prst="rect">
-            <a:avLst/>
-          </a:prstGeom>
-          <a:noFill/>
-        </p:spPr>
-        <p:txBody>
-          <a:bodyPr wrap="none" rtlCol="0">
-            <a:spAutoFit/>
-          </a:bodyPr>
-          <a:lstStyle/>
-          <a:p>
-            <a:r>
-              <a:rPr lang="da-DK" sz="1200" dirty="0" smtClean="0">
-                <a:solidFill>
-                  <a:srgbClr val="FF0000"/>
-                </a:solidFill>
-              </a:rPr>
-              <a:t>2</a:t>
-            </a:r>
-            <a:endParaRPr lang="da-DK" dirty="0">
-              <a:solidFill>
-                <a:srgbClr val="FF0000"/>
-              </a:solidFill>
-            </a:endParaRPr>
-          </a:p>
-        </p:txBody>
-      </p:sp>
-      <p:sp>
-        <p:nvSpPr>
-          <p:cNvPr id="23" name="Freeform 22"/>
-          <p:cNvSpPr/>
-          <p:nvPr/>
-        </p:nvSpPr>
-        <p:spPr>
-          <a:xfrm>
-            <a:off x="1051560" y="2406802"/>
-            <a:ext cx="731520" cy="214478"/>
-          </a:xfrm>
-          <a:custGeom>
-            <a:avLst/>
-            <a:gdLst>
-              <a:gd name="connsiteX0" fmla="*/ 0 w 731520"/>
-              <a:gd name="connsiteY0" fmla="*/ 214478 h 214478"/>
-              <a:gd name="connsiteX1" fmla="*/ 464820 w 731520"/>
-              <a:gd name="connsiteY1" fmla="*/ 1118 h 214478"/>
-              <a:gd name="connsiteX2" fmla="*/ 731520 w 731520"/>
-              <a:gd name="connsiteY2" fmla="*/ 145898 h 214478"/>
-            </a:gdLst>
-            <a:ahLst/>
-            <a:cxnLst>
-              <a:cxn ang="0">
-                <a:pos x="connsiteX0" y="connsiteY0"/>
-              </a:cxn>
-              <a:cxn ang="0">
-                <a:pos x="connsiteX1" y="connsiteY1"/>
-              </a:cxn>
-              <a:cxn ang="0">
-                <a:pos x="connsiteX2" y="connsiteY2"/>
-              </a:cxn>
-            </a:cxnLst>
-            <a:rect l="l" t="t" r="r" b="b"/>
-            <a:pathLst>
-              <a:path w="731520" h="214478">
-                <a:moveTo>
-                  <a:pt x="0" y="214478"/>
-                </a:moveTo>
-                <a:cubicBezTo>
-                  <a:pt x="171450" y="113513"/>
-                  <a:pt x="342900" y="12548"/>
-                  <a:pt x="464820" y="1118"/>
-                </a:cubicBezTo>
-                <a:cubicBezTo>
-                  <a:pt x="586740" y="-10312"/>
-                  <a:pt x="659130" y="67793"/>
-                  <a:pt x="731520" y="145898"/>
-                </a:cubicBezTo>
-              </a:path>
-            </a:pathLst>
-          </a:custGeom>
-          <a:ln>
-            <a:solidFill>
-              <a:srgbClr val="FF0000"/>
-            </a:solidFill>
-          </a:ln>
-        </p:spPr>
-        <p:style>
-          <a:lnRef idx="1">
-            <a:schemeClr val="accent1"/>
-          </a:lnRef>
-          <a:fillRef idx="0">
-            <a:schemeClr val="accent1"/>
-          </a:fillRef>
-          <a:effectRef idx="0">
-            <a:schemeClr val="accent1"/>
-          </a:effectRef>
-          <a:fontRef idx="minor">
-            <a:schemeClr val="tx1"/>
-          </a:fontRef>
-        </p:style>
-        <p:txBody>
-          <a:bodyPr rtlCol="0" anchor="ctr"/>
-          <a:lstStyle/>
-          <a:p>
-            <a:pPr algn="ctr"/>
-            <a:endParaRPr lang="da-DK"/>
-          </a:p>
-        </p:txBody>
-      </p:sp>
-      <p:sp>
-        <p:nvSpPr>
-          <p:cNvPr id="24" name="Freeform 23"/>
-          <p:cNvSpPr/>
-          <p:nvPr/>
-        </p:nvSpPr>
-        <p:spPr>
-          <a:xfrm>
-            <a:off x="3916680" y="2204864"/>
-            <a:ext cx="601980" cy="129619"/>
-          </a:xfrm>
-          <a:custGeom>
-            <a:avLst/>
-            <a:gdLst>
-              <a:gd name="connsiteX0" fmla="*/ 0 w 601980"/>
-              <a:gd name="connsiteY0" fmla="*/ 0 h 129619"/>
-              <a:gd name="connsiteX1" fmla="*/ 190500 w 601980"/>
-              <a:gd name="connsiteY1" fmla="*/ 129540 h 129619"/>
-              <a:gd name="connsiteX2" fmla="*/ 601980 w 601980"/>
-              <a:gd name="connsiteY2" fmla="*/ 15240 h 129619"/>
-            </a:gdLst>
-            <a:ahLst/>
-            <a:cxnLst>
-              <a:cxn ang="0">
-                <a:pos x="connsiteX0" y="connsiteY0"/>
-              </a:cxn>
-              <a:cxn ang="0">
-                <a:pos x="connsiteX1" y="connsiteY1"/>
-              </a:cxn>
-              <a:cxn ang="0">
-                <a:pos x="connsiteX2" y="connsiteY2"/>
-              </a:cxn>
-            </a:cxnLst>
-            <a:rect l="l" t="t" r="r" b="b"/>
-            <a:pathLst>
-              <a:path w="601980" h="129619">
-                <a:moveTo>
-                  <a:pt x="0" y="0"/>
-                </a:moveTo>
-                <a:cubicBezTo>
-                  <a:pt x="45085" y="63500"/>
-                  <a:pt x="90170" y="127000"/>
-                  <a:pt x="190500" y="129540"/>
-                </a:cubicBezTo>
-                <a:cubicBezTo>
-                  <a:pt x="290830" y="132080"/>
-                  <a:pt x="446405" y="73660"/>
-                  <a:pt x="601980" y="15240"/>
-                </a:cubicBezTo>
-              </a:path>
-            </a:pathLst>
-          </a:custGeom>
-          <a:ln>
-            <a:solidFill>
-              <a:srgbClr val="FF0000"/>
-            </a:solidFill>
-          </a:ln>
-        </p:spPr>
-        <p:style>
-          <a:lnRef idx="1">
-            <a:schemeClr val="accent1"/>
-          </a:lnRef>
-          <a:fillRef idx="0">
-            <a:schemeClr val="accent1"/>
-          </a:fillRef>
-          <a:effectRef idx="0">
-            <a:schemeClr val="accent1"/>
-          </a:effectRef>
-          <a:fontRef idx="minor">
-            <a:schemeClr val="tx1"/>
-          </a:fontRef>
-        </p:style>
-        <p:txBody>
-          <a:bodyPr rtlCol="0" anchor="ctr"/>
-          <a:lstStyle/>
-          <a:p>
-            <a:pPr algn="ctr"/>
-            <a:endParaRPr lang="da-DK"/>
-          </a:p>
-        </p:txBody>
-      </p:sp>
-      <p:sp>
-        <p:nvSpPr>
-          <p:cNvPr id="56" name="TextBox 55"/>
-          <p:cNvSpPr txBox="1"/>
-          <p:nvPr/>
-        </p:nvSpPr>
-        <p:spPr>
-          <a:xfrm>
-            <a:off x="3806383" y="2268302"/>
-            <a:ext cx="263214" cy="276999"/>
-          </a:xfrm>
-          <a:prstGeom prst="rect">
-            <a:avLst/>
-          </a:prstGeom>
-          <a:noFill/>
-        </p:spPr>
-        <p:txBody>
-          <a:bodyPr wrap="none" rtlCol="0">
-            <a:spAutoFit/>
-          </a:bodyPr>
-          <a:lstStyle/>
-          <a:p>
-            <a:r>
-              <a:rPr lang="da-DK" sz="1200" dirty="0" smtClean="0">
-                <a:solidFill>
-                  <a:srgbClr val="FF0000"/>
-                </a:solidFill>
-              </a:rPr>
-              <a:t>2</a:t>
-            </a:r>
-            <a:endParaRPr lang="da-DK" dirty="0">
-              <a:solidFill>
-                <a:srgbClr val="FF0000"/>
-              </a:solidFill>
-            </a:endParaRPr>
-          </a:p>
-        </p:txBody>
-      </p:sp>
-      <p:sp>
-        <p:nvSpPr>
-          <p:cNvPr id="46" name="TextBox 45"/>
-          <p:cNvSpPr txBox="1"/>
-          <p:nvPr/>
-        </p:nvSpPr>
-        <p:spPr>
-          <a:xfrm>
-            <a:off x="2471738" y="1858180"/>
-            <a:ext cx="1596206" cy="369332"/>
-          </a:xfrm>
-          <a:prstGeom prst="rect">
-            <a:avLst/>
-          </a:prstGeom>
-        </p:spPr>
-        <p:style>
-          <a:lnRef idx="0">
-            <a:schemeClr val="accent5"/>
-          </a:lnRef>
-          <a:fillRef idx="3">
-            <a:schemeClr val="accent5"/>
-          </a:fillRef>
-          <a:effectRef idx="3">
-            <a:schemeClr val="accent5"/>
-          </a:effectRef>
-          <a:fontRef idx="minor">
-            <a:schemeClr val="lt1"/>
-          </a:fontRef>
-        </p:style>
-        <p:txBody>
-          <a:bodyPr wrap="none" rtlCol="0">
-            <a:spAutoFit/>
-          </a:bodyPr>
-          <a:lstStyle/>
-          <a:p>
-            <a:r>
-              <a:rPr lang="da-DK" dirty="0" smtClean="0">
-                <a:solidFill>
-                  <a:schemeClr val="tx1"/>
-                </a:solidFill>
-              </a:rPr>
-              <a:t>Water-</a:t>
-            </a:r>
-            <a:r>
-              <a:rPr lang="da-DK" dirty="0" err="1" smtClean="0">
-                <a:solidFill>
-                  <a:schemeClr val="tx1"/>
-                </a:solidFill>
-              </a:rPr>
-              <a:t>temp</a:t>
-            </a:r>
-            <a:r>
-              <a:rPr lang="da-DK" dirty="0" smtClean="0">
-                <a:solidFill>
-                  <a:schemeClr val="tx1"/>
-                </a:solidFill>
-              </a:rPr>
-              <a:t> x2</a:t>
-            </a:r>
-          </a:p>
-        </p:txBody>
-      </p:sp>
-      <p:sp>
-        <p:nvSpPr>
-          <p:cNvPr id="57" name="Freeform 56"/>
-          <p:cNvSpPr/>
-          <p:nvPr/>
-        </p:nvSpPr>
-        <p:spPr>
-          <a:xfrm>
-            <a:off x="4657725" y="2204864"/>
-            <a:ext cx="323850" cy="1018396"/>
-          </a:xfrm>
-          <a:custGeom>
-            <a:avLst/>
-            <a:gdLst>
-              <a:gd name="connsiteX0" fmla="*/ 323850 w 323850"/>
-              <a:gd name="connsiteY0" fmla="*/ 885825 h 885825"/>
-              <a:gd name="connsiteX1" fmla="*/ 76200 w 323850"/>
-              <a:gd name="connsiteY1" fmla="*/ 438150 h 885825"/>
-              <a:gd name="connsiteX2" fmla="*/ 0 w 323850"/>
-              <a:gd name="connsiteY2" fmla="*/ 0 h 885825"/>
-            </a:gdLst>
-            <a:ahLst/>
-            <a:cxnLst>
-              <a:cxn ang="0">
-                <a:pos x="connsiteX0" y="connsiteY0"/>
-              </a:cxn>
-              <a:cxn ang="0">
-                <a:pos x="connsiteX1" y="connsiteY1"/>
-              </a:cxn>
-              <a:cxn ang="0">
-                <a:pos x="connsiteX2" y="connsiteY2"/>
-              </a:cxn>
-            </a:cxnLst>
-            <a:rect l="l" t="t" r="r" b="b"/>
-            <a:pathLst>
-              <a:path w="323850" h="885825">
-                <a:moveTo>
-                  <a:pt x="323850" y="885825"/>
-                </a:moveTo>
-                <a:cubicBezTo>
-                  <a:pt x="227012" y="735806"/>
-                  <a:pt x="130175" y="585787"/>
-                  <a:pt x="76200" y="438150"/>
-                </a:cubicBezTo>
-                <a:cubicBezTo>
-                  <a:pt x="22225" y="290512"/>
-                  <a:pt x="11112" y="145256"/>
-                  <a:pt x="0" y="0"/>
-                </a:cubicBezTo>
-              </a:path>
-            </a:pathLst>
-          </a:custGeom>
-          <a:ln>
-            <a:solidFill>
-              <a:srgbClr val="FF0000"/>
-            </a:solidFill>
-          </a:ln>
-        </p:spPr>
-        <p:style>
-          <a:lnRef idx="1">
-            <a:schemeClr val="accent1"/>
-          </a:lnRef>
-          <a:fillRef idx="0">
-            <a:schemeClr val="accent1"/>
-          </a:fillRef>
-          <a:effectRef idx="0">
-            <a:schemeClr val="accent1"/>
-          </a:effectRef>
-          <a:fontRef idx="minor">
-            <a:schemeClr val="tx1"/>
-          </a:fontRef>
-        </p:style>
-        <p:txBody>
-          <a:bodyPr rtlCol="0" anchor="ctr"/>
-          <a:lstStyle/>
-          <a:p>
-            <a:pPr algn="ctr"/>
-            <a:endParaRPr lang="da-DK"/>
-          </a:p>
-        </p:txBody>
-      </p:sp>
-      <p:sp>
-        <p:nvSpPr>
-          <p:cNvPr id="58" name="TextBox 57"/>
-          <p:cNvSpPr txBox="1"/>
-          <p:nvPr/>
-        </p:nvSpPr>
-        <p:spPr>
-          <a:xfrm>
-            <a:off x="4914019" y="2863969"/>
-            <a:ext cx="388248" cy="276999"/>
-          </a:xfrm>
-          <a:prstGeom prst="rect">
-            <a:avLst/>
-          </a:prstGeom>
-          <a:noFill/>
-        </p:spPr>
-        <p:txBody>
-          <a:bodyPr wrap="none" rtlCol="0">
-            <a:spAutoFit/>
-          </a:bodyPr>
-          <a:lstStyle/>
-          <a:p>
-            <a:r>
-              <a:rPr lang="da-DK" sz="1200" dirty="0" smtClean="0">
-                <a:solidFill>
-                  <a:srgbClr val="FF0000"/>
-                </a:solidFill>
-              </a:rPr>
-              <a:t>2-3</a:t>
-            </a:r>
-            <a:endParaRPr lang="da-DK" dirty="0">
-              <a:solidFill>
-                <a:srgbClr val="FF0000"/>
-              </a:solidFill>
-            </a:endParaRPr>
-          </a:p>
-        </p:txBody>
-      </p:sp>
-      <p:sp>
-        <p:nvSpPr>
-          <p:cNvPr id="59" name="Freeform 58"/>
-          <p:cNvSpPr/>
-          <p:nvPr/>
-        </p:nvSpPr>
-        <p:spPr>
-          <a:xfrm>
-            <a:off x="3799302" y="2263140"/>
-            <a:ext cx="803178" cy="822960"/>
-          </a:xfrm>
-          <a:custGeom>
-            <a:avLst/>
-            <a:gdLst>
-              <a:gd name="connsiteX0" fmla="*/ 0 w 777240"/>
-              <a:gd name="connsiteY0" fmla="*/ 822960 h 822960"/>
-              <a:gd name="connsiteX1" fmla="*/ 617220 w 777240"/>
-              <a:gd name="connsiteY1" fmla="*/ 502920 h 822960"/>
-              <a:gd name="connsiteX2" fmla="*/ 777240 w 777240"/>
-              <a:gd name="connsiteY2" fmla="*/ 0 h 822960"/>
-            </a:gdLst>
-            <a:ahLst/>
-            <a:cxnLst>
-              <a:cxn ang="0">
-                <a:pos x="connsiteX0" y="connsiteY0"/>
-              </a:cxn>
-              <a:cxn ang="0">
-                <a:pos x="connsiteX1" y="connsiteY1"/>
-              </a:cxn>
-              <a:cxn ang="0">
-                <a:pos x="connsiteX2" y="connsiteY2"/>
-              </a:cxn>
-            </a:cxnLst>
-            <a:rect l="l" t="t" r="r" b="b"/>
-            <a:pathLst>
-              <a:path w="777240" h="822960">
-                <a:moveTo>
-                  <a:pt x="0" y="822960"/>
-                </a:moveTo>
-                <a:cubicBezTo>
-                  <a:pt x="243840" y="731520"/>
-                  <a:pt x="487680" y="640080"/>
-                  <a:pt x="617220" y="502920"/>
-                </a:cubicBezTo>
-                <a:cubicBezTo>
-                  <a:pt x="746760" y="365760"/>
-                  <a:pt x="762000" y="182880"/>
-                  <a:pt x="777240" y="0"/>
-                </a:cubicBezTo>
-              </a:path>
-            </a:pathLst>
-          </a:custGeom>
-          <a:ln>
-            <a:solidFill>
-              <a:srgbClr val="FF0000"/>
-            </a:solidFill>
-          </a:ln>
-        </p:spPr>
-        <p:style>
-          <a:lnRef idx="1">
-            <a:schemeClr val="accent1"/>
-          </a:lnRef>
-          <a:fillRef idx="0">
-            <a:schemeClr val="accent1"/>
-          </a:fillRef>
-          <a:effectRef idx="0">
-            <a:schemeClr val="accent1"/>
-          </a:effectRef>
-          <a:fontRef idx="minor">
-            <a:schemeClr val="tx1"/>
-          </a:fontRef>
-        </p:style>
-        <p:txBody>
-          <a:bodyPr rtlCol="0" anchor="ctr"/>
-          <a:lstStyle/>
-          <a:p>
-            <a:pPr algn="ctr"/>
-            <a:endParaRPr lang="da-DK"/>
-          </a:p>
-        </p:txBody>
-      </p:sp>
-      <p:sp>
-        <p:nvSpPr>
-          <p:cNvPr id="60" name="Freeform 59"/>
-          <p:cNvSpPr/>
-          <p:nvPr/>
-        </p:nvSpPr>
-        <p:spPr>
-          <a:xfrm>
-            <a:off x="3799302" y="2263140"/>
-            <a:ext cx="841278" cy="934515"/>
-          </a:xfrm>
-          <a:custGeom>
-            <a:avLst/>
-            <a:gdLst>
-              <a:gd name="connsiteX0" fmla="*/ 0 w 800100"/>
-              <a:gd name="connsiteY0" fmla="*/ 960120 h 960120"/>
-              <a:gd name="connsiteX1" fmla="*/ 647700 w 800100"/>
-              <a:gd name="connsiteY1" fmla="*/ 678180 h 960120"/>
-              <a:gd name="connsiteX2" fmla="*/ 800100 w 800100"/>
-              <a:gd name="connsiteY2" fmla="*/ 0 h 960120"/>
-            </a:gdLst>
-            <a:ahLst/>
-            <a:cxnLst>
-              <a:cxn ang="0">
-                <a:pos x="connsiteX0" y="connsiteY0"/>
-              </a:cxn>
-              <a:cxn ang="0">
-                <a:pos x="connsiteX1" y="connsiteY1"/>
-              </a:cxn>
-              <a:cxn ang="0">
-                <a:pos x="connsiteX2" y="connsiteY2"/>
-              </a:cxn>
-            </a:cxnLst>
-            <a:rect l="l" t="t" r="r" b="b"/>
-            <a:pathLst>
-              <a:path w="800100" h="960120">
-                <a:moveTo>
-                  <a:pt x="0" y="960120"/>
-                </a:moveTo>
-                <a:cubicBezTo>
-                  <a:pt x="257175" y="899160"/>
-                  <a:pt x="514350" y="838200"/>
-                  <a:pt x="647700" y="678180"/>
-                </a:cubicBezTo>
-                <a:cubicBezTo>
-                  <a:pt x="781050" y="518160"/>
-                  <a:pt x="790575" y="259080"/>
-                  <a:pt x="800100" y="0"/>
-                </a:cubicBezTo>
-              </a:path>
-            </a:pathLst>
-          </a:custGeom>
-          <a:ln>
-            <a:solidFill>
-              <a:srgbClr val="FF0000"/>
-            </a:solidFill>
-          </a:ln>
-        </p:spPr>
-        <p:style>
-          <a:lnRef idx="1">
-            <a:schemeClr val="accent1"/>
-          </a:lnRef>
-          <a:fillRef idx="0">
-            <a:schemeClr val="accent1"/>
-          </a:fillRef>
-          <a:effectRef idx="0">
-            <a:schemeClr val="accent1"/>
-          </a:effectRef>
-          <a:fontRef idx="minor">
-            <a:schemeClr val="tx1"/>
-          </a:fontRef>
-        </p:style>
-        <p:txBody>
-          <a:bodyPr rtlCol="0" anchor="ctr"/>
-          <a:lstStyle/>
-          <a:p>
-            <a:pPr algn="ctr"/>
-            <a:endParaRPr lang="da-DK"/>
-          </a:p>
-        </p:txBody>
-      </p:sp>
-      <p:sp>
-        <p:nvSpPr>
-          <p:cNvPr id="61" name="TextBox 60"/>
-          <p:cNvSpPr txBox="1"/>
-          <p:nvPr/>
-        </p:nvSpPr>
-        <p:spPr>
-          <a:xfrm>
-            <a:off x="3927786" y="2697701"/>
-            <a:ext cx="263214" cy="276999"/>
-          </a:xfrm>
-          <a:prstGeom prst="rect">
-            <a:avLst/>
-          </a:prstGeom>
-          <a:noFill/>
-        </p:spPr>
-        <p:txBody>
-          <a:bodyPr wrap="none" rtlCol="0">
-            <a:spAutoFit/>
-          </a:bodyPr>
-          <a:lstStyle/>
-          <a:p>
-            <a:r>
-              <a:rPr lang="da-DK" sz="1200" dirty="0">
-                <a:solidFill>
-                  <a:srgbClr val="FF0000"/>
-                </a:solidFill>
-              </a:rPr>
-              <a:t>3</a:t>
-            </a:r>
-            <a:endParaRPr lang="da-DK" dirty="0">
-              <a:solidFill>
-                <a:srgbClr val="FF0000"/>
-              </a:solidFill>
-            </a:endParaRPr>
-          </a:p>
-        </p:txBody>
-      </p:sp>
-      <p:sp>
-        <p:nvSpPr>
-          <p:cNvPr id="62" name="TextBox 61"/>
-          <p:cNvSpPr txBox="1"/>
-          <p:nvPr/>
-        </p:nvSpPr>
-        <p:spPr>
-          <a:xfrm>
-            <a:off x="3977316" y="3152001"/>
-            <a:ext cx="263214" cy="276999"/>
-          </a:xfrm>
-          <a:prstGeom prst="rect">
-            <a:avLst/>
-          </a:prstGeom>
-          <a:noFill/>
-        </p:spPr>
-        <p:txBody>
-          <a:bodyPr wrap="none" rtlCol="0">
-            <a:spAutoFit/>
-          </a:bodyPr>
-          <a:lstStyle/>
-          <a:p>
-            <a:r>
-              <a:rPr lang="da-DK" sz="1200" dirty="0">
-                <a:solidFill>
-                  <a:srgbClr val="FF0000"/>
-                </a:solidFill>
-              </a:rPr>
-              <a:t>3</a:t>
-            </a:r>
-            <a:endParaRPr lang="da-DK" dirty="0">
-              <a:solidFill>
-                <a:srgbClr val="FF0000"/>
-              </a:solidFill>
-            </a:endParaRPr>
-          </a:p>
-        </p:txBody>
-      </p:sp>
-      <p:sp>
-        <p:nvSpPr>
-          <p:cNvPr id="44" name="TextBox 43"/>
-          <p:cNvSpPr txBox="1"/>
-          <p:nvPr/>
-        </p:nvSpPr>
-        <p:spPr>
-          <a:xfrm>
-            <a:off x="2411760" y="2871100"/>
-            <a:ext cx="1402243" cy="369332"/>
-          </a:xfrm>
-          <a:prstGeom prst="rect">
-            <a:avLst/>
-          </a:prstGeom>
-        </p:spPr>
-        <p:style>
-          <a:lnRef idx="0">
-            <a:schemeClr val="accent5"/>
-          </a:lnRef>
-          <a:fillRef idx="3">
-            <a:schemeClr val="accent5"/>
-          </a:fillRef>
-          <a:effectRef idx="3">
-            <a:schemeClr val="accent5"/>
-          </a:effectRef>
-          <a:fontRef idx="minor">
-            <a:schemeClr val="lt1"/>
-          </a:fontRef>
-        </p:style>
-        <p:txBody>
-          <a:bodyPr wrap="none" rtlCol="0">
-            <a:spAutoFit/>
-          </a:bodyPr>
-          <a:lstStyle/>
-          <a:p>
-            <a:r>
-              <a:rPr lang="da-DK" dirty="0" smtClean="0">
-                <a:solidFill>
-                  <a:schemeClr val="tx1"/>
-                </a:solidFill>
-              </a:rPr>
-              <a:t>Low-</a:t>
-            </a:r>
-            <a:r>
-              <a:rPr lang="da-DK" dirty="0" err="1" smtClean="0">
-                <a:solidFill>
-                  <a:schemeClr val="tx1"/>
-                </a:solidFill>
-              </a:rPr>
-              <a:t>press</a:t>
-            </a:r>
-            <a:r>
-              <a:rPr lang="da-DK" dirty="0" smtClean="0">
-                <a:solidFill>
-                  <a:schemeClr val="tx1"/>
-                </a:solidFill>
-              </a:rPr>
-              <a:t> x2</a:t>
-            </a:r>
-          </a:p>
-        </p:txBody>
-      </p:sp>
-      <p:sp>
-        <p:nvSpPr>
-          <p:cNvPr id="35" name="TextBox 34"/>
-          <p:cNvSpPr txBox="1"/>
-          <p:nvPr/>
-        </p:nvSpPr>
-        <p:spPr>
-          <a:xfrm>
-            <a:off x="4555460" y="3167680"/>
-            <a:ext cx="1243546" cy="369332"/>
-          </a:xfrm>
-          <a:prstGeom prst="rect">
-            <a:avLst/>
-          </a:prstGeom>
-        </p:spPr>
-        <p:style>
-          <a:lnRef idx="0">
-            <a:schemeClr val="accent5"/>
-          </a:lnRef>
-          <a:fillRef idx="3">
-            <a:schemeClr val="accent5"/>
-          </a:fillRef>
-          <a:effectRef idx="3">
-            <a:schemeClr val="accent5"/>
-          </a:effectRef>
-          <a:fontRef idx="minor">
-            <a:schemeClr val="lt1"/>
-          </a:fontRef>
-        </p:style>
-        <p:txBody>
-          <a:bodyPr wrap="none" rtlCol="0">
-            <a:spAutoFit/>
-          </a:bodyPr>
-          <a:lstStyle/>
-          <a:p>
-            <a:r>
-              <a:rPr lang="da-DK" dirty="0" smtClean="0">
-                <a:solidFill>
-                  <a:schemeClr val="tx1"/>
-                </a:solidFill>
-              </a:rPr>
-              <a:t>Yaw Sensor</a:t>
-            </a:r>
-            <a:endParaRPr lang="da-DK" dirty="0">
-              <a:solidFill>
-                <a:schemeClr val="tx1"/>
-              </a:solidFill>
-            </a:endParaRPr>
-          </a:p>
-        </p:txBody>
-      </p:sp>
-      <p:sp>
-        <p:nvSpPr>
-          <p:cNvPr id="63" name="Freeform 62"/>
-          <p:cNvSpPr/>
-          <p:nvPr/>
-        </p:nvSpPr>
-        <p:spPr>
-          <a:xfrm>
-            <a:off x="8020050" y="3533775"/>
-            <a:ext cx="640584" cy="1704975"/>
-          </a:xfrm>
-          <a:custGeom>
-            <a:avLst/>
-            <a:gdLst>
-              <a:gd name="connsiteX0" fmla="*/ 0 w 640584"/>
-              <a:gd name="connsiteY0" fmla="*/ 1704975 h 1704975"/>
-              <a:gd name="connsiteX1" fmla="*/ 571500 w 640584"/>
-              <a:gd name="connsiteY1" fmla="*/ 619125 h 1704975"/>
-              <a:gd name="connsiteX2" fmla="*/ 609600 w 640584"/>
-              <a:gd name="connsiteY2" fmla="*/ 0 h 1704975"/>
-            </a:gdLst>
-            <a:ahLst/>
-            <a:cxnLst>
-              <a:cxn ang="0">
-                <a:pos x="connsiteX0" y="connsiteY0"/>
-              </a:cxn>
-              <a:cxn ang="0">
-                <a:pos x="connsiteX1" y="connsiteY1"/>
-              </a:cxn>
-              <a:cxn ang="0">
-                <a:pos x="connsiteX2" y="connsiteY2"/>
-              </a:cxn>
-            </a:cxnLst>
-            <a:rect l="l" t="t" r="r" b="b"/>
-            <a:pathLst>
-              <a:path w="640584" h="1704975">
-                <a:moveTo>
-                  <a:pt x="0" y="1704975"/>
-                </a:moveTo>
-                <a:cubicBezTo>
-                  <a:pt x="234950" y="1304131"/>
-                  <a:pt x="469900" y="903287"/>
-                  <a:pt x="571500" y="619125"/>
-                </a:cubicBezTo>
-                <a:cubicBezTo>
-                  <a:pt x="673100" y="334963"/>
-                  <a:pt x="641350" y="167481"/>
-                  <a:pt x="609600" y="0"/>
-                </a:cubicBezTo>
-              </a:path>
-            </a:pathLst>
-          </a:custGeom>
-          <a:ln>
-            <a:solidFill>
-              <a:srgbClr val="FF0000"/>
-            </a:solidFill>
-          </a:ln>
-        </p:spPr>
-        <p:style>
-          <a:lnRef idx="1">
-            <a:schemeClr val="accent1"/>
-          </a:lnRef>
-          <a:fillRef idx="0">
-            <a:schemeClr val="accent1"/>
-          </a:fillRef>
-          <a:effectRef idx="0">
-            <a:schemeClr val="accent1"/>
-          </a:effectRef>
-          <a:fontRef idx="minor">
-            <a:schemeClr val="tx1"/>
-          </a:fontRef>
-        </p:style>
-        <p:txBody>
-          <a:bodyPr rtlCol="0" anchor="ctr"/>
-          <a:lstStyle/>
-          <a:p>
-            <a:pPr algn="ctr"/>
-            <a:endParaRPr lang="da-DK"/>
-          </a:p>
-        </p:txBody>
-      </p:sp>
-      <p:sp>
-        <p:nvSpPr>
-          <p:cNvPr id="41" name="Rectangle 40"/>
-          <p:cNvSpPr/>
-          <p:nvPr/>
-        </p:nvSpPr>
-        <p:spPr>
-          <a:xfrm>
-            <a:off x="8263798" y="3140968"/>
-            <a:ext cx="576064" cy="396044"/>
-          </a:xfrm>
-          <a:prstGeom prst="rect">
-            <a:avLst/>
-          </a:prstGeom>
-          <a:solidFill>
-            <a:srgbClr val="008000"/>
-          </a:solidFill>
-        </p:spPr>
-        <p:style>
-          <a:lnRef idx="0">
-            <a:schemeClr val="accent3"/>
-          </a:lnRef>
-          <a:fillRef idx="3">
-            <a:schemeClr val="accent3"/>
-          </a:fillRef>
-          <a:effectRef idx="3">
-            <a:schemeClr val="accent3"/>
-          </a:effectRef>
-          <a:fontRef idx="minor">
-            <a:schemeClr val="lt1"/>
-          </a:fontRef>
-        </p:style>
-        <p:txBody>
-          <a:bodyPr rtlCol="0" anchor="ctr"/>
-          <a:lstStyle/>
-          <a:p>
-            <a:pPr algn="ctr"/>
-            <a:r>
-              <a:rPr lang="da-DK" sz="1100" dirty="0" smtClean="0">
-                <a:solidFill>
-                  <a:schemeClr val="tx1"/>
-                </a:solidFill>
-              </a:rPr>
-              <a:t>Node4</a:t>
-            </a:r>
-            <a:endParaRPr lang="da-DK" sz="1100" dirty="0">
-              <a:solidFill>
-                <a:schemeClr val="tx1"/>
-              </a:solidFill>
-            </a:endParaRPr>
-          </a:p>
-        </p:txBody>
-      </p:sp>
-      <p:sp>
-        <p:nvSpPr>
-          <p:cNvPr id="32" name="TextBox 31"/>
-          <p:cNvSpPr txBox="1"/>
-          <p:nvPr/>
-        </p:nvSpPr>
-        <p:spPr>
-          <a:xfrm>
-            <a:off x="7333476" y="5242556"/>
-            <a:ext cx="1428596" cy="369332"/>
-          </a:xfrm>
-          <a:prstGeom prst="rect">
-            <a:avLst/>
-          </a:prstGeom>
-        </p:spPr>
-        <p:style>
-          <a:lnRef idx="0">
-            <a:schemeClr val="accent5"/>
-          </a:lnRef>
-          <a:fillRef idx="3">
-            <a:schemeClr val="accent5"/>
-          </a:fillRef>
-          <a:effectRef idx="3">
-            <a:schemeClr val="accent5"/>
-          </a:effectRef>
-          <a:fontRef idx="minor">
-            <a:schemeClr val="lt1"/>
-          </a:fontRef>
-        </p:style>
-        <p:txBody>
-          <a:bodyPr wrap="none" rtlCol="0">
-            <a:spAutoFit/>
-          </a:bodyPr>
-          <a:lstStyle/>
-          <a:p>
-            <a:r>
-              <a:rPr lang="da-DK" dirty="0" smtClean="0">
-                <a:solidFill>
-                  <a:schemeClr val="tx1"/>
-                </a:solidFill>
-              </a:rPr>
-              <a:t>Wheel Speed</a:t>
-            </a:r>
-            <a:endParaRPr lang="da-DK" dirty="0">
-              <a:solidFill>
-                <a:schemeClr val="tx1"/>
-              </a:solidFill>
-            </a:endParaRPr>
-          </a:p>
-        </p:txBody>
-      </p:sp>
-      <p:sp>
-        <p:nvSpPr>
-          <p:cNvPr id="64" name="TextBox 63"/>
-          <p:cNvSpPr txBox="1"/>
-          <p:nvPr/>
-        </p:nvSpPr>
-        <p:spPr>
-          <a:xfrm>
-            <a:off x="8317191" y="4578149"/>
-            <a:ext cx="263214" cy="276999"/>
-          </a:xfrm>
-          <a:prstGeom prst="rect">
-            <a:avLst/>
-          </a:prstGeom>
-          <a:noFill/>
-        </p:spPr>
-        <p:txBody>
-          <a:bodyPr wrap="none" rtlCol="0">
-            <a:spAutoFit/>
-          </a:bodyPr>
-          <a:lstStyle/>
-          <a:p>
-            <a:r>
-              <a:rPr lang="da-DK" sz="1200" dirty="0" smtClean="0">
-                <a:solidFill>
-                  <a:srgbClr val="FF0000"/>
-                </a:solidFill>
-              </a:rPr>
-              <a:t>2</a:t>
-            </a:r>
-            <a:endParaRPr lang="da-DK" dirty="0">
-              <a:solidFill>
-                <a:srgbClr val="FF0000"/>
-              </a:solidFill>
-            </a:endParaRPr>
-          </a:p>
-        </p:txBody>
-      </p:sp>
-      <p:sp>
-        <p:nvSpPr>
-          <p:cNvPr id="65" name="Freeform 64"/>
-          <p:cNvSpPr/>
-          <p:nvPr/>
-        </p:nvSpPr>
-        <p:spPr>
-          <a:xfrm>
-            <a:off x="8086725" y="1538288"/>
-            <a:ext cx="917112" cy="1695450"/>
-          </a:xfrm>
-          <a:custGeom>
-            <a:avLst/>
-            <a:gdLst>
-              <a:gd name="connsiteX0" fmla="*/ 0 w 917112"/>
-              <a:gd name="connsiteY0" fmla="*/ 0 h 1695450"/>
-              <a:gd name="connsiteX1" fmla="*/ 547688 w 917112"/>
-              <a:gd name="connsiteY1" fmla="*/ 695325 h 1695450"/>
-              <a:gd name="connsiteX2" fmla="*/ 909638 w 917112"/>
-              <a:gd name="connsiteY2" fmla="*/ 1057275 h 1695450"/>
-              <a:gd name="connsiteX3" fmla="*/ 757238 w 917112"/>
-              <a:gd name="connsiteY3" fmla="*/ 1695450 h 1695450"/>
-            </a:gdLst>
-            <a:ahLst/>
-            <a:cxnLst>
-              <a:cxn ang="0">
-                <a:pos x="connsiteX0" y="connsiteY0"/>
-              </a:cxn>
-              <a:cxn ang="0">
-                <a:pos x="connsiteX1" y="connsiteY1"/>
-              </a:cxn>
-              <a:cxn ang="0">
-                <a:pos x="connsiteX2" y="connsiteY2"/>
-              </a:cxn>
-              <a:cxn ang="0">
-                <a:pos x="connsiteX3" y="connsiteY3"/>
-              </a:cxn>
-            </a:cxnLst>
-            <a:rect l="l" t="t" r="r" b="b"/>
-            <a:pathLst>
-              <a:path w="917112" h="1695450">
-                <a:moveTo>
-                  <a:pt x="0" y="0"/>
-                </a:moveTo>
-                <a:cubicBezTo>
-                  <a:pt x="198041" y="259556"/>
-                  <a:pt x="396082" y="519112"/>
-                  <a:pt x="547688" y="695325"/>
-                </a:cubicBezTo>
-                <a:cubicBezTo>
-                  <a:pt x="699294" y="871538"/>
-                  <a:pt x="874713" y="890588"/>
-                  <a:pt x="909638" y="1057275"/>
-                </a:cubicBezTo>
-                <a:cubicBezTo>
-                  <a:pt x="944563" y="1223962"/>
-                  <a:pt x="850900" y="1459706"/>
-                  <a:pt x="757238" y="1695450"/>
-                </a:cubicBezTo>
-              </a:path>
-            </a:pathLst>
-          </a:custGeom>
-          <a:ln>
-            <a:solidFill>
-              <a:srgbClr val="FF0000"/>
-            </a:solidFill>
-          </a:ln>
-        </p:spPr>
-        <p:style>
-          <a:lnRef idx="1">
-            <a:schemeClr val="accent1"/>
-          </a:lnRef>
-          <a:fillRef idx="0">
-            <a:schemeClr val="accent1"/>
-          </a:fillRef>
-          <a:effectRef idx="0">
-            <a:schemeClr val="accent1"/>
-          </a:effectRef>
-          <a:fontRef idx="minor">
-            <a:schemeClr val="tx1"/>
-          </a:fontRef>
-        </p:style>
-        <p:txBody>
-          <a:bodyPr rtlCol="0" anchor="ctr"/>
-          <a:lstStyle/>
-          <a:p>
-            <a:pPr algn="ctr"/>
-            <a:endParaRPr lang="da-DK"/>
-          </a:p>
-        </p:txBody>
-      </p:sp>
-      <p:sp>
-        <p:nvSpPr>
-          <p:cNvPr id="29" name="TextBox 28"/>
-          <p:cNvSpPr txBox="1"/>
-          <p:nvPr/>
-        </p:nvSpPr>
-        <p:spPr>
-          <a:xfrm>
-            <a:off x="7333476" y="1174104"/>
-            <a:ext cx="1428596" cy="369332"/>
-          </a:xfrm>
-          <a:prstGeom prst="rect">
-            <a:avLst/>
-          </a:prstGeom>
-        </p:spPr>
-        <p:style>
-          <a:lnRef idx="0">
-            <a:schemeClr val="accent5"/>
-          </a:lnRef>
-          <a:fillRef idx="3">
-            <a:schemeClr val="accent5"/>
-          </a:fillRef>
-          <a:effectRef idx="3">
-            <a:schemeClr val="accent5"/>
-          </a:effectRef>
-          <a:fontRef idx="minor">
-            <a:schemeClr val="lt1"/>
-          </a:fontRef>
-        </p:style>
-        <p:txBody>
-          <a:bodyPr wrap="none" rtlCol="0">
-            <a:spAutoFit/>
-          </a:bodyPr>
-          <a:lstStyle/>
-          <a:p>
-            <a:r>
-              <a:rPr lang="da-DK" dirty="0" smtClean="0">
-                <a:solidFill>
-                  <a:schemeClr val="tx1"/>
-                </a:solidFill>
-              </a:rPr>
-              <a:t>Wheel Speed</a:t>
-            </a:r>
-            <a:endParaRPr lang="da-DK" dirty="0">
-              <a:solidFill>
-                <a:schemeClr val="tx1"/>
-              </a:solidFill>
-            </a:endParaRPr>
-          </a:p>
-        </p:txBody>
-      </p:sp>
-      <p:sp>
-        <p:nvSpPr>
-          <p:cNvPr id="66" name="TextBox 65"/>
-          <p:cNvSpPr txBox="1"/>
-          <p:nvPr/>
-        </p:nvSpPr>
-        <p:spPr>
-          <a:xfrm>
-            <a:off x="8443818" y="1893623"/>
-            <a:ext cx="263214" cy="276999"/>
-          </a:xfrm>
-          <a:prstGeom prst="rect">
-            <a:avLst/>
-          </a:prstGeom>
-          <a:noFill/>
-        </p:spPr>
-        <p:txBody>
-          <a:bodyPr wrap="none" rtlCol="0">
-            <a:spAutoFit/>
-          </a:bodyPr>
-          <a:lstStyle/>
-          <a:p>
-            <a:r>
-              <a:rPr lang="da-DK" sz="1200" dirty="0" smtClean="0">
-                <a:solidFill>
-                  <a:srgbClr val="FF0000"/>
-                </a:solidFill>
-              </a:rPr>
-              <a:t>2</a:t>
-            </a:r>
-            <a:endParaRPr lang="da-DK" dirty="0">
-              <a:solidFill>
-                <a:srgbClr val="FF0000"/>
-              </a:solidFill>
-            </a:endParaRPr>
-          </a:p>
-        </p:txBody>
-      </p:sp>
-      <p:sp>
-        <p:nvSpPr>
-          <p:cNvPr id="67" name="Freeform 66"/>
-          <p:cNvSpPr/>
-          <p:nvPr/>
-        </p:nvSpPr>
-        <p:spPr>
-          <a:xfrm>
-            <a:off x="8001000" y="2933798"/>
-            <a:ext cx="261938" cy="423765"/>
-          </a:xfrm>
-          <a:custGeom>
-            <a:avLst/>
-            <a:gdLst>
-              <a:gd name="connsiteX0" fmla="*/ 0 w 261938"/>
-              <a:gd name="connsiteY0" fmla="*/ 0 h 414338"/>
-              <a:gd name="connsiteX1" fmla="*/ 47625 w 261938"/>
-              <a:gd name="connsiteY1" fmla="*/ 285750 h 414338"/>
-              <a:gd name="connsiteX2" fmla="*/ 261938 w 261938"/>
-              <a:gd name="connsiteY2" fmla="*/ 414338 h 414338"/>
-            </a:gdLst>
-            <a:ahLst/>
-            <a:cxnLst>
-              <a:cxn ang="0">
-                <a:pos x="connsiteX0" y="connsiteY0"/>
-              </a:cxn>
-              <a:cxn ang="0">
-                <a:pos x="connsiteX1" y="connsiteY1"/>
-              </a:cxn>
-              <a:cxn ang="0">
-                <a:pos x="connsiteX2" y="connsiteY2"/>
-              </a:cxn>
-            </a:cxnLst>
-            <a:rect l="l" t="t" r="r" b="b"/>
-            <a:pathLst>
-              <a:path w="261938" h="414338">
-                <a:moveTo>
-                  <a:pt x="0" y="0"/>
-                </a:moveTo>
-                <a:cubicBezTo>
-                  <a:pt x="1984" y="108347"/>
-                  <a:pt x="3969" y="216694"/>
-                  <a:pt x="47625" y="285750"/>
-                </a:cubicBezTo>
-                <a:cubicBezTo>
-                  <a:pt x="91281" y="354806"/>
-                  <a:pt x="176609" y="384572"/>
-                  <a:pt x="261938" y="414338"/>
-                </a:cubicBezTo>
-              </a:path>
-            </a:pathLst>
-          </a:custGeom>
-          <a:ln>
-            <a:solidFill>
-              <a:srgbClr val="FF0000"/>
-            </a:solidFill>
-          </a:ln>
-        </p:spPr>
-        <p:style>
-          <a:lnRef idx="1">
-            <a:schemeClr val="accent1"/>
-          </a:lnRef>
-          <a:fillRef idx="0">
-            <a:schemeClr val="accent1"/>
-          </a:fillRef>
-          <a:effectRef idx="0">
-            <a:schemeClr val="accent1"/>
-          </a:effectRef>
-          <a:fontRef idx="minor">
-            <a:schemeClr val="tx1"/>
-          </a:fontRef>
-        </p:style>
-        <p:txBody>
-          <a:bodyPr rtlCol="0" anchor="ctr"/>
-          <a:lstStyle/>
-          <a:p>
-            <a:pPr algn="ctr"/>
-            <a:endParaRPr lang="da-DK"/>
-          </a:p>
-        </p:txBody>
-      </p:sp>
-      <p:sp>
-        <p:nvSpPr>
-          <p:cNvPr id="68" name="Freeform 67"/>
-          <p:cNvSpPr/>
-          <p:nvPr/>
-        </p:nvSpPr>
-        <p:spPr>
-          <a:xfrm>
-            <a:off x="7826694" y="2933798"/>
-            <a:ext cx="430581" cy="495201"/>
-          </a:xfrm>
-          <a:custGeom>
-            <a:avLst/>
-            <a:gdLst>
-              <a:gd name="connsiteX0" fmla="*/ 0 w 261938"/>
-              <a:gd name="connsiteY0" fmla="*/ 0 h 414338"/>
-              <a:gd name="connsiteX1" fmla="*/ 47625 w 261938"/>
-              <a:gd name="connsiteY1" fmla="*/ 285750 h 414338"/>
-              <a:gd name="connsiteX2" fmla="*/ 261938 w 261938"/>
-              <a:gd name="connsiteY2" fmla="*/ 414338 h 414338"/>
-            </a:gdLst>
-            <a:ahLst/>
-            <a:cxnLst>
-              <a:cxn ang="0">
-                <a:pos x="connsiteX0" y="connsiteY0"/>
-              </a:cxn>
-              <a:cxn ang="0">
-                <a:pos x="connsiteX1" y="connsiteY1"/>
-              </a:cxn>
-              <a:cxn ang="0">
-                <a:pos x="connsiteX2" y="connsiteY2"/>
-              </a:cxn>
-            </a:cxnLst>
-            <a:rect l="l" t="t" r="r" b="b"/>
-            <a:pathLst>
-              <a:path w="261938" h="414338">
-                <a:moveTo>
-                  <a:pt x="0" y="0"/>
-                </a:moveTo>
-                <a:cubicBezTo>
-                  <a:pt x="1984" y="108347"/>
-                  <a:pt x="3969" y="216694"/>
-                  <a:pt x="47625" y="285750"/>
-                </a:cubicBezTo>
-                <a:cubicBezTo>
-                  <a:pt x="91281" y="354806"/>
-                  <a:pt x="176609" y="384572"/>
-                  <a:pt x="261938" y="414338"/>
-                </a:cubicBezTo>
-              </a:path>
-            </a:pathLst>
-          </a:custGeom>
-          <a:ln>
-            <a:solidFill>
-              <a:srgbClr val="FF0000"/>
-            </a:solidFill>
-          </a:ln>
-        </p:spPr>
-        <p:style>
-          <a:lnRef idx="1">
-            <a:schemeClr val="accent1"/>
-          </a:lnRef>
-          <a:fillRef idx="0">
-            <a:schemeClr val="accent1"/>
-          </a:fillRef>
-          <a:effectRef idx="0">
-            <a:schemeClr val="accent1"/>
-          </a:effectRef>
-          <a:fontRef idx="minor">
-            <a:schemeClr val="tx1"/>
-          </a:fontRef>
-        </p:style>
-        <p:txBody>
-          <a:bodyPr rtlCol="0" anchor="ctr"/>
-          <a:lstStyle/>
-          <a:p>
-            <a:pPr algn="ctr"/>
-            <a:endParaRPr lang="da-DK"/>
-          </a:p>
-        </p:txBody>
-      </p:sp>
-      <p:sp>
-        <p:nvSpPr>
-          <p:cNvPr id="69" name="Freeform 68"/>
-          <p:cNvSpPr/>
-          <p:nvPr/>
-        </p:nvSpPr>
-        <p:spPr>
-          <a:xfrm>
-            <a:off x="7659028" y="2933798"/>
-            <a:ext cx="604770" cy="552352"/>
-          </a:xfrm>
-          <a:custGeom>
-            <a:avLst/>
-            <a:gdLst>
-              <a:gd name="connsiteX0" fmla="*/ 0 w 261938"/>
-              <a:gd name="connsiteY0" fmla="*/ 0 h 414338"/>
-              <a:gd name="connsiteX1" fmla="*/ 47625 w 261938"/>
-              <a:gd name="connsiteY1" fmla="*/ 285750 h 414338"/>
-              <a:gd name="connsiteX2" fmla="*/ 261938 w 261938"/>
-              <a:gd name="connsiteY2" fmla="*/ 414338 h 414338"/>
-            </a:gdLst>
-            <a:ahLst/>
-            <a:cxnLst>
-              <a:cxn ang="0">
-                <a:pos x="connsiteX0" y="connsiteY0"/>
-              </a:cxn>
-              <a:cxn ang="0">
-                <a:pos x="connsiteX1" y="connsiteY1"/>
-              </a:cxn>
-              <a:cxn ang="0">
-                <a:pos x="connsiteX2" y="connsiteY2"/>
-              </a:cxn>
-            </a:cxnLst>
-            <a:rect l="l" t="t" r="r" b="b"/>
-            <a:pathLst>
-              <a:path w="261938" h="414338">
-                <a:moveTo>
-                  <a:pt x="0" y="0"/>
-                </a:moveTo>
-                <a:cubicBezTo>
-                  <a:pt x="1984" y="108347"/>
-                  <a:pt x="3969" y="216694"/>
-                  <a:pt x="47625" y="285750"/>
-                </a:cubicBezTo>
-                <a:cubicBezTo>
-                  <a:pt x="91281" y="354806"/>
-                  <a:pt x="176609" y="384572"/>
-                  <a:pt x="261938" y="414338"/>
-                </a:cubicBezTo>
-              </a:path>
-            </a:pathLst>
-          </a:custGeom>
-          <a:ln>
-            <a:solidFill>
-              <a:srgbClr val="FF0000"/>
-            </a:solidFill>
-          </a:ln>
-        </p:spPr>
-        <p:style>
-          <a:lnRef idx="1">
-            <a:schemeClr val="accent1"/>
-          </a:lnRef>
-          <a:fillRef idx="0">
-            <a:schemeClr val="accent1"/>
-          </a:fillRef>
-          <a:effectRef idx="0">
-            <a:schemeClr val="accent1"/>
-          </a:effectRef>
-          <a:fontRef idx="minor">
-            <a:schemeClr val="tx1"/>
-          </a:fontRef>
-        </p:style>
-        <p:txBody>
-          <a:bodyPr rtlCol="0" anchor="ctr"/>
-          <a:lstStyle/>
-          <a:p>
-            <a:pPr algn="ctr"/>
-            <a:endParaRPr lang="da-DK"/>
-          </a:p>
-        </p:txBody>
-      </p:sp>
-      <p:sp>
-        <p:nvSpPr>
-          <p:cNvPr id="70" name="TextBox 69"/>
-          <p:cNvSpPr txBox="1"/>
-          <p:nvPr/>
-        </p:nvSpPr>
-        <p:spPr>
-          <a:xfrm>
-            <a:off x="7937830" y="2920656"/>
-            <a:ext cx="409086" cy="276999"/>
-          </a:xfrm>
-          <a:prstGeom prst="rect">
-            <a:avLst/>
-          </a:prstGeom>
-          <a:noFill/>
-        </p:spPr>
-        <p:txBody>
-          <a:bodyPr wrap="none" rtlCol="0">
-            <a:spAutoFit/>
-          </a:bodyPr>
-          <a:lstStyle/>
-          <a:p>
-            <a:r>
-              <a:rPr lang="da-DK" sz="1200" dirty="0" smtClean="0">
-                <a:solidFill>
-                  <a:srgbClr val="FF0000"/>
-                </a:solidFill>
-              </a:rPr>
-              <a:t>3x3</a:t>
-            </a:r>
-            <a:endParaRPr lang="da-DK" dirty="0">
-              <a:solidFill>
-                <a:srgbClr val="FF0000"/>
-              </a:solidFill>
-            </a:endParaRPr>
-          </a:p>
-        </p:txBody>
-      </p:sp>
-      <p:sp>
-        <p:nvSpPr>
-          <p:cNvPr id="71" name="Freeform 70"/>
-          <p:cNvSpPr/>
-          <p:nvPr/>
-        </p:nvSpPr>
-        <p:spPr>
-          <a:xfrm>
-            <a:off x="4501628" y="3573016"/>
-            <a:ext cx="2258070" cy="1282132"/>
-          </a:xfrm>
-          <a:custGeom>
-            <a:avLst/>
-            <a:gdLst>
-              <a:gd name="connsiteX0" fmla="*/ 0 w 2241037"/>
-              <a:gd name="connsiteY0" fmla="*/ 1257300 h 1257300"/>
-              <a:gd name="connsiteX1" fmla="*/ 922020 w 2241037"/>
-              <a:gd name="connsiteY1" fmla="*/ 1005840 h 1257300"/>
-              <a:gd name="connsiteX2" fmla="*/ 2026920 w 2241037"/>
-              <a:gd name="connsiteY2" fmla="*/ 441960 h 1257300"/>
-              <a:gd name="connsiteX3" fmla="*/ 2240280 w 2241037"/>
-              <a:gd name="connsiteY3" fmla="*/ 0 h 1257300"/>
-            </a:gdLst>
-            <a:ahLst/>
-            <a:cxnLst>
-              <a:cxn ang="0">
-                <a:pos x="connsiteX0" y="connsiteY0"/>
-              </a:cxn>
-              <a:cxn ang="0">
-                <a:pos x="connsiteX1" y="connsiteY1"/>
-              </a:cxn>
-              <a:cxn ang="0">
-                <a:pos x="connsiteX2" y="connsiteY2"/>
-              </a:cxn>
-              <a:cxn ang="0">
-                <a:pos x="connsiteX3" y="connsiteY3"/>
-              </a:cxn>
-            </a:cxnLst>
-            <a:rect l="l" t="t" r="r" b="b"/>
-            <a:pathLst>
-              <a:path w="2241037" h="1257300">
-                <a:moveTo>
-                  <a:pt x="0" y="1257300"/>
-                </a:moveTo>
-                <a:cubicBezTo>
-                  <a:pt x="292100" y="1199515"/>
-                  <a:pt x="584200" y="1141730"/>
-                  <a:pt x="922020" y="1005840"/>
-                </a:cubicBezTo>
-                <a:cubicBezTo>
-                  <a:pt x="1259840" y="869950"/>
-                  <a:pt x="1807210" y="609600"/>
-                  <a:pt x="2026920" y="441960"/>
-                </a:cubicBezTo>
-                <a:cubicBezTo>
-                  <a:pt x="2246630" y="274320"/>
-                  <a:pt x="2243455" y="137160"/>
-                  <a:pt x="2240280" y="0"/>
-                </a:cubicBezTo>
-              </a:path>
-            </a:pathLst>
-          </a:custGeom>
-          <a:ln w="28575">
-            <a:solidFill>
-              <a:schemeClr val="accent6">
-                <a:lumMod val="75000"/>
-              </a:schemeClr>
-            </a:solidFill>
-          </a:ln>
-        </p:spPr>
-        <p:style>
-          <a:lnRef idx="1">
-            <a:schemeClr val="accent1"/>
-          </a:lnRef>
-          <a:fillRef idx="0">
-            <a:schemeClr val="accent1"/>
-          </a:fillRef>
-          <a:effectRef idx="0">
-            <a:schemeClr val="accent1"/>
-          </a:effectRef>
-          <a:fontRef idx="minor">
-            <a:schemeClr val="tx1"/>
-          </a:fontRef>
-        </p:style>
-        <p:txBody>
-          <a:bodyPr rtlCol="0" anchor="ctr"/>
-          <a:lstStyle/>
-          <a:p>
-            <a:pPr algn="ctr"/>
-            <a:endParaRPr lang="da-DK"/>
-          </a:p>
-        </p:txBody>
-      </p:sp>
-      <p:sp>
-        <p:nvSpPr>
-          <p:cNvPr id="42" name="Rectangle 41"/>
-          <p:cNvSpPr/>
-          <p:nvPr/>
-        </p:nvSpPr>
-        <p:spPr>
-          <a:xfrm>
-            <a:off x="6463598" y="3176972"/>
-            <a:ext cx="576064" cy="396044"/>
-          </a:xfrm>
-          <a:prstGeom prst="rect">
-            <a:avLst/>
-          </a:prstGeom>
-          <a:solidFill>
-            <a:srgbClr val="008000"/>
-          </a:solidFill>
-        </p:spPr>
-        <p:style>
-          <a:lnRef idx="0">
-            <a:schemeClr val="accent3"/>
-          </a:lnRef>
-          <a:fillRef idx="3">
-            <a:schemeClr val="accent3"/>
-          </a:fillRef>
-          <a:effectRef idx="3">
-            <a:schemeClr val="accent3"/>
-          </a:effectRef>
-          <a:fontRef idx="minor">
-            <a:schemeClr val="lt1"/>
-          </a:fontRef>
-        </p:style>
-        <p:txBody>
-          <a:bodyPr rtlCol="0" anchor="ctr"/>
-          <a:lstStyle/>
-          <a:p>
-            <a:pPr algn="ctr"/>
-            <a:r>
-              <a:rPr lang="da-DK" sz="1100" dirty="0" smtClean="0">
-                <a:solidFill>
-                  <a:schemeClr val="tx1"/>
-                </a:solidFill>
-              </a:rPr>
-              <a:t>Node3</a:t>
-            </a:r>
-            <a:endParaRPr lang="da-DK" sz="1100" dirty="0">
-              <a:solidFill>
-                <a:schemeClr val="tx1"/>
-              </a:solidFill>
-            </a:endParaRPr>
-          </a:p>
-        </p:txBody>
-      </p:sp>
-      <p:sp>
-        <p:nvSpPr>
-          <p:cNvPr id="72" name="Freeform 71"/>
-          <p:cNvSpPr/>
-          <p:nvPr/>
-        </p:nvSpPr>
-        <p:spPr>
-          <a:xfrm>
-            <a:off x="6600824" y="3543300"/>
-            <a:ext cx="1750695" cy="428625"/>
-          </a:xfrm>
-          <a:custGeom>
-            <a:avLst/>
-            <a:gdLst>
-              <a:gd name="connsiteX0" fmla="*/ 1752600 w 1752600"/>
-              <a:gd name="connsiteY0" fmla="*/ 0 h 426720"/>
-              <a:gd name="connsiteX1" fmla="*/ 1592580 w 1752600"/>
-              <a:gd name="connsiteY1" fmla="*/ 114300 h 426720"/>
-              <a:gd name="connsiteX2" fmla="*/ 868680 w 1752600"/>
-              <a:gd name="connsiteY2" fmla="*/ 137160 h 426720"/>
-              <a:gd name="connsiteX3" fmla="*/ 350520 w 1752600"/>
-              <a:gd name="connsiteY3" fmla="*/ 160020 h 426720"/>
-              <a:gd name="connsiteX4" fmla="*/ 0 w 1752600"/>
-              <a:gd name="connsiteY4" fmla="*/ 426720 h 426720"/>
-            </a:gdLst>
-            <a:ahLst/>
-            <a:cxnLst>
-              <a:cxn ang="0">
-                <a:pos x="connsiteX0" y="connsiteY0"/>
-              </a:cxn>
-              <a:cxn ang="0">
-                <a:pos x="connsiteX1" y="connsiteY1"/>
-              </a:cxn>
-              <a:cxn ang="0">
-                <a:pos x="connsiteX2" y="connsiteY2"/>
-              </a:cxn>
-              <a:cxn ang="0">
-                <a:pos x="connsiteX3" y="connsiteY3"/>
-              </a:cxn>
-              <a:cxn ang="0">
-                <a:pos x="connsiteX4" y="connsiteY4"/>
-              </a:cxn>
-            </a:cxnLst>
-            <a:rect l="l" t="t" r="r" b="b"/>
-            <a:pathLst>
-              <a:path w="1752600" h="426720">
-                <a:moveTo>
-                  <a:pt x="1752600" y="0"/>
-                </a:moveTo>
-                <a:cubicBezTo>
-                  <a:pt x="1746250" y="45720"/>
-                  <a:pt x="1739900" y="91440"/>
-                  <a:pt x="1592580" y="114300"/>
-                </a:cubicBezTo>
-                <a:cubicBezTo>
-                  <a:pt x="1445260" y="137160"/>
-                  <a:pt x="868680" y="137160"/>
-                  <a:pt x="868680" y="137160"/>
-                </a:cubicBezTo>
-                <a:cubicBezTo>
-                  <a:pt x="661670" y="144780"/>
-                  <a:pt x="495300" y="111760"/>
-                  <a:pt x="350520" y="160020"/>
-                </a:cubicBezTo>
-                <a:cubicBezTo>
-                  <a:pt x="205740" y="208280"/>
-                  <a:pt x="102870" y="317500"/>
-                  <a:pt x="0" y="426720"/>
-                </a:cubicBezTo>
-              </a:path>
-            </a:pathLst>
-          </a:custGeom>
-          <a:ln w="28575">
-            <a:solidFill>
-              <a:schemeClr val="accent6">
-                <a:lumMod val="75000"/>
-              </a:schemeClr>
-            </a:solidFill>
-          </a:ln>
-        </p:spPr>
-        <p:style>
-          <a:lnRef idx="1">
-            <a:schemeClr val="accent1"/>
-          </a:lnRef>
-          <a:fillRef idx="0">
-            <a:schemeClr val="accent1"/>
-          </a:fillRef>
-          <a:effectRef idx="0">
-            <a:schemeClr val="accent1"/>
-          </a:effectRef>
-          <a:fontRef idx="minor">
-            <a:schemeClr val="tx1"/>
-          </a:fontRef>
-        </p:style>
-        <p:txBody>
-          <a:bodyPr rtlCol="0" anchor="ctr"/>
-          <a:lstStyle/>
-          <a:p>
-            <a:pPr algn="ctr"/>
-            <a:endParaRPr lang="da-DK"/>
-          </a:p>
-        </p:txBody>
-      </p:sp>
-      <p:sp>
-        <p:nvSpPr>
-          <p:cNvPr id="73" name="TextBox 72"/>
-          <p:cNvSpPr txBox="1"/>
-          <p:nvPr/>
-        </p:nvSpPr>
-        <p:spPr>
-          <a:xfrm rot="20238315">
-            <a:off x="4922748" y="4230368"/>
-            <a:ext cx="1058303" cy="369332"/>
-          </a:xfrm>
-          <a:prstGeom prst="rect">
-            <a:avLst/>
-          </a:prstGeom>
-          <a:noFill/>
-          <a:ln>
-            <a:noFill/>
-          </a:ln>
-        </p:spPr>
-        <p:txBody>
-          <a:bodyPr wrap="none" rtlCol="0">
-            <a:spAutoFit/>
-          </a:bodyPr>
-          <a:lstStyle/>
-          <a:p>
-            <a:r>
-              <a:rPr lang="da-DK" b="1" dirty="0" smtClean="0">
-                <a:solidFill>
-                  <a:schemeClr val="accent6">
-                    <a:lumMod val="75000"/>
-                  </a:schemeClr>
-                </a:solidFill>
-              </a:rPr>
-              <a:t>CAN-BUS</a:t>
-            </a:r>
-            <a:endParaRPr lang="da-DK" b="1" dirty="0">
-              <a:solidFill>
-                <a:schemeClr val="accent6">
+                <a:schemeClr val="bg1">
                   <a:lumMod val="75000"/>
                 </a:schemeClr>
               </a:solidFill>
-            </a:endParaRPr>
-          </a:p>
-        </p:txBody>
-      </p:sp>
-      <p:sp>
-        <p:nvSpPr>
-          <p:cNvPr id="74" name="Freeform 73"/>
-          <p:cNvSpPr/>
-          <p:nvPr/>
-        </p:nvSpPr>
-        <p:spPr>
-          <a:xfrm>
-            <a:off x="4867275" y="2063489"/>
-            <a:ext cx="2333625" cy="1784611"/>
-          </a:xfrm>
-          <a:custGeom>
-            <a:avLst/>
-            <a:gdLst>
-              <a:gd name="connsiteX0" fmla="*/ 1857375 w 2343736"/>
-              <a:gd name="connsiteY0" fmla="*/ 1775086 h 1775086"/>
-              <a:gd name="connsiteX1" fmla="*/ 2276475 w 2343736"/>
-              <a:gd name="connsiteY1" fmla="*/ 1508386 h 1775086"/>
-              <a:gd name="connsiteX2" fmla="*/ 2266950 w 2343736"/>
-              <a:gd name="connsiteY2" fmla="*/ 1003561 h 1775086"/>
-              <a:gd name="connsiteX3" fmla="*/ 1543050 w 2343736"/>
-              <a:gd name="connsiteY3" fmla="*/ 489211 h 1775086"/>
-              <a:gd name="connsiteX4" fmla="*/ 428625 w 2343736"/>
-              <a:gd name="connsiteY4" fmla="*/ 60586 h 1775086"/>
-              <a:gd name="connsiteX5" fmla="*/ 0 w 2343736"/>
-              <a:gd name="connsiteY5" fmla="*/ 12961 h 1775086"/>
-            </a:gdLst>
-            <a:ahLst/>
-            <a:cxnLst>
-              <a:cxn ang="0">
-                <a:pos x="connsiteX0" y="connsiteY0"/>
-              </a:cxn>
-              <a:cxn ang="0">
-                <a:pos x="connsiteX1" y="connsiteY1"/>
-              </a:cxn>
-              <a:cxn ang="0">
-                <a:pos x="connsiteX2" y="connsiteY2"/>
-              </a:cxn>
-              <a:cxn ang="0">
-                <a:pos x="connsiteX3" y="connsiteY3"/>
-              </a:cxn>
-              <a:cxn ang="0">
-                <a:pos x="connsiteX4" y="connsiteY4"/>
-              </a:cxn>
-              <a:cxn ang="0">
-                <a:pos x="connsiteX5" y="connsiteY5"/>
-              </a:cxn>
-            </a:cxnLst>
-            <a:rect l="l" t="t" r="r" b="b"/>
-            <a:pathLst>
-              <a:path w="2343736" h="1775086">
-                <a:moveTo>
-                  <a:pt x="1857375" y="1775086"/>
-                </a:moveTo>
-                <a:cubicBezTo>
-                  <a:pt x="2032794" y="1706029"/>
-                  <a:pt x="2208213" y="1636973"/>
-                  <a:pt x="2276475" y="1508386"/>
-                </a:cubicBezTo>
-                <a:cubicBezTo>
-                  <a:pt x="2344737" y="1379799"/>
-                  <a:pt x="2389187" y="1173423"/>
-                  <a:pt x="2266950" y="1003561"/>
-                </a:cubicBezTo>
-                <a:cubicBezTo>
-                  <a:pt x="2144713" y="833699"/>
-                  <a:pt x="1849437" y="646373"/>
-                  <a:pt x="1543050" y="489211"/>
-                </a:cubicBezTo>
-                <a:cubicBezTo>
-                  <a:pt x="1236662" y="332048"/>
-                  <a:pt x="685800" y="139961"/>
-                  <a:pt x="428625" y="60586"/>
-                </a:cubicBezTo>
-                <a:cubicBezTo>
-                  <a:pt x="171450" y="-18789"/>
-                  <a:pt x="85725" y="-2914"/>
-                  <a:pt x="0" y="12961"/>
-                </a:cubicBezTo>
-              </a:path>
-            </a:pathLst>
-          </a:custGeom>
-          <a:ln w="28575">
+            </a:ln>
+          </p:spPr>
+          <p:style>
+            <a:lnRef idx="2">
+              <a:schemeClr val="accent1">
+                <a:shade val="50000"/>
+              </a:schemeClr>
+            </a:lnRef>
+            <a:fillRef idx="1">
+              <a:schemeClr val="accent1"/>
+            </a:fillRef>
+            <a:effectRef idx="0">
+              <a:schemeClr val="accent1"/>
+            </a:effectRef>
+            <a:fontRef idx="minor">
+              <a:schemeClr val="lt1"/>
+            </a:fontRef>
+          </p:style>
+          <p:txBody>
+            <a:bodyPr rtlCol="0" anchor="ctr"/>
+            <a:lstStyle/>
+            <a:p>
+              <a:pPr algn="ctr"/>
+              <a:endParaRPr lang="da-DK"/>
+            </a:p>
+          </p:txBody>
+        </p:sp>
+        <p:sp>
+          <p:nvSpPr>
+            <p:cNvPr id="7" name="Rounded Rectangle 6"/>
+            <p:cNvSpPr/>
+            <p:nvPr/>
+          </p:nvSpPr>
+          <p:spPr>
+            <a:xfrm>
+              <a:off x="6444208" y="1503799"/>
+              <a:ext cx="2520280" cy="1961206"/>
+            </a:xfrm>
+            <a:prstGeom prst="roundRect">
+              <a:avLst/>
+            </a:prstGeom>
             <a:solidFill>
-              <a:schemeClr val="accent6">
-                <a:lumMod val="75000"/>
+              <a:schemeClr val="bg2">
+                <a:lumMod val="90000"/>
               </a:schemeClr>
             </a:solidFill>
-          </a:ln>
-        </p:spPr>
-        <p:style>
-          <a:lnRef idx="1">
-            <a:schemeClr val="accent1"/>
-          </a:lnRef>
-          <a:fillRef idx="0">
-            <a:schemeClr val="accent1"/>
-          </a:fillRef>
-          <a:effectRef idx="0">
-            <a:schemeClr val="accent1"/>
-          </a:effectRef>
-          <a:fontRef idx="minor">
-            <a:schemeClr val="tx1"/>
-          </a:fontRef>
-        </p:style>
-        <p:txBody>
-          <a:bodyPr rtlCol="0" anchor="ctr"/>
-          <a:lstStyle/>
-          <a:p>
-            <a:pPr algn="ctr"/>
-            <a:endParaRPr lang="da-DK"/>
-          </a:p>
-        </p:txBody>
-      </p:sp>
-      <p:sp>
-        <p:nvSpPr>
-          <p:cNvPr id="39" name="Rectangle 38"/>
-          <p:cNvSpPr/>
-          <p:nvPr/>
-        </p:nvSpPr>
-        <p:spPr>
-          <a:xfrm>
-            <a:off x="4283968" y="1858180"/>
-            <a:ext cx="576064" cy="396044"/>
-          </a:xfrm>
-          <a:prstGeom prst="rect">
-            <a:avLst/>
-          </a:prstGeom>
-          <a:solidFill>
-            <a:srgbClr val="008000"/>
-          </a:solidFill>
-        </p:spPr>
-        <p:style>
-          <a:lnRef idx="0">
-            <a:schemeClr val="accent3"/>
-          </a:lnRef>
-          <a:fillRef idx="3">
-            <a:schemeClr val="accent3"/>
-          </a:fillRef>
-          <a:effectRef idx="3">
-            <a:schemeClr val="accent3"/>
-          </a:effectRef>
-          <a:fontRef idx="minor">
-            <a:schemeClr val="lt1"/>
-          </a:fontRef>
-        </p:style>
-        <p:txBody>
-          <a:bodyPr rtlCol="0" anchor="ctr"/>
-          <a:lstStyle/>
-          <a:p>
-            <a:pPr algn="ctr"/>
-            <a:r>
-              <a:rPr lang="da-DK" sz="1100" dirty="0" smtClean="0">
-                <a:solidFill>
-                  <a:schemeClr val="tx1"/>
-                </a:solidFill>
-              </a:rPr>
-              <a:t>Node5</a:t>
-            </a:r>
-            <a:endParaRPr lang="da-DK" sz="1100" dirty="0">
+            <a:ln>
               <a:solidFill>
-                <a:schemeClr val="tx1"/>
+                <a:schemeClr val="bg2">
+                  <a:lumMod val="90000"/>
+                </a:schemeClr>
               </a:solidFill>
-            </a:endParaRPr>
-          </a:p>
-        </p:txBody>
-      </p:sp>
-      <p:sp>
-        <p:nvSpPr>
-          <p:cNvPr id="75" name="Freeform 74"/>
-          <p:cNvSpPr/>
-          <p:nvPr/>
-        </p:nvSpPr>
-        <p:spPr>
-          <a:xfrm>
-            <a:off x="1281805" y="3357448"/>
-            <a:ext cx="2697517" cy="1405052"/>
-          </a:xfrm>
-          <a:custGeom>
-            <a:avLst/>
-            <a:gdLst>
-              <a:gd name="connsiteX0" fmla="*/ 2552700 w 2552700"/>
-              <a:gd name="connsiteY0" fmla="*/ 1405052 h 1405052"/>
-              <a:gd name="connsiteX1" fmla="*/ 2286000 w 2552700"/>
-              <a:gd name="connsiteY1" fmla="*/ 1128827 h 1405052"/>
-              <a:gd name="connsiteX2" fmla="*/ 1362075 w 2552700"/>
-              <a:gd name="connsiteY2" fmla="*/ 1147877 h 1405052"/>
-              <a:gd name="connsiteX3" fmla="*/ 638175 w 2552700"/>
-              <a:gd name="connsiteY3" fmla="*/ 624002 h 1405052"/>
-              <a:gd name="connsiteX4" fmla="*/ 342900 w 2552700"/>
-              <a:gd name="connsiteY4" fmla="*/ 90602 h 1405052"/>
-              <a:gd name="connsiteX5" fmla="*/ 0 w 2552700"/>
-              <a:gd name="connsiteY5" fmla="*/ 4877 h 1405052"/>
-            </a:gdLst>
-            <a:ahLst/>
-            <a:cxnLst>
-              <a:cxn ang="0">
-                <a:pos x="connsiteX0" y="connsiteY0"/>
-              </a:cxn>
-              <a:cxn ang="0">
-                <a:pos x="connsiteX1" y="connsiteY1"/>
-              </a:cxn>
-              <a:cxn ang="0">
-                <a:pos x="connsiteX2" y="connsiteY2"/>
-              </a:cxn>
-              <a:cxn ang="0">
-                <a:pos x="connsiteX3" y="connsiteY3"/>
-              </a:cxn>
-              <a:cxn ang="0">
-                <a:pos x="connsiteX4" y="connsiteY4"/>
-              </a:cxn>
-              <a:cxn ang="0">
-                <a:pos x="connsiteX5" y="connsiteY5"/>
-              </a:cxn>
-            </a:cxnLst>
-            <a:rect l="l" t="t" r="r" b="b"/>
-            <a:pathLst>
-              <a:path w="2552700" h="1405052">
-                <a:moveTo>
-                  <a:pt x="2552700" y="1405052"/>
-                </a:moveTo>
-                <a:cubicBezTo>
-                  <a:pt x="2518568" y="1288370"/>
-                  <a:pt x="2484437" y="1171689"/>
-                  <a:pt x="2286000" y="1128827"/>
-                </a:cubicBezTo>
-                <a:cubicBezTo>
-                  <a:pt x="2087562" y="1085964"/>
-                  <a:pt x="1636712" y="1232014"/>
-                  <a:pt x="1362075" y="1147877"/>
-                </a:cubicBezTo>
-                <a:cubicBezTo>
-                  <a:pt x="1087437" y="1063739"/>
-                  <a:pt x="808037" y="800214"/>
-                  <a:pt x="638175" y="624002"/>
-                </a:cubicBezTo>
-                <a:cubicBezTo>
-                  <a:pt x="468313" y="447790"/>
-                  <a:pt x="449262" y="193789"/>
-                  <a:pt x="342900" y="90602"/>
-                </a:cubicBezTo>
-                <a:cubicBezTo>
-                  <a:pt x="236538" y="-12585"/>
-                  <a:pt x="118269" y="-3854"/>
-                  <a:pt x="0" y="4877"/>
-                </a:cubicBezTo>
-              </a:path>
-            </a:pathLst>
-          </a:custGeom>
-          <a:ln w="28575">
+            </a:ln>
+          </p:spPr>
+          <p:style>
+            <a:lnRef idx="2">
+              <a:schemeClr val="accent1">
+                <a:shade val="50000"/>
+              </a:schemeClr>
+            </a:lnRef>
+            <a:fillRef idx="1">
+              <a:schemeClr val="accent1"/>
+            </a:fillRef>
+            <a:effectRef idx="0">
+              <a:schemeClr val="accent1"/>
+            </a:effectRef>
+            <a:fontRef idx="minor">
+              <a:schemeClr val="lt1"/>
+            </a:fontRef>
+          </p:style>
+          <p:txBody>
+            <a:bodyPr rtlCol="0" anchor="ctr"/>
+            <a:lstStyle/>
+            <a:p>
+              <a:pPr algn="ctr"/>
+              <a:endParaRPr lang="da-DK"/>
+            </a:p>
+          </p:txBody>
+        </p:sp>
+        <p:sp>
+          <p:nvSpPr>
+            <p:cNvPr id="8" name="Rounded Rectangle 7"/>
+            <p:cNvSpPr/>
+            <p:nvPr/>
+          </p:nvSpPr>
+          <p:spPr>
+            <a:xfrm>
+              <a:off x="7236296" y="116632"/>
+              <a:ext cx="1728192" cy="684076"/>
+            </a:xfrm>
+            <a:prstGeom prst="roundRect">
+              <a:avLst/>
+            </a:prstGeom>
             <a:solidFill>
-              <a:schemeClr val="accent6">
+              <a:schemeClr val="tx1">
                 <a:lumMod val="75000"/>
+                <a:lumOff val="25000"/>
               </a:schemeClr>
             </a:solidFill>
-          </a:ln>
-        </p:spPr>
-        <p:style>
-          <a:lnRef idx="1">
-            <a:schemeClr val="accent1"/>
-          </a:lnRef>
-          <a:fillRef idx="0">
-            <a:schemeClr val="accent1"/>
-          </a:fillRef>
-          <a:effectRef idx="0">
-            <a:schemeClr val="accent1"/>
-          </a:effectRef>
-          <a:fontRef idx="minor">
-            <a:schemeClr val="tx1"/>
-          </a:fontRef>
-        </p:style>
-        <p:txBody>
-          <a:bodyPr rtlCol="0" anchor="ctr"/>
-          <a:lstStyle/>
-          <a:p>
-            <a:pPr algn="ctr"/>
-            <a:endParaRPr lang="da-DK"/>
-          </a:p>
-        </p:txBody>
-      </p:sp>
-      <p:sp>
-        <p:nvSpPr>
-          <p:cNvPr id="43" name="Rectangle 42"/>
-          <p:cNvSpPr/>
-          <p:nvPr/>
-        </p:nvSpPr>
-        <p:spPr>
-          <a:xfrm>
-            <a:off x="779514" y="3140968"/>
-            <a:ext cx="576064" cy="396044"/>
-          </a:xfrm>
-          <a:prstGeom prst="rect">
-            <a:avLst/>
-          </a:prstGeom>
-          <a:solidFill>
-            <a:srgbClr val="008000"/>
-          </a:solidFill>
-        </p:spPr>
-        <p:style>
-          <a:lnRef idx="0">
-            <a:schemeClr val="accent3"/>
-          </a:lnRef>
-          <a:fillRef idx="3">
-            <a:schemeClr val="accent3"/>
-          </a:fillRef>
-          <a:effectRef idx="3">
-            <a:schemeClr val="accent3"/>
-          </a:effectRef>
-          <a:fontRef idx="minor">
-            <a:schemeClr val="lt1"/>
-          </a:fontRef>
-        </p:style>
-        <p:txBody>
-          <a:bodyPr rtlCol="0" anchor="ctr"/>
-          <a:lstStyle/>
-          <a:p>
-            <a:pPr algn="ctr"/>
-            <a:r>
-              <a:rPr lang="da-DK" sz="1100" dirty="0" smtClean="0">
-                <a:solidFill>
-                  <a:schemeClr val="tx1"/>
-                </a:solidFill>
-              </a:rPr>
-              <a:t>Node6</a:t>
-            </a:r>
-            <a:endParaRPr lang="da-DK" sz="1100" dirty="0">
-              <a:solidFill>
-                <a:schemeClr val="tx1"/>
-              </a:solidFill>
-            </a:endParaRPr>
-          </a:p>
-        </p:txBody>
-      </p:sp>
-      <p:sp>
-        <p:nvSpPr>
-          <p:cNvPr id="76" name="Freeform 75"/>
-          <p:cNvSpPr/>
-          <p:nvPr/>
-        </p:nvSpPr>
-        <p:spPr>
-          <a:xfrm>
-            <a:off x="1671087" y="2934237"/>
-            <a:ext cx="107707" cy="763844"/>
-          </a:xfrm>
-          <a:custGeom>
-            <a:avLst/>
-            <a:gdLst>
-              <a:gd name="connsiteX0" fmla="*/ 95801 w 95801"/>
-              <a:gd name="connsiteY0" fmla="*/ 695325 h 695325"/>
-              <a:gd name="connsiteX1" fmla="*/ 5313 w 95801"/>
-              <a:gd name="connsiteY1" fmla="*/ 404813 h 695325"/>
-              <a:gd name="connsiteX2" fmla="*/ 10076 w 95801"/>
-              <a:gd name="connsiteY2" fmla="*/ 0 h 695325"/>
-            </a:gdLst>
-            <a:ahLst/>
-            <a:cxnLst>
-              <a:cxn ang="0">
-                <a:pos x="connsiteX0" y="connsiteY0"/>
-              </a:cxn>
-              <a:cxn ang="0">
-                <a:pos x="connsiteX1" y="connsiteY1"/>
-              </a:cxn>
-              <a:cxn ang="0">
-                <a:pos x="connsiteX2" y="connsiteY2"/>
-              </a:cxn>
-            </a:cxnLst>
-            <a:rect l="l" t="t" r="r" b="b"/>
-            <a:pathLst>
-              <a:path w="95801" h="695325">
-                <a:moveTo>
-                  <a:pt x="95801" y="695325"/>
-                </a:moveTo>
-                <a:cubicBezTo>
-                  <a:pt x="57700" y="608012"/>
-                  <a:pt x="19600" y="520700"/>
-                  <a:pt x="5313" y="404813"/>
-                </a:cubicBezTo>
-                <a:cubicBezTo>
-                  <a:pt x="-8975" y="288925"/>
-                  <a:pt x="10076" y="0"/>
-                  <a:pt x="10076" y="0"/>
-                </a:cubicBezTo>
-              </a:path>
-            </a:pathLst>
-          </a:custGeom>
-          <a:ln w="28575">
+          </p:spPr>
+          <p:style>
+            <a:lnRef idx="2">
+              <a:schemeClr val="accent1">
+                <a:shade val="50000"/>
+              </a:schemeClr>
+            </a:lnRef>
+            <a:fillRef idx="1">
+              <a:schemeClr val="accent1"/>
+            </a:fillRef>
+            <a:effectRef idx="0">
+              <a:schemeClr val="accent1"/>
+            </a:effectRef>
+            <a:fontRef idx="minor">
+              <a:schemeClr val="lt1"/>
+            </a:fontRef>
+          </p:style>
+          <p:txBody>
+            <a:bodyPr rtlCol="0" anchor="ctr"/>
+            <a:lstStyle/>
+            <a:p>
+              <a:pPr algn="ctr"/>
+              <a:endParaRPr lang="da-DK"/>
+            </a:p>
+          </p:txBody>
+        </p:sp>
+        <p:sp>
+          <p:nvSpPr>
+            <p:cNvPr id="10" name="Rounded Rectangle 9"/>
+            <p:cNvSpPr/>
+            <p:nvPr/>
+          </p:nvSpPr>
+          <p:spPr>
+            <a:xfrm>
+              <a:off x="7236296" y="4185084"/>
+              <a:ext cx="1728192" cy="684076"/>
+            </a:xfrm>
+            <a:prstGeom prst="roundRect">
+              <a:avLst/>
+            </a:prstGeom>
             <a:solidFill>
-              <a:schemeClr val="accent6">
+              <a:schemeClr val="tx1">
                 <a:lumMod val="75000"/>
+                <a:lumOff val="25000"/>
               </a:schemeClr>
             </a:solidFill>
-          </a:ln>
-        </p:spPr>
-        <p:style>
-          <a:lnRef idx="1">
-            <a:schemeClr val="accent1"/>
-          </a:lnRef>
-          <a:fillRef idx="0">
-            <a:schemeClr val="accent1"/>
-          </a:fillRef>
-          <a:effectRef idx="0">
-            <a:schemeClr val="accent1"/>
-          </a:effectRef>
-          <a:fontRef idx="minor">
-            <a:schemeClr val="tx1"/>
-          </a:fontRef>
-        </p:style>
-        <p:txBody>
-          <a:bodyPr rtlCol="0" anchor="ctr"/>
-          <a:lstStyle/>
-          <a:p>
-            <a:pPr algn="ctr"/>
-            <a:endParaRPr lang="da-DK"/>
-          </a:p>
-        </p:txBody>
-      </p:sp>
-      <p:sp>
-        <p:nvSpPr>
-          <p:cNvPr id="40" name="Rectangle 39"/>
-          <p:cNvSpPr/>
-          <p:nvPr/>
-        </p:nvSpPr>
-        <p:spPr>
-          <a:xfrm>
-            <a:off x="1567054" y="2564904"/>
-            <a:ext cx="576064" cy="396044"/>
-          </a:xfrm>
-          <a:prstGeom prst="rect">
-            <a:avLst/>
-          </a:prstGeom>
-          <a:solidFill>
-            <a:srgbClr val="008000"/>
-          </a:solidFill>
-        </p:spPr>
-        <p:style>
-          <a:lnRef idx="0">
-            <a:schemeClr val="accent3"/>
-          </a:lnRef>
-          <a:fillRef idx="3">
-            <a:schemeClr val="accent3"/>
-          </a:fillRef>
-          <a:effectRef idx="3">
-            <a:schemeClr val="accent3"/>
-          </a:effectRef>
-          <a:fontRef idx="minor">
-            <a:schemeClr val="lt1"/>
-          </a:fontRef>
-        </p:style>
-        <p:txBody>
-          <a:bodyPr rtlCol="0" anchor="ctr"/>
-          <a:lstStyle/>
-          <a:p>
-            <a:pPr algn="ctr"/>
-            <a:r>
-              <a:rPr lang="da-DK" sz="1100" dirty="0" smtClean="0">
-                <a:solidFill>
-                  <a:schemeClr val="tx1"/>
-                </a:solidFill>
-              </a:rPr>
-              <a:t>Node2</a:t>
-            </a:r>
-            <a:endParaRPr lang="da-DK" sz="1100" dirty="0">
-              <a:solidFill>
-                <a:schemeClr val="tx1"/>
-              </a:solidFill>
-            </a:endParaRPr>
-          </a:p>
-        </p:txBody>
-      </p:sp>
-      <p:cxnSp>
-        <p:nvCxnSpPr>
-          <p:cNvPr id="78" name="Straight Connector 77"/>
-          <p:cNvCxnSpPr/>
-          <p:nvPr/>
-        </p:nvCxnSpPr>
-        <p:spPr>
-          <a:xfrm>
-            <a:off x="3579883" y="4857033"/>
-            <a:ext cx="347903" cy="0"/>
-          </a:xfrm>
-          <a:prstGeom prst="line">
-            <a:avLst/>
-          </a:prstGeom>
-        </p:spPr>
-        <p:style>
-          <a:lnRef idx="1">
-            <a:schemeClr val="accent1"/>
-          </a:lnRef>
-          <a:fillRef idx="0">
-            <a:schemeClr val="accent1"/>
-          </a:fillRef>
-          <a:effectRef idx="0">
-            <a:schemeClr val="accent1"/>
-          </a:effectRef>
-          <a:fontRef idx="minor">
-            <a:schemeClr val="tx1"/>
-          </a:fontRef>
-        </p:style>
-      </p:cxnSp>
-      <p:cxnSp>
-        <p:nvCxnSpPr>
-          <p:cNvPr id="80" name="Straight Connector 79"/>
-          <p:cNvCxnSpPr/>
-          <p:nvPr/>
-        </p:nvCxnSpPr>
-        <p:spPr>
-          <a:xfrm>
-            <a:off x="3579883" y="4813091"/>
-            <a:ext cx="347903" cy="0"/>
-          </a:xfrm>
-          <a:prstGeom prst="line">
-            <a:avLst/>
-          </a:prstGeom>
-        </p:spPr>
-        <p:style>
-          <a:lnRef idx="1">
-            <a:schemeClr val="accent1"/>
-          </a:lnRef>
-          <a:fillRef idx="0">
-            <a:schemeClr val="accent1"/>
-          </a:fillRef>
-          <a:effectRef idx="0">
-            <a:schemeClr val="accent1"/>
-          </a:effectRef>
-          <a:fontRef idx="minor">
-            <a:schemeClr val="tx1"/>
-          </a:fontRef>
-        </p:style>
-      </p:cxnSp>
-      <p:cxnSp>
-        <p:nvCxnSpPr>
-          <p:cNvPr id="81" name="Straight Connector 80"/>
-          <p:cNvCxnSpPr/>
-          <p:nvPr/>
-        </p:nvCxnSpPr>
-        <p:spPr>
-          <a:xfrm>
-            <a:off x="3579883" y="4762500"/>
-            <a:ext cx="347903" cy="0"/>
-          </a:xfrm>
-          <a:prstGeom prst="line">
-            <a:avLst/>
-          </a:prstGeom>
-        </p:spPr>
-        <p:style>
-          <a:lnRef idx="1">
-            <a:schemeClr val="accent1"/>
-          </a:lnRef>
-          <a:fillRef idx="0">
-            <a:schemeClr val="accent1"/>
-          </a:fillRef>
-          <a:effectRef idx="0">
-            <a:schemeClr val="accent1"/>
-          </a:effectRef>
-          <a:fontRef idx="minor">
-            <a:schemeClr val="tx1"/>
-          </a:fontRef>
-        </p:style>
-      </p:cxnSp>
-      <p:grpSp>
-        <p:nvGrpSpPr>
-          <p:cNvPr id="94" name="Group 93"/>
-          <p:cNvGrpSpPr/>
-          <p:nvPr/>
-        </p:nvGrpSpPr>
-        <p:grpSpPr>
-          <a:xfrm>
-            <a:off x="2976758" y="5085184"/>
-            <a:ext cx="272246" cy="376474"/>
-            <a:chOff x="5600369" y="5871951"/>
-            <a:chExt cx="272246" cy="376474"/>
-          </a:xfrm>
-        </p:grpSpPr>
+          </p:spPr>
+          <p:style>
+            <a:lnRef idx="2">
+              <a:schemeClr val="accent1">
+                <a:shade val="50000"/>
+              </a:schemeClr>
+            </a:lnRef>
+            <a:fillRef idx="1">
+              <a:schemeClr val="accent1"/>
+            </a:fillRef>
+            <a:effectRef idx="0">
+              <a:schemeClr val="accent1"/>
+            </a:effectRef>
+            <a:fontRef idx="minor">
+              <a:schemeClr val="lt1"/>
+            </a:fontRef>
+          </p:style>
+          <p:txBody>
+            <a:bodyPr rtlCol="0" anchor="ctr"/>
+            <a:lstStyle/>
+            <a:p>
+              <a:pPr algn="ctr"/>
+              <a:endParaRPr lang="da-DK"/>
+            </a:p>
+          </p:txBody>
+        </p:sp>
         <p:cxnSp>
           <p:nvCxnSpPr>
-            <p:cNvPr id="83" name="Straight Connector 82"/>
-            <p:cNvCxnSpPr/>
+            <p:cNvPr id="12" name="Straight Connector 11"/>
+            <p:cNvCxnSpPr>
+              <a:stCxn id="8" idx="2"/>
+              <a:endCxn id="7" idx="0"/>
+            </p:cNvCxnSpPr>
             <p:nvPr/>
           </p:nvCxnSpPr>
           <p:spPr>
-            <a:xfrm>
-              <a:off x="5736492" y="5959449"/>
-              <a:ext cx="0" cy="288976"/>
+            <a:xfrm flipH="1">
+              <a:off x="7722350" y="800708"/>
+              <a:ext cx="360040" cy="703091"/>
             </a:xfrm>
             <a:prstGeom prst="line">
               <a:avLst/>
             </a:prstGeom>
-            <a:ln>
+            <a:ln w="57150">
               <a:solidFill>
                 <a:schemeClr val="tx1"/>
               </a:solidFill>
@@ -8454,19 +4630,19 @@
         </p:cxnSp>
         <p:cxnSp>
           <p:nvCxnSpPr>
-            <p:cNvPr id="87" name="Straight Connector 86"/>
+            <p:cNvPr id="13" name="Straight Connector 12"/>
             <p:cNvCxnSpPr/>
             <p:nvPr/>
           </p:nvCxnSpPr>
           <p:spPr>
-            <a:xfrm>
-              <a:off x="5600369" y="5953706"/>
-              <a:ext cx="136123" cy="154657"/>
+            <a:xfrm flipH="1" flipV="1">
+              <a:off x="8100392" y="800708"/>
+              <a:ext cx="396044" cy="703090"/>
             </a:xfrm>
             <a:prstGeom prst="line">
               <a:avLst/>
             </a:prstGeom>
-            <a:ln>
+            <a:ln w="57150">
               <a:solidFill>
                 <a:schemeClr val="tx1"/>
               </a:solidFill>
@@ -8489,19 +4665,19 @@
         </p:cxnSp>
         <p:cxnSp>
           <p:nvCxnSpPr>
-            <p:cNvPr id="89" name="Straight Connector 88"/>
+            <p:cNvPr id="14" name="Straight Connector 13"/>
             <p:cNvCxnSpPr/>
             <p:nvPr/>
           </p:nvCxnSpPr>
           <p:spPr>
-            <a:xfrm flipH="1">
-              <a:off x="5736492" y="5953707"/>
-              <a:ext cx="136123" cy="154657"/>
+            <a:xfrm>
+              <a:off x="7724848" y="3465004"/>
+              <a:ext cx="396044" cy="703090"/>
             </a:xfrm>
             <a:prstGeom prst="line">
               <a:avLst/>
             </a:prstGeom>
-            <a:ln>
+            <a:ln w="57150">
               <a:solidFill>
                 <a:schemeClr val="tx1"/>
               </a:solidFill>
@@ -8524,19 +4700,19 @@
         </p:cxnSp>
         <p:cxnSp>
           <p:nvCxnSpPr>
-            <p:cNvPr id="90" name="Straight Connector 89"/>
+            <p:cNvPr id="15" name="Straight Connector 14"/>
             <p:cNvCxnSpPr/>
             <p:nvPr/>
           </p:nvCxnSpPr>
           <p:spPr>
-            <a:xfrm flipH="1">
-              <a:off x="5736492" y="6021288"/>
-              <a:ext cx="136123" cy="154657"/>
+            <a:xfrm flipV="1">
+              <a:off x="8111872" y="3465004"/>
+              <a:ext cx="396044" cy="703090"/>
             </a:xfrm>
             <a:prstGeom prst="line">
               <a:avLst/>
             </a:prstGeom>
-            <a:ln>
+            <a:ln w="57150">
               <a:solidFill>
                 <a:schemeClr val="tx1"/>
               </a:solidFill>
@@ -8557,21 +4733,69 @@
             </a:fontRef>
           </p:style>
         </p:cxnSp>
+        <p:sp>
+          <p:nvSpPr>
+            <p:cNvPr id="16" name="Rounded Rectangle 15"/>
+            <p:cNvSpPr/>
+            <p:nvPr/>
+          </p:nvSpPr>
+          <p:spPr>
+            <a:xfrm>
+              <a:off x="251520" y="152636"/>
+              <a:ext cx="1728192" cy="684076"/>
+            </a:xfrm>
+            <a:prstGeom prst="roundRect">
+              <a:avLst/>
+            </a:prstGeom>
+            <a:solidFill>
+              <a:schemeClr val="tx1">
+                <a:lumMod val="75000"/>
+                <a:lumOff val="25000"/>
+              </a:schemeClr>
+            </a:solidFill>
+          </p:spPr>
+          <p:style>
+            <a:lnRef idx="2">
+              <a:schemeClr val="accent1">
+                <a:shade val="50000"/>
+              </a:schemeClr>
+            </a:lnRef>
+            <a:fillRef idx="1">
+              <a:schemeClr val="accent1"/>
+            </a:fillRef>
+            <a:effectRef idx="0">
+              <a:schemeClr val="accent1"/>
+            </a:effectRef>
+            <a:fontRef idx="minor">
+              <a:schemeClr val="lt1"/>
+            </a:fontRef>
+          </p:style>
+          <p:txBody>
+            <a:bodyPr rtlCol="0" anchor="ctr"/>
+            <a:lstStyle/>
+            <a:p>
+              <a:pPr algn="ctr"/>
+              <a:endParaRPr lang="da-DK"/>
+            </a:p>
+          </p:txBody>
+        </p:sp>
         <p:cxnSp>
           <p:nvCxnSpPr>
-            <p:cNvPr id="91" name="Straight Connector 90"/>
-            <p:cNvCxnSpPr/>
+            <p:cNvPr id="17" name="Straight Connector 16"/>
+            <p:cNvCxnSpPr>
+              <a:stCxn id="16" idx="2"/>
+            </p:cNvCxnSpPr>
             <p:nvPr/>
           </p:nvCxnSpPr>
           <p:spPr>
             <a:xfrm>
-              <a:off x="5603448" y="6026608"/>
-              <a:ext cx="136123" cy="154657"/>
+              <a:off x="1115616" y="836712"/>
+              <a:ext cx="1" cy="611184"/>
             </a:xfrm>
             <a:prstGeom prst="line">
               <a:avLst/>
             </a:prstGeom>
-            <a:ln>
+            <a:ln w="127000">
               <a:solidFill>
                 <a:schemeClr val="tx1"/>
               </a:solidFill>
@@ -8592,21 +4816,67 @@
             </a:fontRef>
           </p:style>
         </p:cxnSp>
+        <p:sp>
+          <p:nvSpPr>
+            <p:cNvPr id="20" name="Rounded Rectangle 19"/>
+            <p:cNvSpPr/>
+            <p:nvPr/>
+          </p:nvSpPr>
+          <p:spPr>
+            <a:xfrm>
+              <a:off x="243189" y="4149080"/>
+              <a:ext cx="1728192" cy="684076"/>
+            </a:xfrm>
+            <a:prstGeom prst="roundRect">
+              <a:avLst/>
+            </a:prstGeom>
+            <a:solidFill>
+              <a:schemeClr val="tx1">
+                <a:lumMod val="75000"/>
+                <a:lumOff val="25000"/>
+              </a:schemeClr>
+            </a:solidFill>
+          </p:spPr>
+          <p:style>
+            <a:lnRef idx="2">
+              <a:schemeClr val="accent1">
+                <a:shade val="50000"/>
+              </a:schemeClr>
+            </a:lnRef>
+            <a:fillRef idx="1">
+              <a:schemeClr val="accent1"/>
+            </a:fillRef>
+            <a:effectRef idx="0">
+              <a:schemeClr val="accent1"/>
+            </a:effectRef>
+            <a:fontRef idx="minor">
+              <a:schemeClr val="lt1"/>
+            </a:fontRef>
+          </p:style>
+          <p:txBody>
+            <a:bodyPr rtlCol="0" anchor="ctr"/>
+            <a:lstStyle/>
+            <a:p>
+              <a:pPr algn="ctr"/>
+              <a:endParaRPr lang="da-DK"/>
+            </a:p>
+          </p:txBody>
+        </p:sp>
         <p:cxnSp>
           <p:nvCxnSpPr>
-            <p:cNvPr id="92" name="Straight Connector 91"/>
+            <p:cNvPr id="21" name="Straight Connector 20"/>
             <p:cNvCxnSpPr/>
             <p:nvPr/>
           </p:nvCxnSpPr>
           <p:spPr>
-            <a:xfrm flipH="1">
-              <a:off x="5736492" y="5871951"/>
-              <a:ext cx="136123" cy="154657"/>
+            <a:xfrm>
+              <a:off x="1120164" y="3537012"/>
+              <a:ext cx="0" cy="612068"/>
             </a:xfrm>
             <a:prstGeom prst="line">
               <a:avLst/>
             </a:prstGeom>
-            <a:ln>
+            <a:ln w="127000">
               <a:solidFill>
                 <a:schemeClr val="tx1"/>
               </a:solidFill>
@@ -8627,21 +4897,124 @@
             </a:fontRef>
           </p:style>
         </p:cxnSp>
+        <p:sp>
+          <p:nvSpPr>
+            <p:cNvPr id="25" name="Isosceles Triangle 24"/>
+            <p:cNvSpPr/>
+            <p:nvPr/>
+          </p:nvSpPr>
+          <p:spPr>
+            <a:xfrm flipV="1">
+              <a:off x="1907704" y="3537012"/>
+              <a:ext cx="4752528" cy="1080120"/>
+            </a:xfrm>
+            <a:prstGeom prst="triangle">
+              <a:avLst>
+                <a:gd name="adj" fmla="val 26153"/>
+              </a:avLst>
+            </a:prstGeom>
+            <a:solidFill>
+              <a:schemeClr val="bg2">
+                <a:lumMod val="90000"/>
+              </a:schemeClr>
+            </a:solidFill>
+            <a:ln>
+              <a:solidFill>
+                <a:schemeClr val="bg1">
+                  <a:lumMod val="75000"/>
+                </a:schemeClr>
+              </a:solidFill>
+            </a:ln>
+          </p:spPr>
+          <p:style>
+            <a:lnRef idx="2">
+              <a:schemeClr val="accent1">
+                <a:shade val="50000"/>
+              </a:schemeClr>
+            </a:lnRef>
+            <a:fillRef idx="1">
+              <a:schemeClr val="accent1"/>
+            </a:fillRef>
+            <a:effectRef idx="0">
+              <a:schemeClr val="accent1"/>
+            </a:effectRef>
+            <a:fontRef idx="minor">
+              <a:schemeClr val="lt1"/>
+            </a:fontRef>
+          </p:style>
+          <p:txBody>
+            <a:bodyPr rtlCol="0" anchor="ctr"/>
+            <a:lstStyle/>
+            <a:p>
+              <a:pPr algn="ctr"/>
+              <a:endParaRPr lang="da-DK"/>
+            </a:p>
+          </p:txBody>
+        </p:sp>
+        <p:sp>
+          <p:nvSpPr>
+            <p:cNvPr id="26" name="Rounded Rectangle 25"/>
+            <p:cNvSpPr/>
+            <p:nvPr/>
+          </p:nvSpPr>
+          <p:spPr>
+            <a:xfrm>
+              <a:off x="2339752" y="1952836"/>
+              <a:ext cx="4176464" cy="1080120"/>
+            </a:xfrm>
+            <a:prstGeom prst="roundRect">
+              <a:avLst/>
+            </a:prstGeom>
+            <a:solidFill>
+              <a:schemeClr val="tx1">
+                <a:lumMod val="85000"/>
+                <a:lumOff val="15000"/>
+              </a:schemeClr>
+            </a:solidFill>
+            <a:ln>
+              <a:noFill/>
+            </a:ln>
+          </p:spPr>
+          <p:style>
+            <a:lnRef idx="2">
+              <a:schemeClr val="accent1">
+                <a:shade val="50000"/>
+              </a:schemeClr>
+            </a:lnRef>
+            <a:fillRef idx="1">
+              <a:schemeClr val="accent1"/>
+            </a:fillRef>
+            <a:effectRef idx="0">
+              <a:schemeClr val="accent1"/>
+            </a:effectRef>
+            <a:fontRef idx="minor">
+              <a:schemeClr val="lt1"/>
+            </a:fontRef>
+          </p:style>
+          <p:txBody>
+            <a:bodyPr rtlCol="0" anchor="ctr"/>
+            <a:lstStyle/>
+            <a:p>
+              <a:pPr algn="ctr"/>
+              <a:endParaRPr lang="da-DK"/>
+            </a:p>
+          </p:txBody>
+        </p:sp>
         <p:cxnSp>
           <p:nvCxnSpPr>
-            <p:cNvPr id="93" name="Straight Connector 92"/>
+            <p:cNvPr id="28" name="Straight Connector 27"/>
             <p:cNvCxnSpPr/>
             <p:nvPr/>
           </p:nvCxnSpPr>
           <p:spPr>
             <a:xfrm>
-              <a:off x="5600369" y="5876377"/>
-              <a:ext cx="136123" cy="154657"/>
+              <a:off x="2339752" y="1448780"/>
+              <a:ext cx="0" cy="2088232"/>
             </a:xfrm>
             <a:prstGeom prst="line">
               <a:avLst/>
             </a:prstGeom>
-            <a:ln>
+            <a:ln w="38100">
               <a:solidFill>
                 <a:schemeClr val="tx1"/>
               </a:solidFill>
@@ -8662,118 +5035,606 @@
             </a:fontRef>
           </p:style>
         </p:cxnSp>
+        <p:sp>
+          <p:nvSpPr>
+            <p:cNvPr id="30" name="Flowchart: Delay 29"/>
+            <p:cNvSpPr/>
+            <p:nvPr/>
+          </p:nvSpPr>
+          <p:spPr>
+            <a:xfrm>
+              <a:off x="2339752" y="1736812"/>
+              <a:ext cx="3384376" cy="1512168"/>
+            </a:xfrm>
+            <a:prstGeom prst="flowChartDelay">
+              <a:avLst/>
+            </a:prstGeom>
+            <a:solidFill>
+              <a:schemeClr val="tx1">
+                <a:lumMod val="85000"/>
+                <a:lumOff val="15000"/>
+              </a:schemeClr>
+            </a:solidFill>
+            <a:ln>
+              <a:noFill/>
+            </a:ln>
+          </p:spPr>
+          <p:style>
+            <a:lnRef idx="2">
+              <a:schemeClr val="accent1">
+                <a:shade val="50000"/>
+              </a:schemeClr>
+            </a:lnRef>
+            <a:fillRef idx="1">
+              <a:schemeClr val="accent1"/>
+            </a:fillRef>
+            <a:effectRef idx="0">
+              <a:schemeClr val="accent1"/>
+            </a:effectRef>
+            <a:fontRef idx="minor">
+              <a:schemeClr val="lt1"/>
+            </a:fontRef>
+          </p:style>
+          <p:txBody>
+            <a:bodyPr rtlCol="0" anchor="ctr"/>
+            <a:lstStyle/>
+            <a:p>
+              <a:pPr algn="ctr"/>
+              <a:endParaRPr lang="da-DK"/>
+            </a:p>
+          </p:txBody>
+        </p:sp>
       </p:grpSp>
       <p:sp>
         <p:nvSpPr>
-          <p:cNvPr id="95" name="Freeform 94"/>
-          <p:cNvSpPr/>
-          <p:nvPr/>
-        </p:nvSpPr>
-        <p:spPr>
-          <a:xfrm>
-            <a:off x="3111500" y="4991100"/>
-            <a:ext cx="819150" cy="500063"/>
-          </a:xfrm>
-          <a:custGeom>
+          <p:cNvPr id="36" name="TextBox 35"/>
+          <p:cNvSpPr txBox="1"/>
+          <p:nvPr/>
+        </p:nvSpPr>
+        <p:spPr>
+          <a:xfrm>
+            <a:off x="8352088" y="2250020"/>
+            <a:ext cx="636344" cy="430887"/>
+          </a:xfrm>
+          <a:prstGeom prst="rect">
             <a:avLst/>
-            <a:gdLst>
-              <a:gd name="connsiteX0" fmla="*/ 0 w 819150"/>
-              <a:gd name="connsiteY0" fmla="*/ 476250 h 510391"/>
-              <a:gd name="connsiteX1" fmla="*/ 63500 w 819150"/>
-              <a:gd name="connsiteY1" fmla="*/ 508000 h 510391"/>
-              <a:gd name="connsiteX2" fmla="*/ 196850 w 819150"/>
-              <a:gd name="connsiteY2" fmla="*/ 419100 h 510391"/>
-              <a:gd name="connsiteX3" fmla="*/ 565150 w 819150"/>
-              <a:gd name="connsiteY3" fmla="*/ 133350 h 510391"/>
-              <a:gd name="connsiteX4" fmla="*/ 819150 w 819150"/>
-              <a:gd name="connsiteY4" fmla="*/ 0 h 510391"/>
-            </a:gdLst>
-            <a:ahLst/>
-            <a:cxnLst>
-              <a:cxn ang="0">
-                <a:pos x="connsiteX0" y="connsiteY0"/>
-              </a:cxn>
-              <a:cxn ang="0">
-                <a:pos x="connsiteX1" y="connsiteY1"/>
-              </a:cxn>
-              <a:cxn ang="0">
-                <a:pos x="connsiteX2" y="connsiteY2"/>
-              </a:cxn>
-              <a:cxn ang="0">
-                <a:pos x="connsiteX3" y="connsiteY3"/>
-              </a:cxn>
-              <a:cxn ang="0">
-                <a:pos x="connsiteX4" y="connsiteY4"/>
-              </a:cxn>
-            </a:cxnLst>
-            <a:rect l="l" t="t" r="r" b="b"/>
-            <a:pathLst>
-              <a:path w="819150" h="510391">
-                <a:moveTo>
-                  <a:pt x="0" y="476250"/>
-                </a:moveTo>
-                <a:cubicBezTo>
-                  <a:pt x="15346" y="496887"/>
-                  <a:pt x="30692" y="517525"/>
-                  <a:pt x="63500" y="508000"/>
-                </a:cubicBezTo>
-                <a:cubicBezTo>
-                  <a:pt x="96308" y="498475"/>
-                  <a:pt x="113242" y="481542"/>
-                  <a:pt x="196850" y="419100"/>
-                </a:cubicBezTo>
-                <a:cubicBezTo>
-                  <a:pt x="280458" y="356658"/>
-                  <a:pt x="461433" y="203200"/>
-                  <a:pt x="565150" y="133350"/>
-                </a:cubicBezTo>
-                <a:cubicBezTo>
-                  <a:pt x="668867" y="63500"/>
-                  <a:pt x="744008" y="31750"/>
-                  <a:pt x="819150" y="0"/>
-                </a:cubicBezTo>
-              </a:path>
-            </a:pathLst>
-          </a:custGeom>
-          <a:ln>
-            <a:solidFill>
-              <a:schemeClr val="tx1"/>
-            </a:solidFill>
-          </a:ln>
+          </a:prstGeom>
         </p:spPr>
         <p:style>
-          <a:lnRef idx="1">
-            <a:schemeClr val="accent1"/>
+          <a:lnRef idx="0">
+            <a:schemeClr val="accent5"/>
           </a:lnRef>
-          <a:fillRef idx="0">
-            <a:schemeClr val="accent1"/>
+          <a:fillRef idx="3">
+            <a:schemeClr val="accent5"/>
           </a:fillRef>
-          <a:effectRef idx="0">
-            <a:schemeClr val="accent1"/>
+          <a:effectRef idx="3">
+            <a:schemeClr val="accent5"/>
           </a:effectRef>
           <a:fontRef idx="minor">
-            <a:schemeClr val="tx1"/>
+            <a:schemeClr val="lt1"/>
           </a:fontRef>
         </p:style>
         <p:txBody>
-          <a:bodyPr rtlCol="0" anchor="ctr"/>
-          <a:lstStyle/>
-          <a:p>
-            <a:pPr algn="ctr"/>
-            <a:endParaRPr lang="da-DK"/>
-          </a:p>
-        </p:txBody>
-      </p:sp>
-      <p:sp>
-        <p:nvSpPr>
-          <p:cNvPr id="38" name="Rectangle 37"/>
+          <a:bodyPr wrap="square" rtlCol="0">
+            <a:spAutoFit/>
+          </a:bodyPr>
+          <a:lstStyle/>
+          <a:p>
+            <a:r>
+              <a:rPr lang="da-DK" sz="1100" dirty="0" smtClean="0">
+                <a:solidFill>
+                  <a:schemeClr val="tx1"/>
+                </a:solidFill>
+              </a:rPr>
+              <a:t>Pedal pos x3</a:t>
+            </a:r>
+            <a:endParaRPr lang="da-DK" sz="1100" dirty="0">
+              <a:solidFill>
+                <a:schemeClr val="tx1"/>
+              </a:solidFill>
+            </a:endParaRPr>
+          </a:p>
+        </p:txBody>
+      </p:sp>
+      <p:sp>
+        <p:nvSpPr>
+          <p:cNvPr id="37" name="TextBox 36"/>
+          <p:cNvSpPr txBox="1"/>
+          <p:nvPr/>
+        </p:nvSpPr>
+        <p:spPr>
+          <a:xfrm>
+            <a:off x="5879440" y="1952836"/>
+            <a:ext cx="891591" cy="261610"/>
+          </a:xfrm>
+          <a:prstGeom prst="rect">
+            <a:avLst/>
+          </a:prstGeom>
+        </p:spPr>
+        <p:style>
+          <a:lnRef idx="0">
+            <a:schemeClr val="accent5"/>
+          </a:lnRef>
+          <a:fillRef idx="3">
+            <a:schemeClr val="accent5"/>
+          </a:fillRef>
+          <a:effectRef idx="3">
+            <a:schemeClr val="accent5"/>
+          </a:effectRef>
+          <a:fontRef idx="minor">
+            <a:schemeClr val="lt1"/>
+          </a:fontRef>
+        </p:style>
+        <p:txBody>
+          <a:bodyPr wrap="none" rtlCol="0">
+            <a:spAutoFit/>
+          </a:bodyPr>
+          <a:lstStyle/>
+          <a:p>
+            <a:r>
+              <a:rPr lang="da-DK" sz="1100" dirty="0" err="1" smtClean="0">
+                <a:solidFill>
+                  <a:schemeClr val="tx1"/>
+                </a:solidFill>
+              </a:rPr>
+              <a:t>Steering</a:t>
+            </a:r>
+            <a:r>
+              <a:rPr lang="da-DK" sz="1100" dirty="0" smtClean="0">
+                <a:solidFill>
+                  <a:schemeClr val="tx1"/>
+                </a:solidFill>
+              </a:rPr>
+              <a:t> pos</a:t>
+            </a:r>
+            <a:endParaRPr lang="da-DK" sz="1100" dirty="0">
+              <a:solidFill>
+                <a:schemeClr val="tx1"/>
+              </a:solidFill>
+            </a:endParaRPr>
+          </a:p>
+        </p:txBody>
+      </p:sp>
+      <p:sp>
+        <p:nvSpPr>
+          <p:cNvPr id="49" name="TextBox 48"/>
+          <p:cNvSpPr txBox="1"/>
+          <p:nvPr/>
+        </p:nvSpPr>
+        <p:spPr>
+          <a:xfrm>
+            <a:off x="1140472" y="2832367"/>
+            <a:ext cx="410690" cy="261610"/>
+          </a:xfrm>
+          <a:prstGeom prst="rect">
+            <a:avLst/>
+          </a:prstGeom>
+        </p:spPr>
+        <p:style>
+          <a:lnRef idx="0">
+            <a:schemeClr val="accent5"/>
+          </a:lnRef>
+          <a:fillRef idx="3">
+            <a:schemeClr val="accent5"/>
+          </a:fillRef>
+          <a:effectRef idx="3">
+            <a:schemeClr val="accent5"/>
+          </a:effectRef>
+          <a:fontRef idx="minor">
+            <a:schemeClr val="lt1"/>
+          </a:fontRef>
+        </p:style>
+        <p:txBody>
+          <a:bodyPr wrap="none" rtlCol="0">
+            <a:spAutoFit/>
+          </a:bodyPr>
+          <a:lstStyle/>
+          <a:p>
+            <a:r>
+              <a:rPr lang="da-DK" sz="1100" dirty="0" smtClean="0">
+                <a:solidFill>
+                  <a:schemeClr val="tx1"/>
+                </a:solidFill>
+              </a:rPr>
+              <a:t>GPS</a:t>
+            </a:r>
+            <a:endParaRPr lang="da-DK" sz="1100" dirty="0">
+              <a:solidFill>
+                <a:schemeClr val="tx1"/>
+              </a:solidFill>
+            </a:endParaRPr>
+          </a:p>
+        </p:txBody>
+      </p:sp>
+      <p:sp>
+        <p:nvSpPr>
+          <p:cNvPr id="48" name="TextBox 47"/>
+          <p:cNvSpPr txBox="1"/>
+          <p:nvPr/>
+        </p:nvSpPr>
+        <p:spPr>
+          <a:xfrm>
+            <a:off x="1568113" y="1487990"/>
+            <a:ext cx="694421" cy="261610"/>
+          </a:xfrm>
+          <a:prstGeom prst="rect">
+            <a:avLst/>
+          </a:prstGeom>
+        </p:spPr>
+        <p:style>
+          <a:lnRef idx="0">
+            <a:schemeClr val="accent5"/>
+          </a:lnRef>
+          <a:fillRef idx="3">
+            <a:schemeClr val="accent5"/>
+          </a:fillRef>
+          <a:effectRef idx="3">
+            <a:schemeClr val="accent5"/>
+          </a:effectRef>
+          <a:fontRef idx="minor">
+            <a:schemeClr val="lt1"/>
+          </a:fontRef>
+        </p:style>
+        <p:txBody>
+          <a:bodyPr wrap="none" rtlCol="0">
+            <a:spAutoFit/>
+          </a:bodyPr>
+          <a:lstStyle/>
+          <a:p>
+            <a:r>
+              <a:rPr lang="da-DK" sz="1100" dirty="0" smtClean="0">
+                <a:solidFill>
+                  <a:schemeClr val="tx1"/>
+                </a:solidFill>
+              </a:rPr>
+              <a:t>Gear Pos</a:t>
+            </a:r>
+            <a:endParaRPr lang="da-DK" sz="1100" dirty="0">
+              <a:solidFill>
+                <a:schemeClr val="tx1"/>
+              </a:solidFill>
+            </a:endParaRPr>
+          </a:p>
+        </p:txBody>
+      </p:sp>
+      <p:sp>
+        <p:nvSpPr>
+          <p:cNvPr id="34" name="TextBox 33"/>
+          <p:cNvSpPr txBox="1"/>
+          <p:nvPr/>
+        </p:nvSpPr>
+        <p:spPr>
+          <a:xfrm>
+            <a:off x="636643" y="368660"/>
+            <a:ext cx="941283" cy="261610"/>
+          </a:xfrm>
+          <a:prstGeom prst="rect">
+            <a:avLst/>
+          </a:prstGeom>
+        </p:spPr>
+        <p:style>
+          <a:lnRef idx="0">
+            <a:schemeClr val="accent5"/>
+          </a:lnRef>
+          <a:fillRef idx="3">
+            <a:schemeClr val="accent5"/>
+          </a:fillRef>
+          <a:effectRef idx="3">
+            <a:schemeClr val="accent5"/>
+          </a:effectRef>
+          <a:fontRef idx="minor">
+            <a:schemeClr val="lt1"/>
+          </a:fontRef>
+        </p:style>
+        <p:txBody>
+          <a:bodyPr wrap="none" rtlCol="0">
+            <a:spAutoFit/>
+          </a:bodyPr>
+          <a:lstStyle/>
+          <a:p>
+            <a:r>
+              <a:rPr lang="da-DK" sz="1100" dirty="0" smtClean="0">
+                <a:solidFill>
+                  <a:schemeClr val="tx1"/>
+                </a:solidFill>
+              </a:rPr>
+              <a:t>Wheel Speed</a:t>
+            </a:r>
+            <a:endParaRPr lang="da-DK" sz="1100" dirty="0">
+              <a:solidFill>
+                <a:schemeClr val="tx1"/>
+              </a:solidFill>
+            </a:endParaRPr>
+          </a:p>
+        </p:txBody>
+      </p:sp>
+      <p:sp>
+        <p:nvSpPr>
+          <p:cNvPr id="33" name="TextBox 32"/>
+          <p:cNvSpPr txBox="1"/>
+          <p:nvPr/>
+        </p:nvSpPr>
+        <p:spPr>
+          <a:xfrm>
+            <a:off x="669831" y="4344168"/>
+            <a:ext cx="941283" cy="261610"/>
+          </a:xfrm>
+          <a:prstGeom prst="rect">
+            <a:avLst/>
+          </a:prstGeom>
+        </p:spPr>
+        <p:style>
+          <a:lnRef idx="0">
+            <a:schemeClr val="accent5"/>
+          </a:lnRef>
+          <a:fillRef idx="3">
+            <a:schemeClr val="accent5"/>
+          </a:fillRef>
+          <a:effectRef idx="3">
+            <a:schemeClr val="accent5"/>
+          </a:effectRef>
+          <a:fontRef idx="minor">
+            <a:schemeClr val="lt1"/>
+          </a:fontRef>
+        </p:style>
+        <p:txBody>
+          <a:bodyPr wrap="none" rtlCol="0">
+            <a:spAutoFit/>
+          </a:bodyPr>
+          <a:lstStyle/>
+          <a:p>
+            <a:r>
+              <a:rPr lang="da-DK" sz="1100" dirty="0" smtClean="0">
+                <a:solidFill>
+                  <a:schemeClr val="tx1"/>
+                </a:solidFill>
+              </a:rPr>
+              <a:t>Wheel Speed</a:t>
+            </a:r>
+            <a:endParaRPr lang="da-DK" sz="1100" dirty="0">
+              <a:solidFill>
+                <a:schemeClr val="tx1"/>
+              </a:solidFill>
+            </a:endParaRPr>
+          </a:p>
+        </p:txBody>
+      </p:sp>
+      <p:sp>
+        <p:nvSpPr>
+          <p:cNvPr id="47" name="TextBox 46"/>
+          <p:cNvSpPr txBox="1"/>
+          <p:nvPr/>
+        </p:nvSpPr>
+        <p:spPr>
+          <a:xfrm>
+            <a:off x="1152502" y="3203394"/>
+            <a:ext cx="675185" cy="261610"/>
+          </a:xfrm>
+          <a:prstGeom prst="rect">
+            <a:avLst/>
+          </a:prstGeom>
+        </p:spPr>
+        <p:style>
+          <a:lnRef idx="0">
+            <a:schemeClr val="accent5"/>
+          </a:lnRef>
+          <a:fillRef idx="3">
+            <a:schemeClr val="accent5"/>
+          </a:fillRef>
+          <a:effectRef idx="3">
+            <a:schemeClr val="accent5"/>
+          </a:effectRef>
+          <a:fontRef idx="minor">
+            <a:schemeClr val="lt1"/>
+          </a:fontRef>
+        </p:style>
+        <p:txBody>
+          <a:bodyPr wrap="none" rtlCol="0">
+            <a:spAutoFit/>
+          </a:bodyPr>
+          <a:lstStyle/>
+          <a:p>
+            <a:r>
+              <a:rPr lang="da-DK" sz="1100" dirty="0" smtClean="0">
+                <a:solidFill>
+                  <a:schemeClr val="tx1"/>
+                </a:solidFill>
+              </a:rPr>
+              <a:t>Oil Press</a:t>
+            </a:r>
+            <a:endParaRPr lang="da-DK" sz="1100" dirty="0">
+              <a:solidFill>
+                <a:schemeClr val="tx1"/>
+              </a:solidFill>
+            </a:endParaRPr>
+          </a:p>
+        </p:txBody>
+      </p:sp>
+      <p:sp>
+        <p:nvSpPr>
+          <p:cNvPr id="46" name="TextBox 45"/>
+          <p:cNvSpPr txBox="1"/>
+          <p:nvPr/>
+        </p:nvSpPr>
+        <p:spPr>
+          <a:xfrm>
+            <a:off x="2524356" y="1092514"/>
+            <a:ext cx="1055097" cy="261610"/>
+          </a:xfrm>
+          <a:prstGeom prst="rect">
+            <a:avLst/>
+          </a:prstGeom>
+        </p:spPr>
+        <p:style>
+          <a:lnRef idx="0">
+            <a:schemeClr val="accent5"/>
+          </a:lnRef>
+          <a:fillRef idx="3">
+            <a:schemeClr val="accent5"/>
+          </a:fillRef>
+          <a:effectRef idx="3">
+            <a:schemeClr val="accent5"/>
+          </a:effectRef>
+          <a:fontRef idx="minor">
+            <a:schemeClr val="lt1"/>
+          </a:fontRef>
+        </p:style>
+        <p:txBody>
+          <a:bodyPr wrap="none" rtlCol="0">
+            <a:spAutoFit/>
+          </a:bodyPr>
+          <a:lstStyle/>
+          <a:p>
+            <a:r>
+              <a:rPr lang="da-DK" sz="1100" dirty="0" smtClean="0">
+                <a:solidFill>
+                  <a:schemeClr val="tx1"/>
+                </a:solidFill>
+              </a:rPr>
+              <a:t>Water-</a:t>
+            </a:r>
+            <a:r>
+              <a:rPr lang="da-DK" sz="1100" dirty="0" err="1" smtClean="0">
+                <a:solidFill>
+                  <a:schemeClr val="tx1"/>
+                </a:solidFill>
+              </a:rPr>
+              <a:t>temp</a:t>
+            </a:r>
+            <a:r>
+              <a:rPr lang="da-DK" sz="1100" dirty="0" smtClean="0">
+                <a:solidFill>
+                  <a:schemeClr val="tx1"/>
+                </a:solidFill>
+              </a:rPr>
+              <a:t> x2</a:t>
+            </a:r>
+          </a:p>
+        </p:txBody>
+      </p:sp>
+      <p:sp>
+        <p:nvSpPr>
+          <p:cNvPr id="44" name="TextBox 43"/>
+          <p:cNvSpPr txBox="1"/>
+          <p:nvPr/>
+        </p:nvSpPr>
+        <p:spPr>
+          <a:xfrm>
+            <a:off x="2465691" y="1862826"/>
+            <a:ext cx="930063" cy="261610"/>
+          </a:xfrm>
+          <a:prstGeom prst="rect">
+            <a:avLst/>
+          </a:prstGeom>
+        </p:spPr>
+        <p:style>
+          <a:lnRef idx="0">
+            <a:schemeClr val="accent5"/>
+          </a:lnRef>
+          <a:fillRef idx="3">
+            <a:schemeClr val="accent5"/>
+          </a:fillRef>
+          <a:effectRef idx="3">
+            <a:schemeClr val="accent5"/>
+          </a:effectRef>
+          <a:fontRef idx="minor">
+            <a:schemeClr val="lt1"/>
+          </a:fontRef>
+        </p:style>
+        <p:txBody>
+          <a:bodyPr wrap="none" rtlCol="0">
+            <a:spAutoFit/>
+          </a:bodyPr>
+          <a:lstStyle/>
+          <a:p>
+            <a:r>
+              <a:rPr lang="da-DK" sz="1100" dirty="0" smtClean="0">
+                <a:solidFill>
+                  <a:schemeClr val="tx1"/>
+                </a:solidFill>
+              </a:rPr>
+              <a:t>Low-</a:t>
+            </a:r>
+            <a:r>
+              <a:rPr lang="da-DK" sz="1100" dirty="0" err="1" smtClean="0">
+                <a:solidFill>
+                  <a:schemeClr val="tx1"/>
+                </a:solidFill>
+              </a:rPr>
+              <a:t>press</a:t>
+            </a:r>
+            <a:r>
+              <a:rPr lang="da-DK" sz="1100" dirty="0" smtClean="0">
+                <a:solidFill>
+                  <a:schemeClr val="tx1"/>
+                </a:solidFill>
+              </a:rPr>
+              <a:t> x2</a:t>
+            </a:r>
+          </a:p>
+        </p:txBody>
+      </p:sp>
+      <p:sp>
+        <p:nvSpPr>
+          <p:cNvPr id="35" name="TextBox 34"/>
+          <p:cNvSpPr txBox="1"/>
+          <p:nvPr/>
+        </p:nvSpPr>
+        <p:spPr>
+          <a:xfrm>
+            <a:off x="5039145" y="2357166"/>
+            <a:ext cx="840295" cy="261610"/>
+          </a:xfrm>
+          <a:prstGeom prst="rect">
+            <a:avLst/>
+          </a:prstGeom>
+        </p:spPr>
+        <p:style>
+          <a:lnRef idx="0">
+            <a:schemeClr val="accent5"/>
+          </a:lnRef>
+          <a:fillRef idx="3">
+            <a:schemeClr val="accent5"/>
+          </a:fillRef>
+          <a:effectRef idx="3">
+            <a:schemeClr val="accent5"/>
+          </a:effectRef>
+          <a:fontRef idx="minor">
+            <a:schemeClr val="lt1"/>
+          </a:fontRef>
+        </p:style>
+        <p:txBody>
+          <a:bodyPr wrap="none" rtlCol="0">
+            <a:spAutoFit/>
+          </a:bodyPr>
+          <a:lstStyle/>
+          <a:p>
+            <a:r>
+              <a:rPr lang="da-DK" sz="1100" dirty="0" smtClean="0">
+                <a:solidFill>
+                  <a:schemeClr val="tx1"/>
+                </a:solidFill>
+              </a:rPr>
+              <a:t>Yaw Sensor</a:t>
+            </a:r>
+            <a:endParaRPr lang="da-DK" sz="1100" dirty="0">
+              <a:solidFill>
+                <a:schemeClr val="tx1"/>
+              </a:solidFill>
+            </a:endParaRPr>
+          </a:p>
+        </p:txBody>
+      </p:sp>
+      <p:sp>
+        <p:nvSpPr>
+          <p:cNvPr id="41" name="Rectangle 40"/>
           <p:cNvSpPr/>
           <p:nvPr/>
         </p:nvSpPr>
         <p:spPr>
           <a:xfrm>
-            <a:off x="3925562" y="4608422"/>
-            <a:ext cx="790453" cy="396044"/>
+            <a:off x="7092280" y="2267728"/>
+            <a:ext cx="576064" cy="396044"/>
           </a:xfrm>
           <a:prstGeom prst="rect">
             <a:avLst/>
@@ -8807,34 +5668,215 @@
                   <a:schemeClr val="tx1"/>
                 </a:solidFill>
               </a:rPr>
-              <a:t>Node1 </a:t>
-            </a:r>
-          </a:p>
-          <a:p>
-            <a:pPr algn="ctr"/>
+              <a:t>Sensor</a:t>
+            </a:r>
+            <a:endParaRPr lang="da-DK" sz="1100" dirty="0">
+              <a:solidFill>
+                <a:schemeClr val="tx1"/>
+              </a:solidFill>
+            </a:endParaRPr>
+          </a:p>
+        </p:txBody>
+      </p:sp>
+      <p:sp>
+        <p:nvSpPr>
+          <p:cNvPr id="32" name="TextBox 31"/>
+          <p:cNvSpPr txBox="1"/>
+          <p:nvPr/>
+        </p:nvSpPr>
+        <p:spPr>
+          <a:xfrm>
+            <a:off x="7663165" y="4391526"/>
+            <a:ext cx="941283" cy="261610"/>
+          </a:xfrm>
+          <a:prstGeom prst="rect">
+            <a:avLst/>
+          </a:prstGeom>
+        </p:spPr>
+        <p:style>
+          <a:lnRef idx="0">
+            <a:schemeClr val="accent5"/>
+          </a:lnRef>
+          <a:fillRef idx="3">
+            <a:schemeClr val="accent5"/>
+          </a:fillRef>
+          <a:effectRef idx="3">
+            <a:schemeClr val="accent5"/>
+          </a:effectRef>
+          <a:fontRef idx="minor">
+            <a:schemeClr val="lt1"/>
+          </a:fontRef>
+        </p:style>
+        <p:txBody>
+          <a:bodyPr wrap="none" rtlCol="0">
+            <a:spAutoFit/>
+          </a:bodyPr>
+          <a:lstStyle/>
+          <a:p>
             <a:r>
               <a:rPr lang="da-DK" sz="1100" dirty="0" smtClean="0">
                 <a:solidFill>
                   <a:schemeClr val="tx1"/>
                 </a:solidFill>
               </a:rPr>
-              <a:t>(SD, </a:t>
-            </a:r>
+              <a:t>Wheel Speed</a:t>
+            </a:r>
+            <a:endParaRPr lang="da-DK" sz="1100" dirty="0">
+              <a:solidFill>
+                <a:schemeClr val="tx1"/>
+              </a:solidFill>
+            </a:endParaRPr>
+          </a:p>
+        </p:txBody>
+      </p:sp>
+      <p:sp>
+        <p:nvSpPr>
+          <p:cNvPr id="29" name="TextBox 28"/>
+          <p:cNvSpPr txBox="1"/>
+          <p:nvPr/>
+        </p:nvSpPr>
+        <p:spPr>
+          <a:xfrm>
+            <a:off x="7629750" y="327865"/>
+            <a:ext cx="941283" cy="261610"/>
+          </a:xfrm>
+          <a:prstGeom prst="rect">
+            <a:avLst/>
+          </a:prstGeom>
+        </p:spPr>
+        <p:style>
+          <a:lnRef idx="0">
+            <a:schemeClr val="accent5"/>
+          </a:lnRef>
+          <a:fillRef idx="3">
+            <a:schemeClr val="accent5"/>
+          </a:fillRef>
+          <a:effectRef idx="3">
+            <a:schemeClr val="accent5"/>
+          </a:effectRef>
+          <a:fontRef idx="minor">
+            <a:schemeClr val="lt1"/>
+          </a:fontRef>
+        </p:style>
+        <p:txBody>
+          <a:bodyPr wrap="none" rtlCol="0">
+            <a:spAutoFit/>
+          </a:bodyPr>
+          <a:lstStyle/>
+          <a:p>
+            <a:r>
+              <a:rPr lang="da-DK" sz="1100" dirty="0" smtClean="0">
+                <a:solidFill>
+                  <a:schemeClr val="tx1"/>
+                </a:solidFill>
+              </a:rPr>
+              <a:t>Wheel Speed</a:t>
+            </a:r>
+            <a:endParaRPr lang="da-DK" sz="1100" dirty="0">
+              <a:solidFill>
+                <a:schemeClr val="tx1"/>
+              </a:solidFill>
+            </a:endParaRPr>
+          </a:p>
+        </p:txBody>
+      </p:sp>
+      <p:sp>
+        <p:nvSpPr>
+          <p:cNvPr id="42" name="Rectangle 41"/>
+          <p:cNvSpPr/>
+          <p:nvPr/>
+        </p:nvSpPr>
+        <p:spPr>
+          <a:xfrm>
+            <a:off x="6031561" y="2276872"/>
+            <a:ext cx="739470" cy="396044"/>
+          </a:xfrm>
+          <a:prstGeom prst="rect">
+            <a:avLst/>
+          </a:prstGeom>
+          <a:solidFill>
+            <a:srgbClr val="008000"/>
+          </a:solidFill>
+        </p:spPr>
+        <p:style>
+          <a:lnRef idx="0">
+            <a:schemeClr val="accent3"/>
+          </a:lnRef>
+          <a:fillRef idx="3">
+            <a:schemeClr val="accent3"/>
+          </a:fillRef>
+          <a:effectRef idx="3">
+            <a:schemeClr val="accent3"/>
+          </a:effectRef>
+          <a:fontRef idx="minor">
+            <a:schemeClr val="lt1"/>
+          </a:fontRef>
+        </p:style>
+        <p:txBody>
+          <a:bodyPr rtlCol="0" anchor="ctr"/>
+          <a:lstStyle/>
+          <a:p>
+            <a:pPr algn="ctr"/>
             <a:r>
               <a:rPr lang="da-DK" sz="1100" dirty="0" err="1" smtClean="0">
                 <a:solidFill>
                   <a:schemeClr val="tx1"/>
                 </a:solidFill>
               </a:rPr>
-              <a:t>Xbee</a:t>
-            </a:r>
+              <a:t>Steering</a:t>
+            </a:r>
+            <a:endParaRPr lang="da-DK" sz="1100" dirty="0">
+              <a:solidFill>
+                <a:schemeClr val="tx1"/>
+              </a:solidFill>
+            </a:endParaRPr>
+          </a:p>
+        </p:txBody>
+      </p:sp>
+      <p:sp>
+        <p:nvSpPr>
+          <p:cNvPr id="39" name="Rectangle 38"/>
+          <p:cNvSpPr/>
+          <p:nvPr/>
+        </p:nvSpPr>
+        <p:spPr>
+          <a:xfrm>
+            <a:off x="2709142" y="3717032"/>
+            <a:ext cx="576064" cy="396044"/>
+          </a:xfrm>
+          <a:prstGeom prst="rect">
+            <a:avLst/>
+          </a:prstGeom>
+          <a:solidFill>
+            <a:srgbClr val="008000"/>
+          </a:solidFill>
+        </p:spPr>
+        <p:style>
+          <a:lnRef idx="0">
+            <a:schemeClr val="accent3"/>
+          </a:lnRef>
+          <a:fillRef idx="3">
+            <a:schemeClr val="accent3"/>
+          </a:fillRef>
+          <a:effectRef idx="3">
+            <a:schemeClr val="accent3"/>
+          </a:effectRef>
+          <a:fontRef idx="minor">
+            <a:schemeClr val="lt1"/>
+          </a:fontRef>
+        </p:style>
+        <p:txBody>
+          <a:bodyPr rtlCol="0" anchor="ctr"/>
+          <a:lstStyle/>
+          <a:p>
+            <a:pPr algn="ctr"/>
             <a:r>
               <a:rPr lang="da-DK" sz="1100" dirty="0" smtClean="0">
                 <a:solidFill>
                   <a:schemeClr val="tx1"/>
                 </a:solidFill>
               </a:rPr>
-              <a:t>)</a:t>
+              <a:t>Sensor</a:t>
             </a:r>
             <a:endParaRPr lang="da-DK" sz="1100" dirty="0">
               <a:solidFill>
@@ -8846,33 +5888,1889 @@
       </p:sp>
       <p:sp>
         <p:nvSpPr>
-          <p:cNvPr id="96" name="Rectangle 95"/>
+          <p:cNvPr id="43" name="Rectangle 42"/>
           <p:cNvSpPr/>
           <p:nvPr/>
         </p:nvSpPr>
         <p:spPr>
           <a:xfrm>
-            <a:off x="2051720" y="5003884"/>
-            <a:ext cx="981551" cy="369332"/>
+            <a:off x="832132" y="2240868"/>
+            <a:ext cx="576064" cy="396044"/>
           </a:xfrm>
           <a:prstGeom prst="rect">
             <a:avLst/>
           </a:prstGeom>
-        </p:spPr>
-        <p:txBody>
-          <a:bodyPr wrap="none">
+          <a:solidFill>
+            <a:srgbClr val="008000"/>
+          </a:solidFill>
+        </p:spPr>
+        <p:style>
+          <a:lnRef idx="0">
+            <a:schemeClr val="accent3"/>
+          </a:lnRef>
+          <a:fillRef idx="3">
+            <a:schemeClr val="accent3"/>
+          </a:fillRef>
+          <a:effectRef idx="3">
+            <a:schemeClr val="accent3"/>
+          </a:effectRef>
+          <a:fontRef idx="minor">
+            <a:schemeClr val="lt1"/>
+          </a:fontRef>
+        </p:style>
+        <p:txBody>
+          <a:bodyPr rtlCol="0" anchor="ctr"/>
+          <a:lstStyle/>
+          <a:p>
+            <a:pPr algn="ctr"/>
+            <a:r>
+              <a:rPr lang="da-DK" sz="1100" dirty="0" smtClean="0">
+                <a:solidFill>
+                  <a:schemeClr val="tx1"/>
+                </a:solidFill>
+              </a:rPr>
+              <a:t>GPS</a:t>
+            </a:r>
+            <a:endParaRPr lang="da-DK" sz="1100" dirty="0">
+              <a:solidFill>
+                <a:schemeClr val="tx1"/>
+              </a:solidFill>
+            </a:endParaRPr>
+          </a:p>
+        </p:txBody>
+      </p:sp>
+      <p:sp>
+        <p:nvSpPr>
+          <p:cNvPr id="40" name="Rectangle 39"/>
+          <p:cNvSpPr/>
+          <p:nvPr/>
+        </p:nvSpPr>
+        <p:spPr>
+          <a:xfrm>
+            <a:off x="1629348" y="1885619"/>
+            <a:ext cx="576064" cy="396044"/>
+          </a:xfrm>
+          <a:prstGeom prst="rect">
+            <a:avLst/>
+          </a:prstGeom>
+          <a:solidFill>
+            <a:srgbClr val="008000"/>
+          </a:solidFill>
+        </p:spPr>
+        <p:style>
+          <a:lnRef idx="0">
+            <a:schemeClr val="accent3"/>
+          </a:lnRef>
+          <a:fillRef idx="3">
+            <a:schemeClr val="accent3"/>
+          </a:fillRef>
+          <a:effectRef idx="3">
+            <a:schemeClr val="accent3"/>
+          </a:effectRef>
+          <a:fontRef idx="minor">
+            <a:schemeClr val="lt1"/>
+          </a:fontRef>
+        </p:style>
+        <p:txBody>
+          <a:bodyPr rtlCol="0" anchor="ctr"/>
+          <a:lstStyle/>
+          <a:p>
+            <a:pPr algn="ctr"/>
+            <a:r>
+              <a:rPr lang="da-DK" sz="1100" dirty="0" smtClean="0">
+                <a:solidFill>
+                  <a:schemeClr val="tx1"/>
+                </a:solidFill>
+              </a:rPr>
+              <a:t>Gear</a:t>
+            </a:r>
+            <a:endParaRPr lang="da-DK" sz="1100" dirty="0">
+              <a:solidFill>
+                <a:schemeClr val="tx1"/>
+              </a:solidFill>
+            </a:endParaRPr>
+          </a:p>
+        </p:txBody>
+      </p:sp>
+      <p:sp>
+        <p:nvSpPr>
+          <p:cNvPr id="38" name="Rectangle 37"/>
+          <p:cNvSpPr/>
+          <p:nvPr/>
+        </p:nvSpPr>
+        <p:spPr>
+          <a:xfrm>
+            <a:off x="4257881" y="3708322"/>
+            <a:ext cx="458135" cy="396044"/>
+          </a:xfrm>
+          <a:prstGeom prst="rect">
+            <a:avLst/>
+          </a:prstGeom>
+          <a:solidFill>
+            <a:srgbClr val="008000"/>
+          </a:solidFill>
+        </p:spPr>
+        <p:style>
+          <a:lnRef idx="0">
+            <a:schemeClr val="accent3"/>
+          </a:lnRef>
+          <a:fillRef idx="3">
+            <a:schemeClr val="accent3"/>
+          </a:fillRef>
+          <a:effectRef idx="3">
+            <a:schemeClr val="accent3"/>
+          </a:effectRef>
+          <a:fontRef idx="minor">
+            <a:schemeClr val="lt1"/>
+          </a:fontRef>
+        </p:style>
+        <p:txBody>
+          <a:bodyPr rtlCol="0" anchor="ctr"/>
+          <a:lstStyle/>
+          <a:p>
+            <a:pPr algn="ctr"/>
+            <a:r>
+              <a:rPr lang="da-DK" sz="1100" dirty="0" smtClean="0">
+                <a:solidFill>
+                  <a:schemeClr val="tx1"/>
+                </a:solidFill>
+              </a:rPr>
+              <a:t>Com</a:t>
+            </a:r>
+            <a:endParaRPr lang="da-DK" sz="1100" dirty="0">
+              <a:solidFill>
+                <a:schemeClr val="tx1"/>
+              </a:solidFill>
+            </a:endParaRPr>
+          </a:p>
+        </p:txBody>
+      </p:sp>
+      <p:sp>
+        <p:nvSpPr>
+          <p:cNvPr id="97" name="Rectangle 37"/>
+          <p:cNvSpPr/>
+          <p:nvPr/>
+        </p:nvSpPr>
+        <p:spPr>
+          <a:xfrm>
+            <a:off x="239576" y="5458910"/>
+            <a:ext cx="825020" cy="250510"/>
+          </a:xfrm>
+          <a:prstGeom prst="rect">
+            <a:avLst/>
+          </a:prstGeom>
+          <a:solidFill>
+            <a:srgbClr val="008000"/>
+          </a:solidFill>
+        </p:spPr>
+        <p:style>
+          <a:lnRef idx="0">
+            <a:schemeClr val="accent3"/>
+          </a:lnRef>
+          <a:fillRef idx="3">
+            <a:schemeClr val="accent3"/>
+          </a:fillRef>
+          <a:effectRef idx="3">
+            <a:schemeClr val="accent3"/>
+          </a:effectRef>
+          <a:fontRef idx="minor">
+            <a:schemeClr val="lt1"/>
+          </a:fontRef>
+        </p:style>
+        <p:txBody>
+          <a:bodyPr rtlCol="0" anchor="ctr"/>
+          <a:lstStyle/>
+          <a:p>
+            <a:pPr algn="ctr"/>
+            <a:r>
+              <a:rPr lang="da-DK" sz="1100" dirty="0" smtClean="0">
+                <a:solidFill>
+                  <a:schemeClr val="tx1"/>
+                </a:solidFill>
+              </a:rPr>
+              <a:t>Noder</a:t>
+            </a:r>
+            <a:endParaRPr lang="da-DK" sz="1100" dirty="0">
+              <a:solidFill>
+                <a:schemeClr val="tx1"/>
+              </a:solidFill>
+            </a:endParaRPr>
+          </a:p>
+        </p:txBody>
+      </p:sp>
+      <p:sp>
+        <p:nvSpPr>
+          <p:cNvPr id="99" name="TextBox 32"/>
+          <p:cNvSpPr txBox="1"/>
+          <p:nvPr/>
+        </p:nvSpPr>
+        <p:spPr>
+          <a:xfrm>
+            <a:off x="243190" y="5817456"/>
+            <a:ext cx="825020" cy="261610"/>
+          </a:xfrm>
+          <a:prstGeom prst="rect">
+            <a:avLst/>
+          </a:prstGeom>
+        </p:spPr>
+        <p:style>
+          <a:lnRef idx="0">
+            <a:schemeClr val="accent5"/>
+          </a:lnRef>
+          <a:fillRef idx="3">
+            <a:schemeClr val="accent5"/>
+          </a:fillRef>
+          <a:effectRef idx="3">
+            <a:schemeClr val="accent5"/>
+          </a:effectRef>
+          <a:fontRef idx="minor">
+            <a:schemeClr val="lt1"/>
+          </a:fontRef>
+        </p:style>
+        <p:txBody>
+          <a:bodyPr wrap="square" rtlCol="0">
             <a:spAutoFit/>
           </a:bodyPr>
           <a:lstStyle/>
           <a:p>
-            <a:r>
-              <a:rPr lang="da-DK" dirty="0" err="1" smtClean="0"/>
-              <a:t>Antenna</a:t>
-            </a:r>
-            <a:endParaRPr lang="da-DK" dirty="0"/>
-          </a:p>
-        </p:txBody>
-      </p:sp>
+            <a:pPr algn="ctr"/>
+            <a:r>
+              <a:rPr lang="da-DK" sz="1100" dirty="0" smtClean="0">
+                <a:solidFill>
+                  <a:schemeClr val="tx1"/>
+                </a:solidFill>
+              </a:rPr>
+              <a:t>Sensor</a:t>
+            </a:r>
+            <a:endParaRPr lang="da-DK" sz="1100" dirty="0">
+              <a:solidFill>
+                <a:schemeClr val="tx1"/>
+              </a:solidFill>
+            </a:endParaRPr>
+          </a:p>
+        </p:txBody>
+      </p:sp>
+      <p:cxnSp>
+        <p:nvCxnSpPr>
+          <p:cNvPr id="110" name="Lige pilforbindelse 109"/>
+          <p:cNvCxnSpPr/>
+          <p:nvPr/>
+        </p:nvCxnSpPr>
+        <p:spPr>
+          <a:xfrm>
+            <a:off x="1895439" y="5957247"/>
+            <a:ext cx="833351" cy="0"/>
+          </a:xfrm>
+          <a:prstGeom prst="straightConnector1">
+            <a:avLst/>
+          </a:prstGeom>
+          <a:ln>
+            <a:headEnd type="arrow"/>
+            <a:tailEnd type="arrow"/>
+          </a:ln>
+        </p:spPr>
+        <p:style>
+          <a:lnRef idx="2">
+            <a:schemeClr val="accent6"/>
+          </a:lnRef>
+          <a:fillRef idx="0">
+            <a:schemeClr val="accent6"/>
+          </a:fillRef>
+          <a:effectRef idx="1">
+            <a:schemeClr val="accent6"/>
+          </a:effectRef>
+          <a:fontRef idx="minor">
+            <a:schemeClr val="tx1"/>
+          </a:fontRef>
+        </p:style>
+      </p:cxnSp>
+      <p:sp>
+        <p:nvSpPr>
+          <p:cNvPr id="111" name="Tekstboks 110"/>
+          <p:cNvSpPr txBox="1"/>
+          <p:nvPr/>
+        </p:nvSpPr>
+        <p:spPr>
+          <a:xfrm>
+            <a:off x="2709142" y="5795391"/>
+            <a:ext cx="865764" cy="307777"/>
+          </a:xfrm>
+          <a:prstGeom prst="rect">
+            <a:avLst/>
+          </a:prstGeom>
+          <a:noFill/>
+        </p:spPr>
+        <p:txBody>
+          <a:bodyPr wrap="square" rtlCol="0">
+            <a:spAutoFit/>
+          </a:bodyPr>
+          <a:lstStyle/>
+          <a:p>
+            <a:r>
+              <a:rPr lang="da-DK" sz="1400" dirty="0" smtClean="0"/>
+              <a:t>CAN-bus</a:t>
+            </a:r>
+            <a:endParaRPr lang="da-DK" sz="1400" dirty="0"/>
+          </a:p>
+        </p:txBody>
+      </p:sp>
+      <p:sp>
+        <p:nvSpPr>
+          <p:cNvPr id="112" name="Tekstboks 111"/>
+          <p:cNvSpPr txBox="1"/>
+          <p:nvPr/>
+        </p:nvSpPr>
+        <p:spPr>
+          <a:xfrm>
+            <a:off x="1065149" y="5805264"/>
+            <a:ext cx="698539" cy="307777"/>
+          </a:xfrm>
+          <a:prstGeom prst="rect">
+            <a:avLst/>
+          </a:prstGeom>
+          <a:noFill/>
+        </p:spPr>
+        <p:txBody>
+          <a:bodyPr wrap="square" rtlCol="0">
+            <a:spAutoFit/>
+          </a:bodyPr>
+          <a:lstStyle/>
+          <a:p>
+            <a:r>
+              <a:rPr lang="da-DK" sz="1400" dirty="0" smtClean="0"/>
+              <a:t>Sensor</a:t>
+            </a:r>
+            <a:endParaRPr lang="da-DK" sz="1400" dirty="0"/>
+          </a:p>
+        </p:txBody>
+      </p:sp>
+      <p:sp>
+        <p:nvSpPr>
+          <p:cNvPr id="113" name="Tekstboks 112"/>
+          <p:cNvSpPr txBox="1"/>
+          <p:nvPr/>
+        </p:nvSpPr>
+        <p:spPr>
+          <a:xfrm>
+            <a:off x="1066293" y="5445224"/>
+            <a:ext cx="698539" cy="307777"/>
+          </a:xfrm>
+          <a:prstGeom prst="rect">
+            <a:avLst/>
+          </a:prstGeom>
+          <a:noFill/>
+        </p:spPr>
+        <p:txBody>
+          <a:bodyPr wrap="square" rtlCol="0">
+            <a:spAutoFit/>
+          </a:bodyPr>
+          <a:lstStyle/>
+          <a:p>
+            <a:r>
+              <a:rPr lang="da-DK" sz="1400" dirty="0" smtClean="0"/>
+              <a:t>Node</a:t>
+            </a:r>
+            <a:endParaRPr lang="da-DK" sz="1400" dirty="0"/>
+          </a:p>
+        </p:txBody>
+      </p:sp>
+      <p:sp>
+        <p:nvSpPr>
+          <p:cNvPr id="54" name="Rectangle 53"/>
+          <p:cNvSpPr/>
+          <p:nvPr/>
+        </p:nvSpPr>
+        <p:spPr>
+          <a:xfrm>
+            <a:off x="3419872" y="3711508"/>
+            <a:ext cx="576064" cy="396044"/>
+          </a:xfrm>
+          <a:prstGeom prst="rect">
+            <a:avLst/>
+          </a:prstGeom>
+          <a:solidFill>
+            <a:schemeClr val="tx2">
+              <a:lumMod val="50000"/>
+            </a:schemeClr>
+          </a:solidFill>
+        </p:spPr>
+        <p:style>
+          <a:lnRef idx="0">
+            <a:schemeClr val="accent3"/>
+          </a:lnRef>
+          <a:fillRef idx="3">
+            <a:schemeClr val="accent3"/>
+          </a:fillRef>
+          <a:effectRef idx="3">
+            <a:schemeClr val="accent3"/>
+          </a:effectRef>
+          <a:fontRef idx="minor">
+            <a:schemeClr val="lt1"/>
+          </a:fontRef>
+        </p:style>
+        <p:txBody>
+          <a:bodyPr rtlCol="0" anchor="ctr"/>
+          <a:lstStyle/>
+          <a:p>
+            <a:pPr algn="ctr"/>
+            <a:r>
+              <a:rPr lang="da-DK" sz="1100" dirty="0" smtClean="0">
+                <a:solidFill>
+                  <a:schemeClr val="tx1"/>
+                </a:solidFill>
+              </a:rPr>
+              <a:t>ECU</a:t>
+            </a:r>
+            <a:endParaRPr lang="da-DK" sz="1100" dirty="0">
+              <a:solidFill>
+                <a:schemeClr val="tx1"/>
+              </a:solidFill>
+            </a:endParaRPr>
+          </a:p>
+        </p:txBody>
+      </p:sp>
+      <p:grpSp>
+        <p:nvGrpSpPr>
+          <p:cNvPr id="132" name="Gruppe 131"/>
+          <p:cNvGrpSpPr/>
+          <p:nvPr/>
+        </p:nvGrpSpPr>
+        <p:grpSpPr>
+          <a:xfrm>
+            <a:off x="4486950" y="2465750"/>
+            <a:ext cx="2605330" cy="1226484"/>
+            <a:chOff x="4486950" y="2465750"/>
+            <a:chExt cx="2605330" cy="1226484"/>
+          </a:xfrm>
+        </p:grpSpPr>
+        <p:cxnSp>
+          <p:nvCxnSpPr>
+            <p:cNvPr id="106" name="Vinklet forbindelse 105"/>
+            <p:cNvCxnSpPr>
+              <a:stCxn id="42" idx="3"/>
+              <a:endCxn id="41" idx="1"/>
+            </p:cNvCxnSpPr>
+            <p:nvPr/>
+          </p:nvCxnSpPr>
+          <p:spPr>
+            <a:xfrm flipV="1">
+              <a:off x="6771031" y="2465750"/>
+              <a:ext cx="321249" cy="9144"/>
+            </a:xfrm>
+            <a:prstGeom prst="bentConnector3">
+              <a:avLst/>
+            </a:prstGeom>
+            <a:ln>
+              <a:headEnd type="arrow"/>
+              <a:tailEnd type="arrow"/>
+            </a:ln>
+          </p:spPr>
+          <p:style>
+            <a:lnRef idx="2">
+              <a:schemeClr val="accent6"/>
+            </a:lnRef>
+            <a:fillRef idx="0">
+              <a:schemeClr val="accent6"/>
+            </a:fillRef>
+            <a:effectRef idx="1">
+              <a:schemeClr val="accent6"/>
+            </a:effectRef>
+            <a:fontRef idx="minor">
+              <a:schemeClr val="tx1"/>
+            </a:fontRef>
+          </p:style>
+        </p:cxnSp>
+        <p:cxnSp>
+          <p:nvCxnSpPr>
+            <p:cNvPr id="129" name="Lige forbindelse 128"/>
+            <p:cNvCxnSpPr/>
+            <p:nvPr/>
+          </p:nvCxnSpPr>
+          <p:spPr>
+            <a:xfrm>
+              <a:off x="6931655" y="2470322"/>
+              <a:ext cx="0" cy="917150"/>
+            </a:xfrm>
+            <a:prstGeom prst="line">
+              <a:avLst/>
+            </a:prstGeom>
+          </p:spPr>
+          <p:style>
+            <a:lnRef idx="2">
+              <a:schemeClr val="accent6"/>
+            </a:lnRef>
+            <a:fillRef idx="0">
+              <a:schemeClr val="accent6"/>
+            </a:fillRef>
+            <a:effectRef idx="1">
+              <a:schemeClr val="accent6"/>
+            </a:effectRef>
+            <a:fontRef idx="minor">
+              <a:schemeClr val="tx1"/>
+            </a:fontRef>
+          </p:style>
+        </p:cxnSp>
+        <p:cxnSp>
+          <p:nvCxnSpPr>
+            <p:cNvPr id="131" name="Vinklet forbindelse 130"/>
+            <p:cNvCxnSpPr/>
+            <p:nvPr/>
+          </p:nvCxnSpPr>
+          <p:spPr>
+            <a:xfrm rot="10800000" flipV="1">
+              <a:off x="4486950" y="3387473"/>
+              <a:ext cx="2444707" cy="304761"/>
+            </a:xfrm>
+            <a:prstGeom prst="bentConnector2">
+              <a:avLst/>
+            </a:prstGeom>
+            <a:ln>
+              <a:tailEnd type="arrow"/>
+            </a:ln>
+          </p:spPr>
+          <p:style>
+            <a:lnRef idx="2">
+              <a:schemeClr val="accent6"/>
+            </a:lnRef>
+            <a:fillRef idx="0">
+              <a:schemeClr val="accent6"/>
+            </a:fillRef>
+            <a:effectRef idx="1">
+              <a:schemeClr val="accent6"/>
+            </a:effectRef>
+            <a:fontRef idx="minor">
+              <a:schemeClr val="tx1"/>
+            </a:fontRef>
+          </p:style>
+        </p:cxnSp>
+      </p:grpSp>
+      <p:cxnSp>
+        <p:nvCxnSpPr>
+          <p:cNvPr id="135" name="Lige pilforbindelse 134"/>
+          <p:cNvCxnSpPr/>
+          <p:nvPr/>
+        </p:nvCxnSpPr>
+        <p:spPr>
+          <a:xfrm>
+            <a:off x="1912399" y="6309320"/>
+            <a:ext cx="809465" cy="0"/>
+          </a:xfrm>
+          <a:prstGeom prst="straightConnector1">
+            <a:avLst/>
+          </a:prstGeom>
+          <a:ln>
+            <a:tailEnd type="arrow"/>
+          </a:ln>
+        </p:spPr>
+        <p:style>
+          <a:lnRef idx="2">
+            <a:schemeClr val="accent4"/>
+          </a:lnRef>
+          <a:fillRef idx="0">
+            <a:schemeClr val="accent4"/>
+          </a:fillRef>
+          <a:effectRef idx="1">
+            <a:schemeClr val="accent4"/>
+          </a:effectRef>
+          <a:fontRef idx="minor">
+            <a:schemeClr val="tx1"/>
+          </a:fontRef>
+        </p:style>
+      </p:cxnSp>
+      <p:sp>
+        <p:nvSpPr>
+          <p:cNvPr id="137" name="Tekstboks 136"/>
+          <p:cNvSpPr txBox="1"/>
+          <p:nvPr/>
+        </p:nvSpPr>
+        <p:spPr>
+          <a:xfrm>
+            <a:off x="2710256" y="6145559"/>
+            <a:ext cx="865765" cy="307777"/>
+          </a:xfrm>
+          <a:prstGeom prst="rect">
+            <a:avLst/>
+          </a:prstGeom>
+          <a:noFill/>
+        </p:spPr>
+        <p:txBody>
+          <a:bodyPr wrap="square" rtlCol="0">
+            <a:spAutoFit/>
+          </a:bodyPr>
+          <a:lstStyle/>
+          <a:p>
+            <a:r>
+              <a:rPr lang="da-DK" sz="1400" dirty="0" smtClean="0"/>
+              <a:t>Analog</a:t>
+            </a:r>
+            <a:endParaRPr lang="da-DK" sz="1400" dirty="0"/>
+          </a:p>
+        </p:txBody>
+      </p:sp>
+      <p:cxnSp>
+        <p:nvCxnSpPr>
+          <p:cNvPr id="139" name="Vinklet forbindelse 138"/>
+          <p:cNvCxnSpPr>
+            <a:endCxn id="37" idx="3"/>
+          </p:cNvCxnSpPr>
+          <p:nvPr/>
+        </p:nvCxnSpPr>
+        <p:spPr>
+          <a:xfrm rot="16200000" flipV="1">
+            <a:off x="6658003" y="2196670"/>
+            <a:ext cx="386681" cy="160624"/>
+          </a:xfrm>
+          <a:prstGeom prst="bentConnector2">
+            <a:avLst/>
+          </a:prstGeom>
+          <a:ln>
+            <a:tailEnd type="arrow"/>
+          </a:ln>
+        </p:spPr>
+        <p:style>
+          <a:lnRef idx="2">
+            <a:schemeClr val="accent6"/>
+          </a:lnRef>
+          <a:fillRef idx="0">
+            <a:schemeClr val="accent6"/>
+          </a:fillRef>
+          <a:effectRef idx="1">
+            <a:schemeClr val="accent6"/>
+          </a:effectRef>
+          <a:fontRef idx="minor">
+            <a:schemeClr val="tx1"/>
+          </a:fontRef>
+        </p:style>
+      </p:cxnSp>
+      <p:cxnSp>
+        <p:nvCxnSpPr>
+          <p:cNvPr id="141" name="Vinklet forbindelse 140"/>
+          <p:cNvCxnSpPr>
+            <a:stCxn id="36" idx="1"/>
+            <a:endCxn id="41" idx="3"/>
+          </p:cNvCxnSpPr>
+          <p:nvPr/>
+        </p:nvCxnSpPr>
+        <p:spPr>
+          <a:xfrm rot="10800000" flipV="1">
+            <a:off x="7668344" y="2465464"/>
+            <a:ext cx="683744" cy="286"/>
+          </a:xfrm>
+          <a:prstGeom prst="bentConnector3">
+            <a:avLst/>
+          </a:prstGeom>
+          <a:ln>
+            <a:tailEnd type="arrow"/>
+          </a:ln>
+        </p:spPr>
+        <p:style>
+          <a:lnRef idx="2">
+            <a:schemeClr val="accent4"/>
+          </a:lnRef>
+          <a:fillRef idx="0">
+            <a:schemeClr val="accent4"/>
+          </a:fillRef>
+          <a:effectRef idx="1">
+            <a:schemeClr val="accent4"/>
+          </a:effectRef>
+          <a:fontRef idx="minor">
+            <a:schemeClr val="tx1"/>
+          </a:fontRef>
+        </p:style>
+      </p:cxnSp>
+      <p:cxnSp>
+        <p:nvCxnSpPr>
+          <p:cNvPr id="142" name="Vinklet forbindelse 141"/>
+          <p:cNvCxnSpPr/>
+          <p:nvPr/>
+        </p:nvCxnSpPr>
+        <p:spPr>
+          <a:xfrm rot="10800000" flipV="1">
+            <a:off x="7660104" y="2564904"/>
+            <a:ext cx="683744" cy="286"/>
+          </a:xfrm>
+          <a:prstGeom prst="bentConnector3">
+            <a:avLst/>
+          </a:prstGeom>
+          <a:ln>
+            <a:tailEnd type="arrow"/>
+          </a:ln>
+        </p:spPr>
+        <p:style>
+          <a:lnRef idx="2">
+            <a:schemeClr val="accent4"/>
+          </a:lnRef>
+          <a:fillRef idx="0">
+            <a:schemeClr val="accent4"/>
+          </a:fillRef>
+          <a:effectRef idx="1">
+            <a:schemeClr val="accent4"/>
+          </a:effectRef>
+          <a:fontRef idx="minor">
+            <a:schemeClr val="tx1"/>
+          </a:fontRef>
+        </p:style>
+      </p:cxnSp>
+      <p:cxnSp>
+        <p:nvCxnSpPr>
+          <p:cNvPr id="143" name="Vinklet forbindelse 142"/>
+          <p:cNvCxnSpPr/>
+          <p:nvPr/>
+        </p:nvCxnSpPr>
+        <p:spPr>
+          <a:xfrm rot="10800000" flipV="1">
+            <a:off x="7668344" y="2356880"/>
+            <a:ext cx="683744" cy="286"/>
+          </a:xfrm>
+          <a:prstGeom prst="bentConnector3">
+            <a:avLst/>
+          </a:prstGeom>
+          <a:ln>
+            <a:tailEnd type="arrow"/>
+          </a:ln>
+        </p:spPr>
+        <p:style>
+          <a:lnRef idx="2">
+            <a:schemeClr val="accent4"/>
+          </a:lnRef>
+          <a:fillRef idx="0">
+            <a:schemeClr val="accent4"/>
+          </a:fillRef>
+          <a:effectRef idx="1">
+            <a:schemeClr val="accent4"/>
+          </a:effectRef>
+          <a:fontRef idx="minor">
+            <a:schemeClr val="tx1"/>
+          </a:fontRef>
+        </p:style>
+      </p:cxnSp>
+      <p:cxnSp>
+        <p:nvCxnSpPr>
+          <p:cNvPr id="145" name="Vinklet forbindelse 144"/>
+          <p:cNvCxnSpPr>
+            <a:stCxn id="32" idx="0"/>
+            <a:endCxn id="41" idx="2"/>
+          </p:cNvCxnSpPr>
+          <p:nvPr/>
+        </p:nvCxnSpPr>
+        <p:spPr>
+          <a:xfrm rot="16200000" flipV="1">
+            <a:off x="6893183" y="3150901"/>
+            <a:ext cx="1727754" cy="753495"/>
+          </a:xfrm>
+          <a:prstGeom prst="bentConnector3">
+            <a:avLst>
+              <a:gd name="adj1" fmla="val 60056"/>
+            </a:avLst>
+          </a:prstGeom>
+          <a:ln>
+            <a:tailEnd type="arrow"/>
+          </a:ln>
+        </p:spPr>
+        <p:style>
+          <a:lnRef idx="2">
+            <a:schemeClr val="accent2"/>
+          </a:lnRef>
+          <a:fillRef idx="0">
+            <a:schemeClr val="accent2"/>
+          </a:fillRef>
+          <a:effectRef idx="1">
+            <a:schemeClr val="accent2"/>
+          </a:effectRef>
+          <a:fontRef idx="minor">
+            <a:schemeClr val="tx1"/>
+          </a:fontRef>
+        </p:style>
+      </p:cxnSp>
+      <p:cxnSp>
+        <p:nvCxnSpPr>
+          <p:cNvPr id="147" name="Vinklet forbindelse 146"/>
+          <p:cNvCxnSpPr>
+            <a:stCxn id="29" idx="2"/>
+            <a:endCxn id="41" idx="0"/>
+          </p:cNvCxnSpPr>
+          <p:nvPr/>
+        </p:nvCxnSpPr>
+        <p:spPr>
+          <a:xfrm rot="5400000">
+            <a:off x="6901226" y="1068561"/>
+            <a:ext cx="1678253" cy="720080"/>
+          </a:xfrm>
+          <a:prstGeom prst="bentConnector3">
+            <a:avLst>
+              <a:gd name="adj1" fmla="val 59807"/>
+            </a:avLst>
+          </a:prstGeom>
+          <a:ln>
+            <a:tailEnd type="arrow"/>
+          </a:ln>
+        </p:spPr>
+        <p:style>
+          <a:lnRef idx="2">
+            <a:schemeClr val="accent2"/>
+          </a:lnRef>
+          <a:fillRef idx="0">
+            <a:schemeClr val="accent2"/>
+          </a:fillRef>
+          <a:effectRef idx="1">
+            <a:schemeClr val="accent2"/>
+          </a:effectRef>
+          <a:fontRef idx="minor">
+            <a:schemeClr val="tx1"/>
+          </a:fontRef>
+        </p:style>
+      </p:cxnSp>
+      <p:cxnSp>
+        <p:nvCxnSpPr>
+          <p:cNvPr id="150" name="Lige pilforbindelse 149"/>
+          <p:cNvCxnSpPr/>
+          <p:nvPr/>
+        </p:nvCxnSpPr>
+        <p:spPr>
+          <a:xfrm>
+            <a:off x="1917380" y="5608984"/>
+            <a:ext cx="809465" cy="0"/>
+          </a:xfrm>
+          <a:prstGeom prst="straightConnector1">
+            <a:avLst/>
+          </a:prstGeom>
+          <a:ln>
+            <a:tailEnd type="arrow"/>
+          </a:ln>
+        </p:spPr>
+        <p:style>
+          <a:lnRef idx="2">
+            <a:schemeClr val="accent2"/>
+          </a:lnRef>
+          <a:fillRef idx="0">
+            <a:schemeClr val="accent2"/>
+          </a:fillRef>
+          <a:effectRef idx="1">
+            <a:schemeClr val="accent2"/>
+          </a:effectRef>
+          <a:fontRef idx="minor">
+            <a:schemeClr val="tx1"/>
+          </a:fontRef>
+        </p:style>
+      </p:cxnSp>
+      <p:sp>
+        <p:nvSpPr>
+          <p:cNvPr id="151" name="Tekstboks 150"/>
+          <p:cNvSpPr txBox="1"/>
+          <p:nvPr/>
+        </p:nvSpPr>
+        <p:spPr>
+          <a:xfrm>
+            <a:off x="2709672" y="5445223"/>
+            <a:ext cx="865765" cy="307777"/>
+          </a:xfrm>
+          <a:prstGeom prst="rect">
+            <a:avLst/>
+          </a:prstGeom>
+          <a:noFill/>
+        </p:spPr>
+        <p:txBody>
+          <a:bodyPr wrap="square" rtlCol="0">
+            <a:spAutoFit/>
+          </a:bodyPr>
+          <a:lstStyle/>
+          <a:p>
+            <a:r>
+              <a:rPr lang="da-DK" sz="1400" dirty="0" err="1" smtClean="0"/>
+              <a:t>Interrupt</a:t>
+            </a:r>
+            <a:endParaRPr lang="da-DK" sz="1400" dirty="0"/>
+          </a:p>
+        </p:txBody>
+      </p:sp>
+      <p:cxnSp>
+        <p:nvCxnSpPr>
+          <p:cNvPr id="153" name="Vinklet forbindelse 152"/>
+          <p:cNvCxnSpPr>
+            <a:endCxn id="40" idx="2"/>
+          </p:cNvCxnSpPr>
+          <p:nvPr/>
+        </p:nvCxnSpPr>
+        <p:spPr>
+          <a:xfrm rot="10800000">
+            <a:off x="1917380" y="2281664"/>
+            <a:ext cx="2579246" cy="1105811"/>
+          </a:xfrm>
+          <a:prstGeom prst="bentConnector2">
+            <a:avLst/>
+          </a:prstGeom>
+          <a:ln>
+            <a:tailEnd type="arrow"/>
+          </a:ln>
+        </p:spPr>
+        <p:style>
+          <a:lnRef idx="2">
+            <a:schemeClr val="accent6"/>
+          </a:lnRef>
+          <a:fillRef idx="0">
+            <a:schemeClr val="accent6"/>
+          </a:fillRef>
+          <a:effectRef idx="1">
+            <a:schemeClr val="accent6"/>
+          </a:effectRef>
+          <a:fontRef idx="minor">
+            <a:schemeClr val="tx1"/>
+          </a:fontRef>
+        </p:style>
+      </p:cxnSp>
+      <p:cxnSp>
+        <p:nvCxnSpPr>
+          <p:cNvPr id="160" name="Lige pilforbindelse 159"/>
+          <p:cNvCxnSpPr/>
+          <p:nvPr/>
+        </p:nvCxnSpPr>
+        <p:spPr>
+          <a:xfrm flipH="1">
+            <a:off x="1408196" y="2439176"/>
+            <a:ext cx="499508" cy="0"/>
+          </a:xfrm>
+          <a:prstGeom prst="straightConnector1">
+            <a:avLst/>
+          </a:prstGeom>
+          <a:ln>
+            <a:tailEnd type="arrow"/>
+          </a:ln>
+        </p:spPr>
+        <p:style>
+          <a:lnRef idx="2">
+            <a:schemeClr val="accent6"/>
+          </a:lnRef>
+          <a:fillRef idx="0">
+            <a:schemeClr val="accent6"/>
+          </a:fillRef>
+          <a:effectRef idx="1">
+            <a:schemeClr val="accent6"/>
+          </a:effectRef>
+          <a:fontRef idx="minor">
+            <a:schemeClr val="tx1"/>
+          </a:fontRef>
+        </p:style>
+      </p:cxnSp>
+      <p:sp>
+        <p:nvSpPr>
+          <p:cNvPr id="161" name="Rectangle 53"/>
+          <p:cNvSpPr/>
+          <p:nvPr/>
+        </p:nvSpPr>
+        <p:spPr>
+          <a:xfrm>
+            <a:off x="243189" y="6185049"/>
+            <a:ext cx="817795" cy="268287"/>
+          </a:xfrm>
+          <a:prstGeom prst="rect">
+            <a:avLst/>
+          </a:prstGeom>
+          <a:solidFill>
+            <a:schemeClr val="tx2">
+              <a:lumMod val="50000"/>
+            </a:schemeClr>
+          </a:solidFill>
+        </p:spPr>
+        <p:style>
+          <a:lnRef idx="0">
+            <a:schemeClr val="accent3"/>
+          </a:lnRef>
+          <a:fillRef idx="3">
+            <a:schemeClr val="accent3"/>
+          </a:fillRef>
+          <a:effectRef idx="3">
+            <a:schemeClr val="accent3"/>
+          </a:effectRef>
+          <a:fontRef idx="minor">
+            <a:schemeClr val="lt1"/>
+          </a:fontRef>
+        </p:style>
+        <p:txBody>
+          <a:bodyPr rtlCol="0" anchor="ctr"/>
+          <a:lstStyle/>
+          <a:p>
+            <a:pPr algn="ctr"/>
+            <a:r>
+              <a:rPr lang="da-DK" sz="1100" dirty="0" smtClean="0">
+                <a:solidFill>
+                  <a:schemeClr val="tx1"/>
+                </a:solidFill>
+              </a:rPr>
+              <a:t>ECU</a:t>
+            </a:r>
+            <a:endParaRPr lang="da-DK" sz="1100" dirty="0">
+              <a:solidFill>
+                <a:schemeClr val="tx1"/>
+              </a:solidFill>
+            </a:endParaRPr>
+          </a:p>
+        </p:txBody>
+      </p:sp>
+      <p:sp>
+        <p:nvSpPr>
+          <p:cNvPr id="162" name="Tekstboks 161"/>
+          <p:cNvSpPr txBox="1"/>
+          <p:nvPr/>
+        </p:nvSpPr>
+        <p:spPr>
+          <a:xfrm>
+            <a:off x="1061896" y="6162703"/>
+            <a:ext cx="698539" cy="307777"/>
+          </a:xfrm>
+          <a:prstGeom prst="rect">
+            <a:avLst/>
+          </a:prstGeom>
+          <a:noFill/>
+        </p:spPr>
+        <p:txBody>
+          <a:bodyPr wrap="square" rtlCol="0">
+            <a:spAutoFit/>
+          </a:bodyPr>
+          <a:lstStyle/>
+          <a:p>
+            <a:r>
+              <a:rPr lang="da-DK" sz="1400" dirty="0" smtClean="0"/>
+              <a:t>ECU</a:t>
+            </a:r>
+            <a:endParaRPr lang="da-DK" sz="1400" dirty="0"/>
+          </a:p>
+        </p:txBody>
+      </p:sp>
+      <p:cxnSp>
+        <p:nvCxnSpPr>
+          <p:cNvPr id="164" name="Vinklet forbindelse 163"/>
+          <p:cNvCxnSpPr>
+            <a:stCxn id="38" idx="1"/>
+            <a:endCxn id="54" idx="3"/>
+          </p:cNvCxnSpPr>
+          <p:nvPr/>
+        </p:nvCxnSpPr>
+        <p:spPr>
+          <a:xfrm rot="10800000" flipV="1">
+            <a:off x="3995937" y="3906344"/>
+            <a:ext cx="261945" cy="3186"/>
+          </a:xfrm>
+          <a:prstGeom prst="bentConnector3">
+            <a:avLst/>
+          </a:prstGeom>
+          <a:ln>
+            <a:headEnd type="arrow"/>
+            <a:tailEnd type="arrow"/>
+          </a:ln>
+        </p:spPr>
+        <p:style>
+          <a:lnRef idx="2">
+            <a:schemeClr val="dk1"/>
+          </a:lnRef>
+          <a:fillRef idx="0">
+            <a:schemeClr val="dk1"/>
+          </a:fillRef>
+          <a:effectRef idx="1">
+            <a:schemeClr val="dk1"/>
+          </a:effectRef>
+          <a:fontRef idx="minor">
+            <a:schemeClr val="tx1"/>
+          </a:fontRef>
+        </p:style>
+      </p:cxnSp>
+      <p:cxnSp>
+        <p:nvCxnSpPr>
+          <p:cNvPr id="169" name="Lige pilforbindelse 168"/>
+          <p:cNvCxnSpPr/>
+          <p:nvPr/>
+        </p:nvCxnSpPr>
+        <p:spPr>
+          <a:xfrm>
+            <a:off x="1907704" y="6663264"/>
+            <a:ext cx="814160" cy="0"/>
+          </a:xfrm>
+          <a:prstGeom prst="straightConnector1">
+            <a:avLst/>
+          </a:prstGeom>
+          <a:ln>
+            <a:headEnd type="arrow"/>
+            <a:tailEnd type="arrow"/>
+          </a:ln>
+        </p:spPr>
+        <p:style>
+          <a:lnRef idx="2">
+            <a:schemeClr val="dk1"/>
+          </a:lnRef>
+          <a:fillRef idx="0">
+            <a:schemeClr val="dk1"/>
+          </a:fillRef>
+          <a:effectRef idx="1">
+            <a:schemeClr val="dk1"/>
+          </a:effectRef>
+          <a:fontRef idx="minor">
+            <a:schemeClr val="tx1"/>
+          </a:fontRef>
+        </p:style>
+      </p:cxnSp>
+      <p:sp>
+        <p:nvSpPr>
+          <p:cNvPr id="170" name="Tekstboks 169"/>
+          <p:cNvSpPr txBox="1"/>
+          <p:nvPr/>
+        </p:nvSpPr>
+        <p:spPr>
+          <a:xfrm>
+            <a:off x="2711984" y="6504728"/>
+            <a:ext cx="865765" cy="307777"/>
+          </a:xfrm>
+          <a:prstGeom prst="rect">
+            <a:avLst/>
+          </a:prstGeom>
+          <a:noFill/>
+        </p:spPr>
+        <p:txBody>
+          <a:bodyPr wrap="square" rtlCol="0">
+            <a:spAutoFit/>
+          </a:bodyPr>
+          <a:lstStyle/>
+          <a:p>
+            <a:r>
+              <a:rPr lang="da-DK" sz="1400" dirty="0" smtClean="0"/>
+              <a:t>UART</a:t>
+            </a:r>
+            <a:endParaRPr lang="da-DK" sz="1400" dirty="0"/>
+          </a:p>
+        </p:txBody>
+      </p:sp>
+      <p:cxnSp>
+        <p:nvCxnSpPr>
+          <p:cNvPr id="172" name="Vinklet forbindelse 171"/>
+          <p:cNvCxnSpPr>
+            <a:stCxn id="49" idx="0"/>
+          </p:cNvCxnSpPr>
+          <p:nvPr/>
+        </p:nvCxnSpPr>
+        <p:spPr>
+          <a:xfrm rot="16200000" flipV="1">
+            <a:off x="1182609" y="2669159"/>
+            <a:ext cx="213591" cy="112826"/>
+          </a:xfrm>
+          <a:prstGeom prst="bentConnector3">
+            <a:avLst>
+              <a:gd name="adj1" fmla="val 28595"/>
+            </a:avLst>
+          </a:prstGeom>
+          <a:ln>
+            <a:tailEnd type="arrow"/>
+          </a:ln>
+        </p:spPr>
+        <p:style>
+          <a:lnRef idx="2">
+            <a:schemeClr val="dk1"/>
+          </a:lnRef>
+          <a:fillRef idx="0">
+            <a:schemeClr val="dk1"/>
+          </a:fillRef>
+          <a:effectRef idx="1">
+            <a:schemeClr val="dk1"/>
+          </a:effectRef>
+          <a:fontRef idx="minor">
+            <a:schemeClr val="tx1"/>
+          </a:fontRef>
+        </p:style>
+      </p:cxnSp>
+      <p:sp>
+        <p:nvSpPr>
+          <p:cNvPr id="173" name="TextBox 31"/>
+          <p:cNvSpPr txBox="1"/>
+          <p:nvPr/>
+        </p:nvSpPr>
+        <p:spPr>
+          <a:xfrm>
+            <a:off x="7531334" y="2963171"/>
+            <a:ext cx="1290738" cy="261610"/>
+          </a:xfrm>
+          <a:prstGeom prst="rect">
+            <a:avLst/>
+          </a:prstGeom>
+        </p:spPr>
+        <p:style>
+          <a:lnRef idx="0">
+            <a:schemeClr val="accent5"/>
+          </a:lnRef>
+          <a:fillRef idx="3">
+            <a:schemeClr val="accent5"/>
+          </a:fillRef>
+          <a:effectRef idx="3">
+            <a:schemeClr val="accent5"/>
+          </a:effectRef>
+          <a:fontRef idx="minor">
+            <a:schemeClr val="lt1"/>
+          </a:fontRef>
+        </p:style>
+        <p:txBody>
+          <a:bodyPr wrap="none" rtlCol="0">
+            <a:spAutoFit/>
+          </a:bodyPr>
+          <a:lstStyle/>
+          <a:p>
+            <a:r>
+              <a:rPr lang="da-DK" sz="1100" dirty="0" err="1" smtClean="0">
+                <a:solidFill>
+                  <a:schemeClr val="tx1"/>
+                </a:solidFill>
+              </a:rPr>
+              <a:t>Shock</a:t>
+            </a:r>
+            <a:r>
+              <a:rPr lang="da-DK" sz="1100" dirty="0" smtClean="0">
+                <a:solidFill>
+                  <a:schemeClr val="tx1"/>
+                </a:solidFill>
+              </a:rPr>
+              <a:t> </a:t>
+            </a:r>
+            <a:r>
+              <a:rPr lang="da-DK" sz="1100" dirty="0" err="1" smtClean="0">
+                <a:solidFill>
+                  <a:schemeClr val="tx1"/>
+                </a:solidFill>
+              </a:rPr>
+              <a:t>travel</a:t>
+            </a:r>
+            <a:r>
+              <a:rPr lang="da-DK" sz="1100" dirty="0" smtClean="0">
+                <a:solidFill>
+                  <a:schemeClr val="tx1"/>
+                </a:solidFill>
+              </a:rPr>
+              <a:t> sensor</a:t>
+            </a:r>
+            <a:endParaRPr lang="da-DK" sz="1100" dirty="0">
+              <a:solidFill>
+                <a:schemeClr val="tx1"/>
+              </a:solidFill>
+            </a:endParaRPr>
+          </a:p>
+        </p:txBody>
+      </p:sp>
+      <p:sp>
+        <p:nvSpPr>
+          <p:cNvPr id="174" name="TextBox 31"/>
+          <p:cNvSpPr txBox="1"/>
+          <p:nvPr/>
+        </p:nvSpPr>
+        <p:spPr>
+          <a:xfrm>
+            <a:off x="7545107" y="1727230"/>
+            <a:ext cx="1290738" cy="261610"/>
+          </a:xfrm>
+          <a:prstGeom prst="rect">
+            <a:avLst/>
+          </a:prstGeom>
+        </p:spPr>
+        <p:style>
+          <a:lnRef idx="0">
+            <a:schemeClr val="accent5"/>
+          </a:lnRef>
+          <a:fillRef idx="3">
+            <a:schemeClr val="accent5"/>
+          </a:fillRef>
+          <a:effectRef idx="3">
+            <a:schemeClr val="accent5"/>
+          </a:effectRef>
+          <a:fontRef idx="minor">
+            <a:schemeClr val="lt1"/>
+          </a:fontRef>
+        </p:style>
+        <p:txBody>
+          <a:bodyPr wrap="none" rtlCol="0">
+            <a:spAutoFit/>
+          </a:bodyPr>
+          <a:lstStyle/>
+          <a:p>
+            <a:r>
+              <a:rPr lang="da-DK" sz="1100" dirty="0" err="1" smtClean="0">
+                <a:solidFill>
+                  <a:schemeClr val="tx1"/>
+                </a:solidFill>
+              </a:rPr>
+              <a:t>Shock</a:t>
+            </a:r>
+            <a:r>
+              <a:rPr lang="da-DK" sz="1100" dirty="0" smtClean="0">
+                <a:solidFill>
+                  <a:schemeClr val="tx1"/>
+                </a:solidFill>
+              </a:rPr>
+              <a:t> </a:t>
+            </a:r>
+            <a:r>
+              <a:rPr lang="da-DK" sz="1100" dirty="0" err="1" smtClean="0">
+                <a:solidFill>
+                  <a:schemeClr val="tx1"/>
+                </a:solidFill>
+              </a:rPr>
+              <a:t>travel</a:t>
+            </a:r>
+            <a:r>
+              <a:rPr lang="da-DK" sz="1100" dirty="0" smtClean="0">
+                <a:solidFill>
+                  <a:schemeClr val="tx1"/>
+                </a:solidFill>
+              </a:rPr>
+              <a:t> sensor</a:t>
+            </a:r>
+            <a:endParaRPr lang="da-DK" sz="1100" dirty="0">
+              <a:solidFill>
+                <a:schemeClr val="tx1"/>
+              </a:solidFill>
+            </a:endParaRPr>
+          </a:p>
+        </p:txBody>
+      </p:sp>
+      <p:cxnSp>
+        <p:nvCxnSpPr>
+          <p:cNvPr id="180" name="Lige pilforbindelse 179"/>
+          <p:cNvCxnSpPr/>
+          <p:nvPr/>
+        </p:nvCxnSpPr>
+        <p:spPr>
+          <a:xfrm>
+            <a:off x="7545107" y="2083641"/>
+            <a:ext cx="0" cy="193341"/>
+          </a:xfrm>
+          <a:prstGeom prst="straightConnector1">
+            <a:avLst/>
+          </a:prstGeom>
+          <a:ln>
+            <a:tailEnd type="arrow"/>
+          </a:ln>
+        </p:spPr>
+        <p:style>
+          <a:lnRef idx="2">
+            <a:schemeClr val="accent4"/>
+          </a:lnRef>
+          <a:fillRef idx="0">
+            <a:schemeClr val="accent4"/>
+          </a:fillRef>
+          <a:effectRef idx="1">
+            <a:schemeClr val="accent4"/>
+          </a:effectRef>
+          <a:fontRef idx="minor">
+            <a:schemeClr val="tx1"/>
+          </a:fontRef>
+        </p:style>
+      </p:cxnSp>
+      <p:cxnSp>
+        <p:nvCxnSpPr>
+          <p:cNvPr id="186" name="Vinklet forbindelse 185"/>
+          <p:cNvCxnSpPr>
+            <a:stCxn id="174" idx="2"/>
+          </p:cNvCxnSpPr>
+          <p:nvPr/>
+        </p:nvCxnSpPr>
+        <p:spPr>
+          <a:xfrm rot="5400000">
+            <a:off x="7820392" y="1713556"/>
+            <a:ext cx="94801" cy="645369"/>
+          </a:xfrm>
+          <a:prstGeom prst="bentConnector2">
+            <a:avLst/>
+          </a:prstGeom>
+        </p:spPr>
+        <p:style>
+          <a:lnRef idx="2">
+            <a:schemeClr val="accent4"/>
+          </a:lnRef>
+          <a:fillRef idx="0">
+            <a:schemeClr val="accent4"/>
+          </a:fillRef>
+          <a:effectRef idx="1">
+            <a:schemeClr val="accent4"/>
+          </a:effectRef>
+          <a:fontRef idx="minor">
+            <a:schemeClr val="tx1"/>
+          </a:fontRef>
+        </p:style>
+      </p:cxnSp>
+      <p:cxnSp>
+        <p:nvCxnSpPr>
+          <p:cNvPr id="194" name="Lige pilforbindelse 193"/>
+          <p:cNvCxnSpPr/>
+          <p:nvPr/>
+        </p:nvCxnSpPr>
+        <p:spPr>
+          <a:xfrm flipV="1">
+            <a:off x="7545107" y="2636912"/>
+            <a:ext cx="0" cy="215908"/>
+          </a:xfrm>
+          <a:prstGeom prst="straightConnector1">
+            <a:avLst/>
+          </a:prstGeom>
+          <a:ln>
+            <a:tailEnd type="arrow"/>
+          </a:ln>
+        </p:spPr>
+        <p:style>
+          <a:lnRef idx="2">
+            <a:schemeClr val="accent4"/>
+          </a:lnRef>
+          <a:fillRef idx="0">
+            <a:schemeClr val="accent4"/>
+          </a:fillRef>
+          <a:effectRef idx="1">
+            <a:schemeClr val="accent4"/>
+          </a:effectRef>
+          <a:fontRef idx="minor">
+            <a:schemeClr val="tx1"/>
+          </a:fontRef>
+        </p:style>
+      </p:cxnSp>
+      <p:cxnSp>
+        <p:nvCxnSpPr>
+          <p:cNvPr id="199" name="Vinklet forbindelse 198"/>
+          <p:cNvCxnSpPr>
+            <a:stCxn id="173" idx="0"/>
+          </p:cNvCxnSpPr>
+          <p:nvPr/>
+        </p:nvCxnSpPr>
+        <p:spPr>
+          <a:xfrm rot="16200000" flipV="1">
+            <a:off x="7805730" y="2592198"/>
+            <a:ext cx="110351" cy="631596"/>
+          </a:xfrm>
+          <a:prstGeom prst="bentConnector2">
+            <a:avLst/>
+          </a:prstGeom>
+        </p:spPr>
+        <p:style>
+          <a:lnRef idx="2">
+            <a:schemeClr val="accent4"/>
+          </a:lnRef>
+          <a:fillRef idx="0">
+            <a:schemeClr val="accent4"/>
+          </a:fillRef>
+          <a:effectRef idx="1">
+            <a:schemeClr val="accent4"/>
+          </a:effectRef>
+          <a:fontRef idx="minor">
+            <a:schemeClr val="tx1"/>
+          </a:fontRef>
+        </p:style>
+      </p:cxnSp>
+      <p:cxnSp>
+        <p:nvCxnSpPr>
+          <p:cNvPr id="208" name="Lige pilforbindelse 207"/>
+          <p:cNvCxnSpPr>
+            <a:endCxn id="39" idx="0"/>
+          </p:cNvCxnSpPr>
+          <p:nvPr/>
+        </p:nvCxnSpPr>
+        <p:spPr>
+          <a:xfrm>
+            <a:off x="2997174" y="3381380"/>
+            <a:ext cx="0" cy="335652"/>
+          </a:xfrm>
+          <a:prstGeom prst="straightConnector1">
+            <a:avLst/>
+          </a:prstGeom>
+          <a:ln>
+            <a:tailEnd type="arrow"/>
+          </a:ln>
+        </p:spPr>
+        <p:style>
+          <a:lnRef idx="2">
+            <a:schemeClr val="accent6"/>
+          </a:lnRef>
+          <a:fillRef idx="0">
+            <a:schemeClr val="accent6"/>
+          </a:fillRef>
+          <a:effectRef idx="1">
+            <a:schemeClr val="accent6"/>
+          </a:effectRef>
+          <a:fontRef idx="minor">
+            <a:schemeClr val="tx1"/>
+          </a:fontRef>
+        </p:style>
+      </p:cxnSp>
+      <p:cxnSp>
+        <p:nvCxnSpPr>
+          <p:cNvPr id="56" name="Lige pilforbindelse 55"/>
+          <p:cNvCxnSpPr/>
+          <p:nvPr/>
+        </p:nvCxnSpPr>
+        <p:spPr>
+          <a:xfrm>
+            <a:off x="467544" y="2565190"/>
+            <a:ext cx="364588" cy="0"/>
+          </a:xfrm>
+          <a:prstGeom prst="straightConnector1">
+            <a:avLst/>
+          </a:prstGeom>
+          <a:ln>
+            <a:tailEnd type="arrow"/>
+          </a:ln>
+        </p:spPr>
+        <p:style>
+          <a:lnRef idx="2">
+            <a:schemeClr val="accent2"/>
+          </a:lnRef>
+          <a:fillRef idx="0">
+            <a:schemeClr val="accent2"/>
+          </a:fillRef>
+          <a:effectRef idx="1">
+            <a:schemeClr val="accent2"/>
+          </a:effectRef>
+          <a:fontRef idx="minor">
+            <a:schemeClr val="tx1"/>
+          </a:fontRef>
+        </p:style>
+      </p:cxnSp>
+      <p:cxnSp>
+        <p:nvCxnSpPr>
+          <p:cNvPr id="95" name="Lige pilforbindelse 94"/>
+          <p:cNvCxnSpPr/>
+          <p:nvPr/>
+        </p:nvCxnSpPr>
+        <p:spPr>
+          <a:xfrm>
+            <a:off x="462996" y="2348880"/>
+            <a:ext cx="364588" cy="0"/>
+          </a:xfrm>
+          <a:prstGeom prst="straightConnector1">
+            <a:avLst/>
+          </a:prstGeom>
+          <a:ln>
+            <a:tailEnd type="arrow"/>
+          </a:ln>
+        </p:spPr>
+        <p:style>
+          <a:lnRef idx="2">
+            <a:schemeClr val="accent2"/>
+          </a:lnRef>
+          <a:fillRef idx="0">
+            <a:schemeClr val="accent2"/>
+          </a:fillRef>
+          <a:effectRef idx="1">
+            <a:schemeClr val="accent2"/>
+          </a:effectRef>
+          <a:fontRef idx="minor">
+            <a:schemeClr val="tx1"/>
+          </a:fontRef>
+        </p:style>
+      </p:cxnSp>
+      <p:cxnSp>
+        <p:nvCxnSpPr>
+          <p:cNvPr id="61" name="Vinklet forbindelse 60"/>
+          <p:cNvCxnSpPr>
+            <a:stCxn id="34" idx="1"/>
+          </p:cNvCxnSpPr>
+          <p:nvPr/>
+        </p:nvCxnSpPr>
+        <p:spPr>
+          <a:xfrm rot="10800000" flipV="1">
+            <a:off x="467545" y="499464"/>
+            <a:ext cx="169099" cy="1857701"/>
+          </a:xfrm>
+          <a:prstGeom prst="bentConnector2">
+            <a:avLst/>
+          </a:prstGeom>
+        </p:spPr>
+        <p:style>
+          <a:lnRef idx="2">
+            <a:schemeClr val="accent2"/>
+          </a:lnRef>
+          <a:fillRef idx="0">
+            <a:schemeClr val="accent2"/>
+          </a:fillRef>
+          <a:effectRef idx="1">
+            <a:schemeClr val="accent2"/>
+          </a:effectRef>
+          <a:fontRef idx="minor">
+            <a:schemeClr val="tx1"/>
+          </a:fontRef>
+        </p:style>
+      </p:cxnSp>
+      <p:cxnSp>
+        <p:nvCxnSpPr>
+          <p:cNvPr id="63" name="Vinklet forbindelse 62"/>
+          <p:cNvCxnSpPr>
+            <a:stCxn id="33" idx="1"/>
+          </p:cNvCxnSpPr>
+          <p:nvPr/>
+        </p:nvCxnSpPr>
+        <p:spPr>
+          <a:xfrm rot="10800000">
+            <a:off x="467545" y="2564905"/>
+            <a:ext cx="202286" cy="1910069"/>
+          </a:xfrm>
+          <a:prstGeom prst="bentConnector2">
+            <a:avLst/>
+          </a:prstGeom>
+        </p:spPr>
+        <p:style>
+          <a:lnRef idx="2">
+            <a:schemeClr val="accent2"/>
+          </a:lnRef>
+          <a:fillRef idx="0">
+            <a:schemeClr val="accent2"/>
+          </a:fillRef>
+          <a:effectRef idx="1">
+            <a:schemeClr val="accent2"/>
+          </a:effectRef>
+          <a:fontRef idx="minor">
+            <a:schemeClr val="tx1"/>
+          </a:fontRef>
+        </p:style>
+      </p:cxnSp>
+      <p:cxnSp>
+        <p:nvCxnSpPr>
+          <p:cNvPr id="68" name="Lige pilforbindelse 67"/>
+          <p:cNvCxnSpPr>
+            <a:stCxn id="48" idx="2"/>
+            <a:endCxn id="40" idx="0"/>
+          </p:cNvCxnSpPr>
+          <p:nvPr/>
+        </p:nvCxnSpPr>
+        <p:spPr>
+          <a:xfrm>
+            <a:off x="1915324" y="1749600"/>
+            <a:ext cx="2056" cy="136019"/>
+          </a:xfrm>
+          <a:prstGeom prst="straightConnector1">
+            <a:avLst/>
+          </a:prstGeom>
+          <a:ln>
+            <a:tailEnd type="arrow"/>
+          </a:ln>
+        </p:spPr>
+        <p:style>
+          <a:lnRef idx="2">
+            <a:schemeClr val="accent2"/>
+          </a:lnRef>
+          <a:fillRef idx="0">
+            <a:schemeClr val="accent2"/>
+          </a:fillRef>
+          <a:effectRef idx="1">
+            <a:schemeClr val="accent2"/>
+          </a:effectRef>
+          <a:fontRef idx="minor">
+            <a:schemeClr val="tx1"/>
+          </a:fontRef>
+        </p:style>
+      </p:cxnSp>
+      <p:sp>
+        <p:nvSpPr>
+          <p:cNvPr id="115" name="TextBox 31"/>
+          <p:cNvSpPr txBox="1"/>
+          <p:nvPr/>
+        </p:nvSpPr>
+        <p:spPr>
+          <a:xfrm>
+            <a:off x="537535" y="3685744"/>
+            <a:ext cx="1290738" cy="261610"/>
+          </a:xfrm>
+          <a:prstGeom prst="rect">
+            <a:avLst/>
+          </a:prstGeom>
+        </p:spPr>
+        <p:style>
+          <a:lnRef idx="0">
+            <a:schemeClr val="accent5"/>
+          </a:lnRef>
+          <a:fillRef idx="3">
+            <a:schemeClr val="accent5"/>
+          </a:fillRef>
+          <a:effectRef idx="3">
+            <a:schemeClr val="accent5"/>
+          </a:effectRef>
+          <a:fontRef idx="minor">
+            <a:schemeClr val="lt1"/>
+          </a:fontRef>
+        </p:style>
+        <p:txBody>
+          <a:bodyPr wrap="none" rtlCol="0">
+            <a:spAutoFit/>
+          </a:bodyPr>
+          <a:lstStyle/>
+          <a:p>
+            <a:r>
+              <a:rPr lang="da-DK" sz="1100" dirty="0" err="1" smtClean="0">
+                <a:solidFill>
+                  <a:schemeClr val="tx1"/>
+                </a:solidFill>
+              </a:rPr>
+              <a:t>Shock</a:t>
+            </a:r>
+            <a:r>
+              <a:rPr lang="da-DK" sz="1100" dirty="0" smtClean="0">
+                <a:solidFill>
+                  <a:schemeClr val="tx1"/>
+                </a:solidFill>
+              </a:rPr>
+              <a:t> </a:t>
+            </a:r>
+            <a:r>
+              <a:rPr lang="da-DK" sz="1100" dirty="0" err="1" smtClean="0">
+                <a:solidFill>
+                  <a:schemeClr val="tx1"/>
+                </a:solidFill>
+              </a:rPr>
+              <a:t>travel</a:t>
+            </a:r>
+            <a:r>
+              <a:rPr lang="da-DK" sz="1100" dirty="0" smtClean="0">
+                <a:solidFill>
+                  <a:schemeClr val="tx1"/>
+                </a:solidFill>
+              </a:rPr>
+              <a:t> sensor</a:t>
+            </a:r>
+            <a:endParaRPr lang="da-DK" sz="1100" dirty="0">
+              <a:solidFill>
+                <a:schemeClr val="tx1"/>
+              </a:solidFill>
+            </a:endParaRPr>
+          </a:p>
+        </p:txBody>
+      </p:sp>
+      <p:sp>
+        <p:nvSpPr>
+          <p:cNvPr id="116" name="TextBox 31"/>
+          <p:cNvSpPr txBox="1"/>
+          <p:nvPr/>
+        </p:nvSpPr>
+        <p:spPr>
+          <a:xfrm>
+            <a:off x="536949" y="1011499"/>
+            <a:ext cx="1290738" cy="261610"/>
+          </a:xfrm>
+          <a:prstGeom prst="rect">
+            <a:avLst/>
+          </a:prstGeom>
+        </p:spPr>
+        <p:style>
+          <a:lnRef idx="0">
+            <a:schemeClr val="accent5"/>
+          </a:lnRef>
+          <a:fillRef idx="3">
+            <a:schemeClr val="accent5"/>
+          </a:fillRef>
+          <a:effectRef idx="3">
+            <a:schemeClr val="accent5"/>
+          </a:effectRef>
+          <a:fontRef idx="minor">
+            <a:schemeClr val="lt1"/>
+          </a:fontRef>
+        </p:style>
+        <p:txBody>
+          <a:bodyPr wrap="none" rtlCol="0">
+            <a:spAutoFit/>
+          </a:bodyPr>
+          <a:lstStyle/>
+          <a:p>
+            <a:r>
+              <a:rPr lang="da-DK" sz="1100" dirty="0" err="1" smtClean="0">
+                <a:solidFill>
+                  <a:schemeClr val="tx1"/>
+                </a:solidFill>
+              </a:rPr>
+              <a:t>Shock</a:t>
+            </a:r>
+            <a:r>
+              <a:rPr lang="da-DK" sz="1100" dirty="0" smtClean="0">
+                <a:solidFill>
+                  <a:schemeClr val="tx1"/>
+                </a:solidFill>
+              </a:rPr>
+              <a:t> </a:t>
+            </a:r>
+            <a:r>
+              <a:rPr lang="da-DK" sz="1100" dirty="0" err="1" smtClean="0">
+                <a:solidFill>
+                  <a:schemeClr val="tx1"/>
+                </a:solidFill>
+              </a:rPr>
+              <a:t>travel</a:t>
+            </a:r>
+            <a:r>
+              <a:rPr lang="da-DK" sz="1100" dirty="0" smtClean="0">
+                <a:solidFill>
+                  <a:schemeClr val="tx1"/>
+                </a:solidFill>
+              </a:rPr>
+              <a:t> sensor</a:t>
+            </a:r>
+            <a:endParaRPr lang="da-DK" sz="1100" dirty="0">
+              <a:solidFill>
+                <a:schemeClr val="tx1"/>
+              </a:solidFill>
+            </a:endParaRPr>
+          </a:p>
+        </p:txBody>
+      </p:sp>
+      <p:cxnSp>
+        <p:nvCxnSpPr>
+          <p:cNvPr id="74" name="Lige pilforbindelse 73"/>
+          <p:cNvCxnSpPr/>
+          <p:nvPr/>
+        </p:nvCxnSpPr>
+        <p:spPr>
+          <a:xfrm flipV="1">
+            <a:off x="899592" y="2618776"/>
+            <a:ext cx="0" cy="1066968"/>
+          </a:xfrm>
+          <a:prstGeom prst="straightConnector1">
+            <a:avLst/>
+          </a:prstGeom>
+          <a:ln>
+            <a:tailEnd type="arrow"/>
+          </a:ln>
+        </p:spPr>
+        <p:style>
+          <a:lnRef idx="2">
+            <a:schemeClr val="accent4"/>
+          </a:lnRef>
+          <a:fillRef idx="0">
+            <a:schemeClr val="accent4"/>
+          </a:fillRef>
+          <a:effectRef idx="1">
+            <a:schemeClr val="accent4"/>
+          </a:effectRef>
+          <a:fontRef idx="minor">
+            <a:schemeClr val="tx1"/>
+          </a:fontRef>
+        </p:style>
+      </p:cxnSp>
+      <p:cxnSp>
+        <p:nvCxnSpPr>
+          <p:cNvPr id="76" name="Lige pilforbindelse 75"/>
+          <p:cNvCxnSpPr/>
+          <p:nvPr/>
+        </p:nvCxnSpPr>
+        <p:spPr>
+          <a:xfrm>
+            <a:off x="899592" y="1273109"/>
+            <a:ext cx="0" cy="967759"/>
+          </a:xfrm>
+          <a:prstGeom prst="straightConnector1">
+            <a:avLst/>
+          </a:prstGeom>
+          <a:ln>
+            <a:tailEnd type="arrow"/>
+          </a:ln>
+        </p:spPr>
+        <p:style>
+          <a:lnRef idx="2">
+            <a:schemeClr val="accent4"/>
+          </a:lnRef>
+          <a:fillRef idx="0">
+            <a:schemeClr val="accent4"/>
+          </a:fillRef>
+          <a:effectRef idx="1">
+            <a:schemeClr val="accent4"/>
+          </a:effectRef>
+          <a:fontRef idx="minor">
+            <a:schemeClr val="tx1"/>
+          </a:fontRef>
+        </p:style>
+      </p:cxnSp>
     </p:spTree>
     <p:extLst>
       <p:ext uri="{BB962C8B-B14F-4D97-AF65-F5344CB8AC3E}">
@@ -9173,7 +8071,46 @@
       </a:bgFillStyleLst>
     </a:fmtScheme>
   </a:themeElements>
-  <a:objectDefaults/>
+  <a:objectDefaults>
+    <a:spDef>
+      <a:spPr>
+        <a:solidFill>
+          <a:schemeClr val="bg2">
+            <a:lumMod val="90000"/>
+          </a:schemeClr>
+        </a:solidFill>
+        <a:ln>
+          <a:solidFill>
+            <a:schemeClr val="bg2">
+              <a:lumMod val="90000"/>
+            </a:schemeClr>
+          </a:solidFill>
+        </a:ln>
+      </a:spPr>
+      <a:bodyPr rtlCol="0" anchor="ctr"/>
+      <a:lstStyle>
+        <a:defPPr algn="ctr">
+          <a:defRPr dirty="0" smtClean="0"/>
+        </a:defPPr>
+      </a:lstStyle>
+      <a:style>
+        <a:lnRef idx="2">
+          <a:schemeClr val="accent1">
+            <a:shade val="50000"/>
+          </a:schemeClr>
+        </a:lnRef>
+        <a:fillRef idx="1">
+          <a:schemeClr val="accent1"/>
+        </a:fillRef>
+        <a:effectRef idx="0">
+          <a:schemeClr val="accent1"/>
+        </a:effectRef>
+        <a:fontRef idx="minor">
+          <a:schemeClr val="lt1"/>
+        </a:fontRef>
+      </a:style>
+    </a:spDef>
+  </a:objectDefaults>
   <a:extraClrSchemeLst/>
 </a:theme>
 </file>
--- a/eagle/oversigt/UCcarOverview.pptx
+++ b/eagle/oversigt/UCcarOverview.pptx
@@ -289,7 +289,7 @@
           <a:p>
             <a:fld id="{4CF1D53C-3199-4979-A1A9-E22E54304434}" type="datetimeFigureOut">
               <a:rPr lang="da-DK" smtClean="0"/>
-              <a:t>27-06-2014</a:t>
+              <a:t>30-06-2014</a:t>
             </a:fld>
             <a:endParaRPr lang="da-DK"/>
           </a:p>
@@ -459,7 +459,7 @@
           <a:p>
             <a:fld id="{4CF1D53C-3199-4979-A1A9-E22E54304434}" type="datetimeFigureOut">
               <a:rPr lang="da-DK" smtClean="0"/>
-              <a:t>27-06-2014</a:t>
+              <a:t>30-06-2014</a:t>
             </a:fld>
             <a:endParaRPr lang="da-DK"/>
           </a:p>
@@ -639,7 +639,7 @@
           <a:p>
             <a:fld id="{4CF1D53C-3199-4979-A1A9-E22E54304434}" type="datetimeFigureOut">
               <a:rPr lang="da-DK" smtClean="0"/>
-              <a:t>27-06-2014</a:t>
+              <a:t>30-06-2014</a:t>
             </a:fld>
             <a:endParaRPr lang="da-DK"/>
           </a:p>
@@ -809,7 +809,7 @@
           <a:p>
             <a:fld id="{4CF1D53C-3199-4979-A1A9-E22E54304434}" type="datetimeFigureOut">
               <a:rPr lang="da-DK" smtClean="0"/>
-              <a:t>27-06-2014</a:t>
+              <a:t>30-06-2014</a:t>
             </a:fld>
             <a:endParaRPr lang="da-DK"/>
           </a:p>
@@ -1055,7 +1055,7 @@
           <a:p>
             <a:fld id="{4CF1D53C-3199-4979-A1A9-E22E54304434}" type="datetimeFigureOut">
               <a:rPr lang="da-DK" smtClean="0"/>
-              <a:t>27-06-2014</a:t>
+              <a:t>30-06-2014</a:t>
             </a:fld>
             <a:endParaRPr lang="da-DK"/>
           </a:p>
@@ -1343,7 +1343,7 @@
           <a:p>
             <a:fld id="{4CF1D53C-3199-4979-A1A9-E22E54304434}" type="datetimeFigureOut">
               <a:rPr lang="da-DK" smtClean="0"/>
-              <a:t>27-06-2014</a:t>
+              <a:t>30-06-2014</a:t>
             </a:fld>
             <a:endParaRPr lang="da-DK"/>
           </a:p>
@@ -1765,7 +1765,7 @@
           <a:p>
             <a:fld id="{4CF1D53C-3199-4979-A1A9-E22E54304434}" type="datetimeFigureOut">
               <a:rPr lang="da-DK" smtClean="0"/>
-              <a:t>27-06-2014</a:t>
+              <a:t>30-06-2014</a:t>
             </a:fld>
             <a:endParaRPr lang="da-DK"/>
           </a:p>
@@ -1883,7 +1883,7 @@
           <a:p>
             <a:fld id="{4CF1D53C-3199-4979-A1A9-E22E54304434}" type="datetimeFigureOut">
               <a:rPr lang="da-DK" smtClean="0"/>
-              <a:t>27-06-2014</a:t>
+              <a:t>30-06-2014</a:t>
             </a:fld>
             <a:endParaRPr lang="da-DK"/>
           </a:p>
@@ -1978,7 +1978,7 @@
           <a:p>
             <a:fld id="{4CF1D53C-3199-4979-A1A9-E22E54304434}" type="datetimeFigureOut">
               <a:rPr lang="da-DK" smtClean="0"/>
-              <a:t>27-06-2014</a:t>
+              <a:t>30-06-2014</a:t>
             </a:fld>
             <a:endParaRPr lang="da-DK"/>
           </a:p>
@@ -2255,7 +2255,7 @@
           <a:p>
             <a:fld id="{4CF1D53C-3199-4979-A1A9-E22E54304434}" type="datetimeFigureOut">
               <a:rPr lang="da-DK" smtClean="0"/>
-              <a:t>27-06-2014</a:t>
+              <a:t>30-06-2014</a:t>
             </a:fld>
             <a:endParaRPr lang="da-DK"/>
           </a:p>
@@ -2508,7 +2508,7 @@
           <a:p>
             <a:fld id="{4CF1D53C-3199-4979-A1A9-E22E54304434}" type="datetimeFigureOut">
               <a:rPr lang="da-DK" smtClean="0"/>
-              <a:t>27-06-2014</a:t>
+              <a:t>30-06-2014</a:t>
             </a:fld>
             <a:endParaRPr lang="da-DK"/>
           </a:p>
@@ -2721,7 +2721,7 @@
           <a:p>
             <a:fld id="{4CF1D53C-3199-4979-A1A9-E22E54304434}" type="datetimeFigureOut">
               <a:rPr lang="da-DK" smtClean="0"/>
-              <a:t>27-06-2014</a:t>
+              <a:t>30-06-2014</a:t>
             </a:fld>
             <a:endParaRPr lang="da-DK"/>
           </a:p>
@@ -7232,7 +7232,7 @@
         </p:nvCxnSpPr>
         <p:spPr>
           <a:xfrm>
-            <a:off x="7545107" y="2083641"/>
+            <a:off x="7557299" y="2083641"/>
             <a:ext cx="0" cy="193341"/>
           </a:xfrm>
           <a:prstGeom prst="straightConnector1">
@@ -7297,7 +7297,7 @@
         </p:nvCxnSpPr>
         <p:spPr>
           <a:xfrm flipV="1">
-            <a:off x="7545107" y="2636912"/>
+            <a:off x="7551203" y="2636912"/>
             <a:ext cx="0" cy="215908"/>
           </a:xfrm>
           <a:prstGeom prst="straightConnector1">
@@ -7397,7 +7397,7 @@
         </p:nvCxnSpPr>
         <p:spPr>
           <a:xfrm>
-            <a:off x="467544" y="2565190"/>
+            <a:off x="467544" y="2577096"/>
             <a:ext cx="364588" cy="0"/>
           </a:xfrm>
           <a:prstGeom prst="straightConnector1">
@@ -7630,81 +7630,6 @@
           </a:p>
         </p:txBody>
       </p:sp>
-      <p:sp>
-        <p:nvSpPr>
-          <p:cNvPr id="116" name="TextBox 31"/>
-          <p:cNvSpPr txBox="1"/>
-          <p:nvPr/>
-        </p:nvSpPr>
-        <p:spPr>
-          <a:xfrm>
-            <a:off x="536949" y="1011499"/>
-            <a:ext cx="1290738" cy="261610"/>
-          </a:xfrm>
-          <a:prstGeom prst="rect">
-            <a:avLst/>
-          </a:prstGeom>
-        </p:spPr>
-        <p:style>
-          <a:lnRef idx="0">
-            <a:schemeClr val="accent5"/>
-          </a:lnRef>
-          <a:fillRef idx="3">
-            <a:schemeClr val="accent5"/>
-          </a:fillRef>
-          <a:effectRef idx="3">
-            <a:schemeClr val="accent5"/>
-          </a:effectRef>
-          <a:fontRef idx="minor">
-            <a:schemeClr val="lt1"/>
-          </a:fontRef>
-        </p:style>
-        <p:txBody>
-          <a:bodyPr wrap="none" rtlCol="0">
-            <a:spAutoFit/>
-          </a:bodyPr>
-          <a:lstStyle/>
-          <a:p>
-            <a:r>
-              <a:rPr lang="da-DK" sz="1100" dirty="0" err="1" smtClean="0">
-                <a:solidFill>
-                  <a:schemeClr val="tx1"/>
-                </a:solidFill>
-              </a:rPr>
-              <a:t>Shock</a:t>
-            </a:r>
-            <a:r>
-              <a:rPr lang="da-DK" sz="1100" dirty="0" smtClean="0">
-                <a:solidFill>
-                  <a:schemeClr val="tx1"/>
-                </a:solidFill>
-              </a:rPr>
-              <a:t> </a:t>
-            </a:r>
-            <a:r>
-              <a:rPr lang="da-DK" sz="1100" dirty="0" err="1" smtClean="0">
-                <a:solidFill>
-                  <a:schemeClr val="tx1"/>
-                </a:solidFill>
-              </a:rPr>
-              <a:t>travel</a:t>
-            </a:r>
-            <a:r>
-              <a:rPr lang="da-DK" sz="1100" dirty="0" smtClean="0">
-                <a:solidFill>
-                  <a:schemeClr val="tx1"/>
-                </a:solidFill>
-              </a:rPr>
-              <a:t> sensor</a:t>
-            </a:r>
-            <a:endParaRPr lang="da-DK" sz="1100" dirty="0">
-              <a:solidFill>
-                <a:schemeClr val="tx1"/>
-              </a:solidFill>
-            </a:endParaRPr>
-          </a:p>
-        </p:txBody>
-      </p:sp>
       <p:cxnSp>
         <p:nvCxnSpPr>
           <p:cNvPr id="74" name="Lige pilforbindelse 73"/>
@@ -7746,10 +7671,184 @@
         </p:nvCxnSpPr>
         <p:spPr>
           <a:xfrm>
-            <a:off x="899592" y="1273109"/>
-            <a:ext cx="0" cy="967759"/>
+            <a:off x="899592" y="1092514"/>
+            <a:ext cx="0" cy="1148354"/>
           </a:xfrm>
           <a:prstGeom prst="straightConnector1">
+            <a:avLst/>
+          </a:prstGeom>
+          <a:ln>
+            <a:tailEnd type="arrow"/>
+          </a:ln>
+        </p:spPr>
+        <p:style>
+          <a:lnRef idx="2">
+            <a:schemeClr val="accent4"/>
+          </a:lnRef>
+          <a:fillRef idx="0">
+            <a:schemeClr val="accent4"/>
+          </a:fillRef>
+          <a:effectRef idx="1">
+            <a:schemeClr val="accent4"/>
+          </a:effectRef>
+          <a:fontRef idx="minor">
+            <a:schemeClr val="tx1"/>
+          </a:fontRef>
+        </p:style>
+      </p:cxnSp>
+      <p:cxnSp>
+        <p:nvCxnSpPr>
+          <p:cNvPr id="6" name="Lige forbindelse 5"/>
+          <p:cNvCxnSpPr/>
+          <p:nvPr/>
+        </p:nvCxnSpPr>
+        <p:spPr>
+          <a:xfrm flipV="1">
+            <a:off x="1657950" y="2565190"/>
+            <a:ext cx="0" cy="638204"/>
+          </a:xfrm>
+          <a:prstGeom prst="line">
+            <a:avLst/>
+          </a:prstGeom>
+        </p:spPr>
+        <p:style>
+          <a:lnRef idx="2">
+            <a:schemeClr val="accent4"/>
+          </a:lnRef>
+          <a:fillRef idx="0">
+            <a:schemeClr val="accent4"/>
+          </a:fillRef>
+          <a:effectRef idx="1">
+            <a:schemeClr val="accent4"/>
+          </a:effectRef>
+          <a:fontRef idx="minor">
+            <a:schemeClr val="tx1"/>
+          </a:fontRef>
+        </p:style>
+      </p:cxnSp>
+      <p:cxnSp>
+        <p:nvCxnSpPr>
+          <p:cNvPr id="11" name="Lige pilforbindelse 10"/>
+          <p:cNvCxnSpPr/>
+          <p:nvPr/>
+        </p:nvCxnSpPr>
+        <p:spPr>
+          <a:xfrm flipH="1">
+            <a:off x="1408196" y="2577096"/>
+            <a:ext cx="249754" cy="0"/>
+          </a:xfrm>
+          <a:prstGeom prst="straightConnector1">
+            <a:avLst/>
+          </a:prstGeom>
+          <a:ln>
+            <a:tailEnd type="arrow"/>
+          </a:ln>
+        </p:spPr>
+        <p:style>
+          <a:lnRef idx="2">
+            <a:schemeClr val="accent4"/>
+          </a:lnRef>
+          <a:fillRef idx="0">
+            <a:schemeClr val="accent4"/>
+          </a:fillRef>
+          <a:effectRef idx="1">
+            <a:schemeClr val="accent4"/>
+          </a:effectRef>
+          <a:fontRef idx="minor">
+            <a:schemeClr val="tx1"/>
+          </a:fontRef>
+        </p:style>
+      </p:cxnSp>
+      <p:sp>
+        <p:nvSpPr>
+          <p:cNvPr id="116" name="TextBox 31"/>
+          <p:cNvSpPr txBox="1"/>
+          <p:nvPr/>
+        </p:nvSpPr>
+        <p:spPr>
+          <a:xfrm>
+            <a:off x="536949" y="896302"/>
+            <a:ext cx="1290738" cy="261610"/>
+          </a:xfrm>
+          <a:prstGeom prst="rect">
+            <a:avLst/>
+          </a:prstGeom>
+        </p:spPr>
+        <p:style>
+          <a:lnRef idx="0">
+            <a:schemeClr val="accent5"/>
+          </a:lnRef>
+          <a:fillRef idx="3">
+            <a:schemeClr val="accent5"/>
+          </a:fillRef>
+          <a:effectRef idx="3">
+            <a:schemeClr val="accent5"/>
+          </a:effectRef>
+          <a:fontRef idx="minor">
+            <a:schemeClr val="lt1"/>
+          </a:fontRef>
+        </p:style>
+        <p:txBody>
+          <a:bodyPr wrap="none" rtlCol="0">
+            <a:spAutoFit/>
+          </a:bodyPr>
+          <a:lstStyle/>
+          <a:p>
+            <a:r>
+              <a:rPr lang="da-DK" sz="1100" dirty="0" err="1" smtClean="0">
+                <a:solidFill>
+                  <a:schemeClr val="tx1"/>
+                </a:solidFill>
+              </a:rPr>
+              <a:t>Shock</a:t>
+            </a:r>
+            <a:r>
+              <a:rPr lang="da-DK" sz="1100" dirty="0" smtClean="0">
+                <a:solidFill>
+                  <a:schemeClr val="tx1"/>
+                </a:solidFill>
+              </a:rPr>
+              <a:t> </a:t>
+            </a:r>
+            <a:r>
+              <a:rPr lang="da-DK" sz="1100" dirty="0" err="1" smtClean="0">
+                <a:solidFill>
+                  <a:schemeClr val="tx1"/>
+                </a:solidFill>
+              </a:rPr>
+              <a:t>travel</a:t>
+            </a:r>
+            <a:r>
+              <a:rPr lang="da-DK" sz="1100" dirty="0" smtClean="0">
+                <a:solidFill>
+                  <a:schemeClr val="tx1"/>
+                </a:solidFill>
+              </a:rPr>
+              <a:t> sensor</a:t>
+            </a:r>
+            <a:endParaRPr lang="da-DK" sz="1100" dirty="0">
+              <a:solidFill>
+                <a:schemeClr val="tx1"/>
+              </a:solidFill>
+            </a:endParaRPr>
+          </a:p>
+        </p:txBody>
+      </p:sp>
+      <p:cxnSp>
+        <p:nvCxnSpPr>
+          <p:cNvPr id="22" name="Vinklet forbindelse 21"/>
+          <p:cNvCxnSpPr>
+            <a:stCxn id="46" idx="1"/>
+            <a:endCxn id="43" idx="0"/>
+          </p:cNvCxnSpPr>
+          <p:nvPr/>
+        </p:nvCxnSpPr>
+        <p:spPr>
+          <a:xfrm rot="10800000" flipV="1">
+            <a:off x="1120164" y="1223318"/>
+            <a:ext cx="1404192" cy="1017549"/>
+          </a:xfrm>
+          <a:prstGeom prst="bentConnector2">
             <a:avLst/>
           </a:prstGeom>
           <a:ln>

--- a/eagle/oversigt/UCcarOverview.pptx
+++ b/eagle/oversigt/UCcarOverview.pptx
@@ -289,9 +289,9 @@
           <a:p>
             <a:fld id="{4CF1D53C-3199-4979-A1A9-E22E54304434}" type="datetimeFigureOut">
               <a:rPr lang="da-DK" smtClean="0"/>
-              <a:t>30-06-2014</a:t>
+              <a:t>13-08-2014</a:t>
             </a:fld>
-            <a:endParaRPr lang="da-DK"/>
+            <a:endParaRPr lang="da-DK" dirty="0"/>
           </a:p>
         </p:txBody>
       </p:sp>
@@ -310,7 +310,7 @@
           <a:bodyPr/>
           <a:lstStyle/>
           <a:p>
-            <a:endParaRPr lang="da-DK"/>
+            <a:endParaRPr lang="da-DK" dirty="0"/>
           </a:p>
         </p:txBody>
       </p:sp>
@@ -333,7 +333,7 @@
               <a:rPr lang="da-DK" smtClean="0"/>
               <a:t>‹nr.›</a:t>
             </a:fld>
-            <a:endParaRPr lang="da-DK"/>
+            <a:endParaRPr lang="da-DK" dirty="0"/>
           </a:p>
         </p:txBody>
       </p:sp>
@@ -459,9 +459,9 @@
           <a:p>
             <a:fld id="{4CF1D53C-3199-4979-A1A9-E22E54304434}" type="datetimeFigureOut">
               <a:rPr lang="da-DK" smtClean="0"/>
-              <a:t>30-06-2014</a:t>
+              <a:t>13-08-2014</a:t>
             </a:fld>
-            <a:endParaRPr lang="da-DK"/>
+            <a:endParaRPr lang="da-DK" dirty="0"/>
           </a:p>
         </p:txBody>
       </p:sp>
@@ -480,7 +480,7 @@
           <a:bodyPr/>
           <a:lstStyle/>
           <a:p>
-            <a:endParaRPr lang="da-DK"/>
+            <a:endParaRPr lang="da-DK" dirty="0"/>
           </a:p>
         </p:txBody>
       </p:sp>
@@ -503,7 +503,7 @@
               <a:rPr lang="da-DK" smtClean="0"/>
               <a:t>‹nr.›</a:t>
             </a:fld>
-            <a:endParaRPr lang="da-DK"/>
+            <a:endParaRPr lang="da-DK" dirty="0"/>
           </a:p>
         </p:txBody>
       </p:sp>
@@ -639,9 +639,9 @@
           <a:p>
             <a:fld id="{4CF1D53C-3199-4979-A1A9-E22E54304434}" type="datetimeFigureOut">
               <a:rPr lang="da-DK" smtClean="0"/>
-              <a:t>30-06-2014</a:t>
+              <a:t>13-08-2014</a:t>
             </a:fld>
-            <a:endParaRPr lang="da-DK"/>
+            <a:endParaRPr lang="da-DK" dirty="0"/>
           </a:p>
         </p:txBody>
       </p:sp>
@@ -660,7 +660,7 @@
           <a:bodyPr/>
           <a:lstStyle/>
           <a:p>
-            <a:endParaRPr lang="da-DK"/>
+            <a:endParaRPr lang="da-DK" dirty="0"/>
           </a:p>
         </p:txBody>
       </p:sp>
@@ -683,7 +683,7 @@
               <a:rPr lang="da-DK" smtClean="0"/>
               <a:t>‹nr.›</a:t>
             </a:fld>
-            <a:endParaRPr lang="da-DK"/>
+            <a:endParaRPr lang="da-DK" dirty="0"/>
           </a:p>
         </p:txBody>
       </p:sp>
@@ -809,9 +809,9 @@
           <a:p>
             <a:fld id="{4CF1D53C-3199-4979-A1A9-E22E54304434}" type="datetimeFigureOut">
               <a:rPr lang="da-DK" smtClean="0"/>
-              <a:t>30-06-2014</a:t>
+              <a:t>13-08-2014</a:t>
             </a:fld>
-            <a:endParaRPr lang="da-DK"/>
+            <a:endParaRPr lang="da-DK" dirty="0"/>
           </a:p>
         </p:txBody>
       </p:sp>
@@ -830,7 +830,7 @@
           <a:bodyPr/>
           <a:lstStyle/>
           <a:p>
-            <a:endParaRPr lang="da-DK"/>
+            <a:endParaRPr lang="da-DK" dirty="0"/>
           </a:p>
         </p:txBody>
       </p:sp>
@@ -853,7 +853,7 @@
               <a:rPr lang="da-DK" smtClean="0"/>
               <a:t>‹nr.›</a:t>
             </a:fld>
-            <a:endParaRPr lang="da-DK"/>
+            <a:endParaRPr lang="da-DK" dirty="0"/>
           </a:p>
         </p:txBody>
       </p:sp>
@@ -1055,9 +1055,9 @@
           <a:p>
             <a:fld id="{4CF1D53C-3199-4979-A1A9-E22E54304434}" type="datetimeFigureOut">
               <a:rPr lang="da-DK" smtClean="0"/>
-              <a:t>30-06-2014</a:t>
+              <a:t>13-08-2014</a:t>
             </a:fld>
-            <a:endParaRPr lang="da-DK"/>
+            <a:endParaRPr lang="da-DK" dirty="0"/>
           </a:p>
         </p:txBody>
       </p:sp>
@@ -1076,7 +1076,7 @@
           <a:bodyPr/>
           <a:lstStyle/>
           <a:p>
-            <a:endParaRPr lang="da-DK"/>
+            <a:endParaRPr lang="da-DK" dirty="0"/>
           </a:p>
         </p:txBody>
       </p:sp>
@@ -1099,7 +1099,7 @@
               <a:rPr lang="da-DK" smtClean="0"/>
               <a:t>‹nr.›</a:t>
             </a:fld>
-            <a:endParaRPr lang="da-DK"/>
+            <a:endParaRPr lang="da-DK" dirty="0"/>
           </a:p>
         </p:txBody>
       </p:sp>
@@ -1343,9 +1343,9 @@
           <a:p>
             <a:fld id="{4CF1D53C-3199-4979-A1A9-E22E54304434}" type="datetimeFigureOut">
               <a:rPr lang="da-DK" smtClean="0"/>
-              <a:t>30-06-2014</a:t>
+              <a:t>13-08-2014</a:t>
             </a:fld>
-            <a:endParaRPr lang="da-DK"/>
+            <a:endParaRPr lang="da-DK" dirty="0"/>
           </a:p>
         </p:txBody>
       </p:sp>
@@ -1364,7 +1364,7 @@
           <a:bodyPr/>
           <a:lstStyle/>
           <a:p>
-            <a:endParaRPr lang="da-DK"/>
+            <a:endParaRPr lang="da-DK" dirty="0"/>
           </a:p>
         </p:txBody>
       </p:sp>
@@ -1387,7 +1387,7 @@
               <a:rPr lang="da-DK" smtClean="0"/>
               <a:t>‹nr.›</a:t>
             </a:fld>
-            <a:endParaRPr lang="da-DK"/>
+            <a:endParaRPr lang="da-DK" dirty="0"/>
           </a:p>
         </p:txBody>
       </p:sp>
@@ -1765,9 +1765,9 @@
           <a:p>
             <a:fld id="{4CF1D53C-3199-4979-A1A9-E22E54304434}" type="datetimeFigureOut">
               <a:rPr lang="da-DK" smtClean="0"/>
-              <a:t>30-06-2014</a:t>
+              <a:t>13-08-2014</a:t>
             </a:fld>
-            <a:endParaRPr lang="da-DK"/>
+            <a:endParaRPr lang="da-DK" dirty="0"/>
           </a:p>
         </p:txBody>
       </p:sp>
@@ -1786,7 +1786,7 @@
           <a:bodyPr/>
           <a:lstStyle/>
           <a:p>
-            <a:endParaRPr lang="da-DK"/>
+            <a:endParaRPr lang="da-DK" dirty="0"/>
           </a:p>
         </p:txBody>
       </p:sp>
@@ -1809,7 +1809,7 @@
               <a:rPr lang="da-DK" smtClean="0"/>
               <a:t>‹nr.›</a:t>
             </a:fld>
-            <a:endParaRPr lang="da-DK"/>
+            <a:endParaRPr lang="da-DK" dirty="0"/>
           </a:p>
         </p:txBody>
       </p:sp>
@@ -1883,9 +1883,9 @@
           <a:p>
             <a:fld id="{4CF1D53C-3199-4979-A1A9-E22E54304434}" type="datetimeFigureOut">
               <a:rPr lang="da-DK" smtClean="0"/>
-              <a:t>30-06-2014</a:t>
+              <a:t>13-08-2014</a:t>
             </a:fld>
-            <a:endParaRPr lang="da-DK"/>
+            <a:endParaRPr lang="da-DK" dirty="0"/>
           </a:p>
         </p:txBody>
       </p:sp>
@@ -1904,7 +1904,7 @@
           <a:bodyPr/>
           <a:lstStyle/>
           <a:p>
-            <a:endParaRPr lang="da-DK"/>
+            <a:endParaRPr lang="da-DK" dirty="0"/>
           </a:p>
         </p:txBody>
       </p:sp>
@@ -1927,7 +1927,7 @@
               <a:rPr lang="da-DK" smtClean="0"/>
               <a:t>‹nr.›</a:t>
             </a:fld>
-            <a:endParaRPr lang="da-DK"/>
+            <a:endParaRPr lang="da-DK" dirty="0"/>
           </a:p>
         </p:txBody>
       </p:sp>
@@ -1978,9 +1978,9 @@
           <a:p>
             <a:fld id="{4CF1D53C-3199-4979-A1A9-E22E54304434}" type="datetimeFigureOut">
               <a:rPr lang="da-DK" smtClean="0"/>
-              <a:t>30-06-2014</a:t>
+              <a:t>13-08-2014</a:t>
             </a:fld>
-            <a:endParaRPr lang="da-DK"/>
+            <a:endParaRPr lang="da-DK" dirty="0"/>
           </a:p>
         </p:txBody>
       </p:sp>
@@ -1999,7 +1999,7 @@
           <a:bodyPr/>
           <a:lstStyle/>
           <a:p>
-            <a:endParaRPr lang="da-DK"/>
+            <a:endParaRPr lang="da-DK" dirty="0"/>
           </a:p>
         </p:txBody>
       </p:sp>
@@ -2022,7 +2022,7 @@
               <a:rPr lang="da-DK" smtClean="0"/>
               <a:t>‹nr.›</a:t>
             </a:fld>
-            <a:endParaRPr lang="da-DK"/>
+            <a:endParaRPr lang="da-DK" dirty="0"/>
           </a:p>
         </p:txBody>
       </p:sp>
@@ -2255,9 +2255,9 @@
           <a:p>
             <a:fld id="{4CF1D53C-3199-4979-A1A9-E22E54304434}" type="datetimeFigureOut">
               <a:rPr lang="da-DK" smtClean="0"/>
-              <a:t>30-06-2014</a:t>
+              <a:t>13-08-2014</a:t>
             </a:fld>
-            <a:endParaRPr lang="da-DK"/>
+            <a:endParaRPr lang="da-DK" dirty="0"/>
           </a:p>
         </p:txBody>
       </p:sp>
@@ -2276,7 +2276,7 @@
           <a:bodyPr/>
           <a:lstStyle/>
           <a:p>
-            <a:endParaRPr lang="da-DK"/>
+            <a:endParaRPr lang="da-DK" dirty="0"/>
           </a:p>
         </p:txBody>
       </p:sp>
@@ -2299,7 +2299,7 @@
               <a:rPr lang="da-DK" smtClean="0"/>
               <a:t>‹nr.›</a:t>
             </a:fld>
-            <a:endParaRPr lang="da-DK"/>
+            <a:endParaRPr lang="da-DK" dirty="0"/>
           </a:p>
         </p:txBody>
       </p:sp>
@@ -2422,7 +2422,7 @@
             </a:lvl9pPr>
           </a:lstStyle>
           <a:p>
-            <a:endParaRPr lang="da-DK"/>
+            <a:endParaRPr lang="da-DK" dirty="0"/>
           </a:p>
         </p:txBody>
       </p:sp>
@@ -2508,9 +2508,9 @@
           <a:p>
             <a:fld id="{4CF1D53C-3199-4979-A1A9-E22E54304434}" type="datetimeFigureOut">
               <a:rPr lang="da-DK" smtClean="0"/>
-              <a:t>30-06-2014</a:t>
+              <a:t>13-08-2014</a:t>
             </a:fld>
-            <a:endParaRPr lang="da-DK"/>
+            <a:endParaRPr lang="da-DK" dirty="0"/>
           </a:p>
         </p:txBody>
       </p:sp>
@@ -2529,7 +2529,7 @@
           <a:bodyPr/>
           <a:lstStyle/>
           <a:p>
-            <a:endParaRPr lang="da-DK"/>
+            <a:endParaRPr lang="da-DK" dirty="0"/>
           </a:p>
         </p:txBody>
       </p:sp>
@@ -2552,7 +2552,7 @@
               <a:rPr lang="da-DK" smtClean="0"/>
               <a:t>‹nr.›</a:t>
             </a:fld>
-            <a:endParaRPr lang="da-DK"/>
+            <a:endParaRPr lang="da-DK" dirty="0"/>
           </a:p>
         </p:txBody>
       </p:sp>
@@ -2721,9 +2721,9 @@
           <a:p>
             <a:fld id="{4CF1D53C-3199-4979-A1A9-E22E54304434}" type="datetimeFigureOut">
               <a:rPr lang="da-DK" smtClean="0"/>
-              <a:t>30-06-2014</a:t>
+              <a:t>13-08-2014</a:t>
             </a:fld>
-            <a:endParaRPr lang="da-DK"/>
+            <a:endParaRPr lang="da-DK" dirty="0"/>
           </a:p>
         </p:txBody>
       </p:sp>
@@ -2760,7 +2760,7 @@
             </a:lvl1pPr>
           </a:lstStyle>
           <a:p>
-            <a:endParaRPr lang="da-DK"/>
+            <a:endParaRPr lang="da-DK" dirty="0"/>
           </a:p>
         </p:txBody>
       </p:sp>
@@ -2801,7 +2801,7 @@
               <a:rPr lang="da-DK" smtClean="0"/>
               <a:t>‹nr.›</a:t>
             </a:fld>
-            <a:endParaRPr lang="da-DK"/>
+            <a:endParaRPr lang="da-DK" dirty="0"/>
           </a:p>
         </p:txBody>
       </p:sp>
@@ -3205,7 +3205,7 @@
           <a:lstStyle/>
           <a:p>
             <a:pPr algn="ctr"/>
-            <a:endParaRPr lang="da-DK"/>
+            <a:endParaRPr lang="da-DK" dirty="0"/>
           </a:p>
         </p:txBody>
       </p:sp>
@@ -3257,7 +3257,7 @@
           <a:lstStyle/>
           <a:p>
             <a:pPr algn="ctr"/>
-            <a:endParaRPr lang="da-DK"/>
+            <a:endParaRPr lang="da-DK" dirty="0"/>
           </a:p>
         </p:txBody>
       </p:sp>
@@ -3303,7 +3303,7 @@
           <a:lstStyle/>
           <a:p>
             <a:pPr algn="ctr"/>
-            <a:endParaRPr lang="da-DK"/>
+            <a:endParaRPr lang="da-DK" dirty="0"/>
           </a:p>
         </p:txBody>
       </p:sp>
@@ -3349,7 +3349,7 @@
           <a:lstStyle/>
           <a:p>
             <a:pPr algn="ctr"/>
-            <a:endParaRPr lang="da-DK"/>
+            <a:endParaRPr lang="da-DK" dirty="0"/>
           </a:p>
         </p:txBody>
       </p:sp>
@@ -3538,7 +3538,7 @@
           <a:lstStyle/>
           <a:p>
             <a:pPr algn="ctr"/>
-            <a:endParaRPr lang="da-DK"/>
+            <a:endParaRPr lang="da-DK" dirty="0"/>
           </a:p>
         </p:txBody>
       </p:sp>
@@ -3621,7 +3621,7 @@
           <a:lstStyle/>
           <a:p>
             <a:pPr algn="ctr"/>
-            <a:endParaRPr lang="da-DK"/>
+            <a:endParaRPr lang="da-DK" dirty="0"/>
           </a:p>
         </p:txBody>
       </p:sp>
@@ -3710,7 +3710,7 @@
           <a:lstStyle/>
           <a:p>
             <a:pPr algn="ctr"/>
-            <a:endParaRPr lang="da-DK"/>
+            <a:endParaRPr lang="da-DK" dirty="0"/>
           </a:p>
         </p:txBody>
       </p:sp>
@@ -3759,7 +3759,7 @@
           <a:lstStyle/>
           <a:p>
             <a:pPr algn="ctr"/>
-            <a:endParaRPr lang="da-DK"/>
+            <a:endParaRPr lang="da-DK" dirty="0"/>
           </a:p>
         </p:txBody>
       </p:sp>
@@ -3843,7 +3843,7 @@
           <a:lstStyle/>
           <a:p>
             <a:pPr algn="ctr"/>
-            <a:endParaRPr lang="da-DK"/>
+            <a:endParaRPr lang="da-DK" dirty="0"/>
           </a:p>
         </p:txBody>
       </p:sp>
@@ -4442,7 +4442,7 @@
             <a:lstStyle/>
             <a:p>
               <a:pPr algn="ctr"/>
-              <a:endParaRPr lang="da-DK"/>
+              <a:endParaRPr lang="da-DK" dirty="0"/>
             </a:p>
           </p:txBody>
         </p:sp>
@@ -4494,7 +4494,7 @@
             <a:lstStyle/>
             <a:p>
               <a:pPr algn="ctr"/>
-              <a:endParaRPr lang="da-DK"/>
+              <a:endParaRPr lang="da-DK" dirty="0"/>
             </a:p>
           </p:txBody>
         </p:sp>
@@ -4540,7 +4540,7 @@
             <a:lstStyle/>
             <a:p>
               <a:pPr algn="ctr"/>
-              <a:endParaRPr lang="da-DK"/>
+              <a:endParaRPr lang="da-DK" dirty="0"/>
             </a:p>
           </p:txBody>
         </p:sp>
@@ -4586,7 +4586,7 @@
             <a:lstStyle/>
             <a:p>
               <a:pPr algn="ctr"/>
-              <a:endParaRPr lang="da-DK"/>
+              <a:endParaRPr lang="da-DK" dirty="0"/>
             </a:p>
           </p:txBody>
         </p:sp>
@@ -4775,7 +4775,7 @@
             <a:lstStyle/>
             <a:p>
               <a:pPr algn="ctr"/>
-              <a:endParaRPr lang="da-DK"/>
+              <a:endParaRPr lang="da-DK" dirty="0"/>
             </a:p>
           </p:txBody>
         </p:sp>
@@ -4858,7 +4858,7 @@
             <a:lstStyle/>
             <a:p>
               <a:pPr algn="ctr"/>
-              <a:endParaRPr lang="da-DK"/>
+              <a:endParaRPr lang="da-DK" dirty="0"/>
             </a:p>
           </p:txBody>
         </p:sp>
@@ -4947,7 +4947,7 @@
             <a:lstStyle/>
             <a:p>
               <a:pPr algn="ctr"/>
-              <a:endParaRPr lang="da-DK"/>
+              <a:endParaRPr lang="da-DK" dirty="0"/>
             </a:p>
           </p:txBody>
         </p:sp>
@@ -4996,7 +4996,7 @@
             <a:lstStyle/>
             <a:p>
               <a:pPr algn="ctr"/>
-              <a:endParaRPr lang="da-DK"/>
+              <a:endParaRPr lang="da-DK" dirty="0"/>
             </a:p>
           </p:txBody>
         </p:sp>
@@ -5080,7 +5080,7 @@
             <a:lstStyle/>
             <a:p>
               <a:pPr algn="ctr"/>
-              <a:endParaRPr lang="da-DK"/>
+              <a:endParaRPr lang="da-DK" dirty="0"/>
             </a:p>
           </p:txBody>
         </p:sp>
@@ -5172,20 +5172,12 @@
           <a:lstStyle/>
           <a:p>
             <a:r>
-              <a:rPr lang="da-DK" sz="1100" dirty="0" err="1" smtClean="0">
-                <a:solidFill>
-                  <a:schemeClr val="tx1"/>
-                </a:solidFill>
-              </a:rPr>
-              <a:t>Steering</a:t>
-            </a:r>
-            <a:r>
               <a:rPr lang="da-DK" sz="1100" dirty="0" smtClean="0">
                 <a:solidFill>
                   <a:schemeClr val="tx1"/>
                 </a:solidFill>
               </a:rPr>
-              <a:t> pos</a:t>
+              <a:t>Steering pos</a:t>
             </a:r>
             <a:endParaRPr lang="da-DK" sz="1100" dirty="0">
               <a:solidFill>
@@ -5491,23 +5483,7 @@
                   <a:schemeClr val="tx1"/>
                 </a:solidFill>
               </a:rPr>
-              <a:t>Water-</a:t>
-            </a:r>
-            <a:r>
-              <a:rPr lang="da-DK" sz="1100" dirty="0" err="1" smtClean="0">
-                <a:solidFill>
-                  <a:schemeClr val="tx1"/>
-                </a:solidFill>
-              </a:rPr>
-              <a:t>temp</a:t>
-            </a:r>
-            <a:r>
-              <a:rPr lang="da-DK" sz="1100" dirty="0" smtClean="0">
-                <a:solidFill>
-                  <a:schemeClr val="tx1"/>
-                </a:solidFill>
-              </a:rPr>
-              <a:t> x2</a:t>
+              <a:t>Water-temp x2</a:t>
             </a:r>
           </a:p>
         </p:txBody>
@@ -5553,23 +5529,7 @@
                   <a:schemeClr val="tx1"/>
                 </a:solidFill>
               </a:rPr>
-              <a:t>Low-</a:t>
-            </a:r>
-            <a:r>
-              <a:rPr lang="da-DK" sz="1100" dirty="0" err="1" smtClean="0">
-                <a:solidFill>
-                  <a:schemeClr val="tx1"/>
-                </a:solidFill>
-              </a:rPr>
-              <a:t>press</a:t>
-            </a:r>
-            <a:r>
-              <a:rPr lang="da-DK" sz="1100" dirty="0" smtClean="0">
-                <a:solidFill>
-                  <a:schemeClr val="tx1"/>
-                </a:solidFill>
-              </a:rPr>
-              <a:t> x2</a:t>
+              <a:t>Low-press x2</a:t>
             </a:r>
           </a:p>
         </p:txBody>
@@ -5818,7 +5778,7 @@
           <a:p>
             <a:pPr algn="ctr"/>
             <a:r>
-              <a:rPr lang="da-DK" sz="1100" dirty="0" err="1" smtClean="0">
+              <a:rPr lang="da-DK" sz="1100" dirty="0" smtClean="0">
                 <a:solidFill>
                   <a:schemeClr val="tx1"/>
                 </a:solidFill>
@@ -6106,7 +6066,7 @@
         </p:nvSpPr>
         <p:spPr>
           <a:xfrm>
-            <a:off x="243190" y="5817456"/>
+            <a:off x="1827366" y="5458910"/>
             <a:ext cx="825020" cy="261610"/>
           </a:xfrm>
           <a:prstGeom prst="rect">
@@ -6158,7 +6118,7 @@
         </p:nvCxnSpPr>
         <p:spPr>
           <a:xfrm>
-            <a:off x="1895439" y="5957247"/>
+            <a:off x="2019076" y="5992849"/>
             <a:ext cx="833351" cy="0"/>
           </a:xfrm>
           <a:prstGeom prst="straightConnector1">
@@ -6192,7 +6152,7 @@
         </p:nvSpPr>
         <p:spPr>
           <a:xfrm>
-            <a:off x="2709142" y="5795391"/>
+            <a:off x="2832779" y="5830993"/>
             <a:ext cx="865764" cy="307777"/>
           </a:xfrm>
           <a:prstGeom prst="rect">
@@ -6222,7 +6182,7 @@
         </p:nvSpPr>
         <p:spPr>
           <a:xfrm>
-            <a:off x="1065149" y="5805264"/>
+            <a:off x="2649325" y="5446718"/>
             <a:ext cx="698539" cy="307777"/>
           </a:xfrm>
           <a:prstGeom prst="rect">
@@ -6452,7 +6412,7 @@
         </p:nvCxnSpPr>
         <p:spPr>
           <a:xfrm>
-            <a:off x="1912399" y="6309320"/>
+            <a:off x="3845313" y="5985291"/>
             <a:ext cx="809465" cy="0"/>
           </a:xfrm>
           <a:prstGeom prst="straightConnector1">
@@ -6485,7 +6445,7 @@
         </p:nvSpPr>
         <p:spPr>
           <a:xfrm>
-            <a:off x="2710256" y="6145559"/>
+            <a:off x="4643170" y="5821530"/>
             <a:ext cx="865765" cy="307777"/>
           </a:xfrm>
           <a:prstGeom prst="rect">
@@ -6728,7 +6688,7 @@
         </p:nvCxnSpPr>
         <p:spPr>
           <a:xfrm>
-            <a:off x="1917380" y="5608984"/>
+            <a:off x="231910" y="6002722"/>
             <a:ext cx="809465" cy="0"/>
           </a:xfrm>
           <a:prstGeom prst="straightConnector1">
@@ -6761,7 +6721,7 @@
         </p:nvSpPr>
         <p:spPr>
           <a:xfrm>
-            <a:off x="2709672" y="5445223"/>
+            <a:off x="1024202" y="5838961"/>
             <a:ext cx="865765" cy="307777"/>
           </a:xfrm>
           <a:prstGeom prst="rect">
@@ -6776,7 +6736,7 @@
           <a:lstStyle/>
           <a:p>
             <a:r>
-              <a:rPr lang="da-DK" sz="1400" dirty="0" err="1" smtClean="0"/>
+              <a:rPr lang="da-DK" sz="1400" dirty="0" smtClean="0"/>
               <a:t>Interrupt</a:t>
             </a:r>
             <a:endParaRPr lang="da-DK" sz="1400" dirty="0"/>
@@ -6859,7 +6819,7 @@
         </p:nvSpPr>
         <p:spPr>
           <a:xfrm>
-            <a:off x="243189" y="6185049"/>
+            <a:off x="3486802" y="5467570"/>
             <a:ext cx="817795" cy="268287"/>
           </a:xfrm>
           <a:prstGeom prst="rect">
@@ -6914,7 +6874,7 @@
         </p:nvSpPr>
         <p:spPr>
           <a:xfrm>
-            <a:off x="1061896" y="6162703"/>
+            <a:off x="4305509" y="5445224"/>
             <a:ext cx="698539" cy="307777"/>
           </a:xfrm>
           <a:prstGeom prst="rect">
@@ -6981,7 +6941,7 @@
         </p:nvCxnSpPr>
         <p:spPr>
           <a:xfrm>
-            <a:off x="1907704" y="6663264"/>
+            <a:off x="5584332" y="5975418"/>
             <a:ext cx="814160" cy="0"/>
           </a:xfrm>
           <a:prstGeom prst="straightConnector1">
@@ -7015,7 +6975,7 @@
         </p:nvSpPr>
         <p:spPr>
           <a:xfrm>
-            <a:off x="2711984" y="6504728"/>
+            <a:off x="6388612" y="5816882"/>
             <a:ext cx="865765" cy="307777"/>
           </a:xfrm>
           <a:prstGeom prst="rect">
@@ -7110,36 +7070,12 @@
           <a:lstStyle/>
           <a:p>
             <a:r>
-              <a:rPr lang="da-DK" sz="1100" dirty="0" err="1" smtClean="0">
-                <a:solidFill>
-                  <a:schemeClr val="tx1"/>
-                </a:solidFill>
-              </a:rPr>
-              <a:t>Shock</a:t>
-            </a:r>
-            <a:r>
               <a:rPr lang="da-DK" sz="1100" dirty="0" smtClean="0">
                 <a:solidFill>
                   <a:schemeClr val="tx1"/>
                 </a:solidFill>
               </a:rPr>
-              <a:t> </a:t>
-            </a:r>
-            <a:r>
-              <a:rPr lang="da-DK" sz="1100" dirty="0" err="1" smtClean="0">
-                <a:solidFill>
-                  <a:schemeClr val="tx1"/>
-                </a:solidFill>
-              </a:rPr>
-              <a:t>travel</a:t>
-            </a:r>
-            <a:r>
-              <a:rPr lang="da-DK" sz="1100" dirty="0" smtClean="0">
-                <a:solidFill>
-                  <a:schemeClr val="tx1"/>
-                </a:solidFill>
-              </a:rPr>
-              <a:t> sensor</a:t>
+              <a:t>Shock travel sensor</a:t>
             </a:r>
             <a:endParaRPr lang="da-DK" sz="1100" dirty="0">
               <a:solidFill>
@@ -7185,36 +7121,12 @@
           <a:lstStyle/>
           <a:p>
             <a:r>
-              <a:rPr lang="da-DK" sz="1100" dirty="0" err="1" smtClean="0">
-                <a:solidFill>
-                  <a:schemeClr val="tx1"/>
-                </a:solidFill>
-              </a:rPr>
-              <a:t>Shock</a:t>
-            </a:r>
-            <a:r>
               <a:rPr lang="da-DK" sz="1100" dirty="0" smtClean="0">
                 <a:solidFill>
                   <a:schemeClr val="tx1"/>
                 </a:solidFill>
               </a:rPr>
-              <a:t> </a:t>
-            </a:r>
-            <a:r>
-              <a:rPr lang="da-DK" sz="1100" dirty="0" err="1" smtClean="0">
-                <a:solidFill>
-                  <a:schemeClr val="tx1"/>
-                </a:solidFill>
-              </a:rPr>
-              <a:t>travel</a:t>
-            </a:r>
-            <a:r>
-              <a:rPr lang="da-DK" sz="1100" dirty="0" smtClean="0">
-                <a:solidFill>
-                  <a:schemeClr val="tx1"/>
-                </a:solidFill>
-              </a:rPr>
-              <a:t> sensor</a:t>
+              <a:t>Shock travel sensor</a:t>
             </a:r>
             <a:endParaRPr lang="da-DK" sz="1100" dirty="0">
               <a:solidFill>
@@ -7591,36 +7503,12 @@
           <a:lstStyle/>
           <a:p>
             <a:r>
-              <a:rPr lang="da-DK" sz="1100" dirty="0" err="1" smtClean="0">
-                <a:solidFill>
-                  <a:schemeClr val="tx1"/>
-                </a:solidFill>
-              </a:rPr>
-              <a:t>Shock</a:t>
-            </a:r>
-            <a:r>
               <a:rPr lang="da-DK" sz="1100" dirty="0" smtClean="0">
                 <a:solidFill>
                   <a:schemeClr val="tx1"/>
                 </a:solidFill>
               </a:rPr>
-              <a:t> </a:t>
-            </a:r>
-            <a:r>
-              <a:rPr lang="da-DK" sz="1100" dirty="0" err="1" smtClean="0">
-                <a:solidFill>
-                  <a:schemeClr val="tx1"/>
-                </a:solidFill>
-              </a:rPr>
-              <a:t>travel</a:t>
-            </a:r>
-            <a:r>
-              <a:rPr lang="da-DK" sz="1100" dirty="0" smtClean="0">
-                <a:solidFill>
-                  <a:schemeClr val="tx1"/>
-                </a:solidFill>
-              </a:rPr>
-              <a:t> sensor</a:t>
+              <a:t>Shock travel sensor</a:t>
             </a:r>
             <a:endParaRPr lang="da-DK" sz="1100" dirty="0">
               <a:solidFill>
@@ -7795,36 +7683,12 @@
           <a:lstStyle/>
           <a:p>
             <a:r>
-              <a:rPr lang="da-DK" sz="1100" dirty="0" err="1" smtClean="0">
-                <a:solidFill>
-                  <a:schemeClr val="tx1"/>
-                </a:solidFill>
-              </a:rPr>
-              <a:t>Shock</a:t>
-            </a:r>
-            <a:r>
               <a:rPr lang="da-DK" sz="1100" dirty="0" smtClean="0">
                 <a:solidFill>
                   <a:schemeClr val="tx1"/>
                 </a:solidFill>
               </a:rPr>
-              <a:t> </a:t>
-            </a:r>
-            <a:r>
-              <a:rPr lang="da-DK" sz="1100" dirty="0" err="1" smtClean="0">
-                <a:solidFill>
-                  <a:schemeClr val="tx1"/>
-                </a:solidFill>
-              </a:rPr>
-              <a:t>travel</a:t>
-            </a:r>
-            <a:r>
-              <a:rPr lang="da-DK" sz="1100" dirty="0" smtClean="0">
-                <a:solidFill>
-                  <a:schemeClr val="tx1"/>
-                </a:solidFill>
-              </a:rPr>
-              <a:t> sensor</a:t>
+              <a:t>Shock travel sensor</a:t>
             </a:r>
             <a:endParaRPr lang="da-DK" sz="1100" dirty="0">
               <a:solidFill>
